--- a/Consistency & coherence.pptx
+++ b/Consistency & coherence.pptx
@@ -5,10 +5,10 @@
     <p:sldMasterId id="2147483648" r:id="rId4"/>
   </p:sldMasterIdLst>
   <p:notesMasterIdLst>
-    <p:notesMasterId r:id="rId25"/>
+    <p:notesMasterId r:id="rId30"/>
   </p:notesMasterIdLst>
   <p:handoutMasterIdLst>
-    <p:handoutMasterId r:id="rId26"/>
+    <p:handoutMasterId r:id="rId31"/>
   </p:handoutMasterIdLst>
   <p:sldIdLst>
     <p:sldId id="256" r:id="rId5"/>
@@ -29,8 +29,13 @@
     <p:sldId id="280" r:id="rId20"/>
     <p:sldId id="282" r:id="rId21"/>
     <p:sldId id="284" r:id="rId22"/>
-    <p:sldId id="283" r:id="rId23"/>
-    <p:sldId id="281" r:id="rId24"/>
+    <p:sldId id="285" r:id="rId23"/>
+    <p:sldId id="283" r:id="rId24"/>
+    <p:sldId id="281" r:id="rId25"/>
+    <p:sldId id="286" r:id="rId26"/>
+    <p:sldId id="287" r:id="rId27"/>
+    <p:sldId id="288" r:id="rId28"/>
+    <p:sldId id="289" r:id="rId29"/>
   </p:sldIdLst>
   <p:sldSz cx="12192000" cy="6858000"/>
   <p:notesSz cx="6858000" cy="9144000"/>
@@ -149,6 +154,3554 @@
     </p:ext>
   </p:extLst>
 </p:presentation>
+</file>
+
+<file path=ppt/diagrams/colors1.xml><?xml version="1.0" encoding="utf-8"?>
+<dgm:colorsDef xmlns:dgm="http://schemas.openxmlformats.org/drawingml/2006/diagram" xmlns:a="http://schemas.openxmlformats.org/drawingml/2006/main" uniqueId="urn:microsoft.com/office/officeart/2005/8/colors/accent2_5">
+  <dgm:title val=""/>
+  <dgm:desc val=""/>
+  <dgm:catLst>
+    <dgm:cat type="accent2" pri="11500"/>
+  </dgm:catLst>
+  <dgm:styleLbl name="node0">
+    <dgm:fillClrLst meth="cycle">
+      <a:schemeClr val="accent2">
+        <a:alpha val="80000"/>
+      </a:schemeClr>
+    </dgm:fillClrLst>
+    <dgm:linClrLst meth="repeat">
+      <a:schemeClr val="lt1"/>
+    </dgm:linClrLst>
+    <dgm:effectClrLst/>
+    <dgm:txLinClrLst/>
+    <dgm:txFillClrLst/>
+    <dgm:txEffectClrLst/>
+  </dgm:styleLbl>
+  <dgm:styleLbl name="node1">
+    <dgm:fillClrLst>
+      <a:schemeClr val="accent2">
+        <a:alpha val="90000"/>
+      </a:schemeClr>
+      <a:schemeClr val="accent2">
+        <a:alpha val="50000"/>
+      </a:schemeClr>
+    </dgm:fillClrLst>
+    <dgm:linClrLst meth="repeat">
+      <a:schemeClr val="lt1"/>
+    </dgm:linClrLst>
+    <dgm:effectClrLst/>
+    <dgm:txLinClrLst/>
+    <dgm:txFillClrLst/>
+    <dgm:txEffectClrLst/>
+  </dgm:styleLbl>
+  <dgm:styleLbl name="alignNode1">
+    <dgm:fillClrLst>
+      <a:schemeClr val="accent2">
+        <a:alpha val="90000"/>
+      </a:schemeClr>
+      <a:schemeClr val="accent2">
+        <a:alpha val="50000"/>
+      </a:schemeClr>
+    </dgm:fillClrLst>
+    <dgm:linClrLst>
+      <a:schemeClr val="accent2">
+        <a:alpha val="90000"/>
+      </a:schemeClr>
+      <a:schemeClr val="accent2">
+        <a:alpha val="50000"/>
+      </a:schemeClr>
+    </dgm:linClrLst>
+    <dgm:effectClrLst/>
+    <dgm:txLinClrLst/>
+    <dgm:txFillClrLst/>
+    <dgm:txEffectClrLst/>
+  </dgm:styleLbl>
+  <dgm:styleLbl name="lnNode1">
+    <dgm:fillClrLst>
+      <a:schemeClr val="accent2">
+        <a:shade val="90000"/>
+      </a:schemeClr>
+      <a:schemeClr val="accent2">
+        <a:alpha val="50000"/>
+        <a:tint val="50000"/>
+      </a:schemeClr>
+    </dgm:fillClrLst>
+    <dgm:linClrLst meth="repeat">
+      <a:schemeClr val="lt1"/>
+    </dgm:linClrLst>
+    <dgm:effectClrLst/>
+    <dgm:txLinClrLst/>
+    <dgm:txFillClrLst/>
+    <dgm:txEffectClrLst/>
+  </dgm:styleLbl>
+  <dgm:styleLbl name="vennNode1">
+    <dgm:fillClrLst>
+      <a:schemeClr val="accent2">
+        <a:shade val="80000"/>
+        <a:alpha val="50000"/>
+      </a:schemeClr>
+      <a:schemeClr val="accent2">
+        <a:alpha val="20000"/>
+      </a:schemeClr>
+    </dgm:fillClrLst>
+    <dgm:linClrLst meth="repeat">
+      <a:schemeClr val="lt1"/>
+    </dgm:linClrLst>
+    <dgm:effectClrLst/>
+    <dgm:txLinClrLst/>
+    <dgm:txFillClrLst/>
+    <dgm:txEffectClrLst/>
+  </dgm:styleLbl>
+  <dgm:styleLbl name="node2">
+    <dgm:fillClrLst>
+      <a:schemeClr val="accent2">
+        <a:alpha val="70000"/>
+      </a:schemeClr>
+    </dgm:fillClrLst>
+    <dgm:linClrLst meth="repeat">
+      <a:schemeClr val="lt1"/>
+    </dgm:linClrLst>
+    <dgm:effectClrLst/>
+    <dgm:txLinClrLst/>
+    <dgm:txFillClrLst/>
+    <dgm:txEffectClrLst/>
+  </dgm:styleLbl>
+  <dgm:styleLbl name="node3">
+    <dgm:fillClrLst>
+      <a:schemeClr val="accent2">
+        <a:alpha val="50000"/>
+      </a:schemeClr>
+    </dgm:fillClrLst>
+    <dgm:linClrLst meth="repeat">
+      <a:schemeClr val="lt1"/>
+    </dgm:linClrLst>
+    <dgm:effectClrLst/>
+    <dgm:txLinClrLst/>
+    <dgm:txFillClrLst/>
+    <dgm:txEffectClrLst/>
+  </dgm:styleLbl>
+  <dgm:styleLbl name="node4">
+    <dgm:fillClrLst>
+      <a:schemeClr val="accent2">
+        <a:alpha val="30000"/>
+      </a:schemeClr>
+    </dgm:fillClrLst>
+    <dgm:linClrLst meth="repeat">
+      <a:schemeClr val="lt1"/>
+    </dgm:linClrLst>
+    <dgm:effectClrLst/>
+    <dgm:txLinClrLst/>
+    <dgm:txFillClrLst/>
+    <dgm:txEffectClrLst/>
+  </dgm:styleLbl>
+  <dgm:styleLbl name="fgImgPlace1">
+    <dgm:fillClrLst>
+      <a:schemeClr val="accent2">
+        <a:tint val="50000"/>
+        <a:alpha val="90000"/>
+      </a:schemeClr>
+      <a:schemeClr val="accent2">
+        <a:tint val="20000"/>
+        <a:alpha val="50000"/>
+      </a:schemeClr>
+    </dgm:fillClrLst>
+    <dgm:linClrLst meth="repeat">
+      <a:schemeClr val="lt1"/>
+    </dgm:linClrLst>
+    <dgm:effectClrLst/>
+    <dgm:txLinClrLst/>
+    <dgm:txFillClrLst meth="repeat">
+      <a:schemeClr val="lt1"/>
+    </dgm:txFillClrLst>
+    <dgm:txEffectClrLst/>
+  </dgm:styleLbl>
+  <dgm:styleLbl name="alignImgPlace1">
+    <dgm:fillClrLst>
+      <a:schemeClr val="accent2">
+        <a:tint val="50000"/>
+      </a:schemeClr>
+      <a:schemeClr val="accent2">
+        <a:tint val="20000"/>
+      </a:schemeClr>
+    </dgm:fillClrLst>
+    <dgm:linClrLst meth="repeat">
+      <a:schemeClr val="lt1"/>
+    </dgm:linClrLst>
+    <dgm:effectClrLst/>
+    <dgm:txLinClrLst/>
+    <dgm:txFillClrLst meth="repeat">
+      <a:schemeClr val="lt1"/>
+    </dgm:txFillClrLst>
+    <dgm:txEffectClrLst/>
+  </dgm:styleLbl>
+  <dgm:styleLbl name="bgImgPlace1">
+    <dgm:fillClrLst>
+      <a:schemeClr val="accent2">
+        <a:tint val="50000"/>
+      </a:schemeClr>
+      <a:schemeClr val="accent2">
+        <a:tint val="20000"/>
+      </a:schemeClr>
+    </dgm:fillClrLst>
+    <dgm:linClrLst meth="repeat">
+      <a:schemeClr val="lt1"/>
+    </dgm:linClrLst>
+    <dgm:effectClrLst/>
+    <dgm:txLinClrLst/>
+    <dgm:txFillClrLst meth="repeat">
+      <a:schemeClr val="lt1"/>
+    </dgm:txFillClrLst>
+    <dgm:txEffectClrLst/>
+  </dgm:styleLbl>
+  <dgm:styleLbl name="sibTrans2D1">
+    <dgm:fillClrLst>
+      <a:schemeClr val="accent2">
+        <a:shade val="90000"/>
+      </a:schemeClr>
+      <a:schemeClr val="accent2">
+        <a:tint val="50000"/>
+      </a:schemeClr>
+    </dgm:fillClrLst>
+    <dgm:linClrLst>
+      <a:schemeClr val="accent2">
+        <a:shade val="90000"/>
+      </a:schemeClr>
+      <a:schemeClr val="accent2">
+        <a:tint val="50000"/>
+      </a:schemeClr>
+    </dgm:linClrLst>
+    <dgm:effectClrLst/>
+    <dgm:txLinClrLst/>
+    <dgm:txFillClrLst/>
+    <dgm:txEffectClrLst/>
+  </dgm:styleLbl>
+  <dgm:styleLbl name="fgSibTrans2D1">
+    <dgm:fillClrLst>
+      <a:schemeClr val="accent2">
+        <a:shade val="90000"/>
+      </a:schemeClr>
+      <a:schemeClr val="accent2">
+        <a:tint val="50000"/>
+      </a:schemeClr>
+    </dgm:fillClrLst>
+    <dgm:linClrLst>
+      <a:schemeClr val="accent2">
+        <a:shade val="90000"/>
+      </a:schemeClr>
+      <a:schemeClr val="accent2">
+        <a:tint val="50000"/>
+      </a:schemeClr>
+    </dgm:linClrLst>
+    <dgm:effectClrLst/>
+    <dgm:txLinClrLst/>
+    <dgm:txFillClrLst/>
+    <dgm:txEffectClrLst/>
+  </dgm:styleLbl>
+  <dgm:styleLbl name="bgSibTrans2D1">
+    <dgm:fillClrLst>
+      <a:schemeClr val="accent2">
+        <a:shade val="90000"/>
+      </a:schemeClr>
+      <a:schemeClr val="accent2">
+        <a:tint val="50000"/>
+      </a:schemeClr>
+    </dgm:fillClrLst>
+    <dgm:linClrLst>
+      <a:schemeClr val="accent2">
+        <a:shade val="90000"/>
+      </a:schemeClr>
+      <a:schemeClr val="accent2">
+        <a:tint val="50000"/>
+      </a:schemeClr>
+    </dgm:linClrLst>
+    <dgm:effectClrLst/>
+    <dgm:txLinClrLst/>
+    <dgm:txFillClrLst/>
+    <dgm:txEffectClrLst/>
+  </dgm:styleLbl>
+  <dgm:styleLbl name="sibTrans1D1">
+    <dgm:fillClrLst>
+      <a:schemeClr val="accent2">
+        <a:shade val="90000"/>
+      </a:schemeClr>
+      <a:schemeClr val="accent2">
+        <a:tint val="50000"/>
+      </a:schemeClr>
+    </dgm:fillClrLst>
+    <dgm:linClrLst>
+      <a:schemeClr val="accent2">
+        <a:shade val="90000"/>
+      </a:schemeClr>
+      <a:schemeClr val="accent2">
+        <a:tint val="50000"/>
+      </a:schemeClr>
+    </dgm:linClrLst>
+    <dgm:effectClrLst/>
+    <dgm:txLinClrLst/>
+    <dgm:txFillClrLst meth="repeat">
+      <a:schemeClr val="tx1"/>
+    </dgm:txFillClrLst>
+    <dgm:txEffectClrLst/>
+  </dgm:styleLbl>
+  <dgm:styleLbl name="callout">
+    <dgm:fillClrLst meth="repeat">
+      <a:schemeClr val="accent2"/>
+    </dgm:fillClrLst>
+    <dgm:linClrLst meth="repeat">
+      <a:schemeClr val="accent2"/>
+    </dgm:linClrLst>
+    <dgm:effectClrLst/>
+    <dgm:txLinClrLst/>
+    <dgm:txFillClrLst meth="repeat">
+      <a:schemeClr val="tx1"/>
+    </dgm:txFillClrLst>
+    <dgm:txEffectClrLst/>
+  </dgm:styleLbl>
+  <dgm:styleLbl name="asst0">
+    <dgm:fillClrLst meth="repeat">
+      <a:schemeClr val="accent2">
+        <a:alpha val="90000"/>
+      </a:schemeClr>
+    </dgm:fillClrLst>
+    <dgm:linClrLst meth="repeat">
+      <a:schemeClr val="lt1"/>
+    </dgm:linClrLst>
+    <dgm:effectClrLst/>
+    <dgm:txLinClrLst/>
+    <dgm:txFillClrLst/>
+    <dgm:txEffectClrLst/>
+  </dgm:styleLbl>
+  <dgm:styleLbl name="asst1">
+    <dgm:fillClrLst meth="repeat">
+      <a:schemeClr val="accent2">
+        <a:alpha val="90000"/>
+      </a:schemeClr>
+    </dgm:fillClrLst>
+    <dgm:linClrLst meth="repeat">
+      <a:schemeClr val="lt1"/>
+    </dgm:linClrLst>
+    <dgm:effectClrLst/>
+    <dgm:txLinClrLst/>
+    <dgm:txFillClrLst/>
+    <dgm:txEffectClrLst/>
+  </dgm:styleLbl>
+  <dgm:styleLbl name="asst2">
+    <dgm:fillClrLst>
+      <a:schemeClr val="accent2">
+        <a:alpha val="90000"/>
+      </a:schemeClr>
+    </dgm:fillClrLst>
+    <dgm:linClrLst meth="repeat">
+      <a:schemeClr val="lt1"/>
+    </dgm:linClrLst>
+    <dgm:effectClrLst/>
+    <dgm:txLinClrLst/>
+    <dgm:txFillClrLst/>
+    <dgm:txEffectClrLst/>
+  </dgm:styleLbl>
+  <dgm:styleLbl name="asst3">
+    <dgm:fillClrLst>
+      <a:schemeClr val="accent2">
+        <a:alpha val="70000"/>
+      </a:schemeClr>
+    </dgm:fillClrLst>
+    <dgm:linClrLst meth="repeat">
+      <a:schemeClr val="lt1"/>
+    </dgm:linClrLst>
+    <dgm:effectClrLst/>
+    <dgm:txLinClrLst/>
+    <dgm:txFillClrLst/>
+    <dgm:txEffectClrLst/>
+  </dgm:styleLbl>
+  <dgm:styleLbl name="asst4">
+    <dgm:fillClrLst>
+      <a:schemeClr val="accent2">
+        <a:alpha val="50000"/>
+      </a:schemeClr>
+    </dgm:fillClrLst>
+    <dgm:linClrLst meth="repeat">
+      <a:schemeClr val="lt1"/>
+    </dgm:linClrLst>
+    <dgm:effectClrLst/>
+    <dgm:txLinClrLst/>
+    <dgm:txFillClrLst/>
+    <dgm:txEffectClrLst/>
+  </dgm:styleLbl>
+  <dgm:styleLbl name="parChTrans2D1">
+    <dgm:fillClrLst meth="repeat">
+      <a:schemeClr val="accent2">
+        <a:shade val="80000"/>
+      </a:schemeClr>
+    </dgm:fillClrLst>
+    <dgm:linClrLst meth="repeat">
+      <a:schemeClr val="accent2">
+        <a:shade val="80000"/>
+      </a:schemeClr>
+    </dgm:linClrLst>
+    <dgm:effectClrLst/>
+    <dgm:txLinClrLst/>
+    <dgm:txFillClrLst/>
+    <dgm:txEffectClrLst/>
+  </dgm:styleLbl>
+  <dgm:styleLbl name="parChTrans2D2">
+    <dgm:fillClrLst meth="repeat">
+      <a:schemeClr val="accent2">
+        <a:tint val="90000"/>
+      </a:schemeClr>
+    </dgm:fillClrLst>
+    <dgm:linClrLst meth="repeat">
+      <a:schemeClr val="accent2">
+        <a:tint val="90000"/>
+      </a:schemeClr>
+    </dgm:linClrLst>
+    <dgm:effectClrLst/>
+    <dgm:txLinClrLst/>
+    <dgm:txFillClrLst/>
+    <dgm:txEffectClrLst/>
+  </dgm:styleLbl>
+  <dgm:styleLbl name="parChTrans2D3">
+    <dgm:fillClrLst meth="repeat">
+      <a:schemeClr val="accent2">
+        <a:tint val="70000"/>
+      </a:schemeClr>
+    </dgm:fillClrLst>
+    <dgm:linClrLst meth="repeat">
+      <a:schemeClr val="accent2">
+        <a:tint val="70000"/>
+      </a:schemeClr>
+    </dgm:linClrLst>
+    <dgm:effectClrLst/>
+    <dgm:txLinClrLst/>
+    <dgm:txFillClrLst/>
+    <dgm:txEffectClrLst/>
+  </dgm:styleLbl>
+  <dgm:styleLbl name="parChTrans2D4">
+    <dgm:fillClrLst meth="repeat">
+      <a:schemeClr val="accent2">
+        <a:tint val="50000"/>
+      </a:schemeClr>
+    </dgm:fillClrLst>
+    <dgm:linClrLst meth="repeat">
+      <a:schemeClr val="accent2">
+        <a:tint val="50000"/>
+      </a:schemeClr>
+    </dgm:linClrLst>
+    <dgm:effectClrLst/>
+    <dgm:txLinClrLst/>
+    <dgm:txFillClrLst meth="repeat">
+      <a:schemeClr val="dk1"/>
+    </dgm:txFillClrLst>
+    <dgm:txEffectClrLst/>
+  </dgm:styleLbl>
+  <dgm:styleLbl name="parChTrans1D1">
+    <dgm:fillClrLst meth="repeat">
+      <a:schemeClr val="accent2">
+        <a:shade val="80000"/>
+      </a:schemeClr>
+    </dgm:fillClrLst>
+    <dgm:linClrLst meth="repeat">
+      <a:schemeClr val="accent2">
+        <a:shade val="80000"/>
+      </a:schemeClr>
+    </dgm:linClrLst>
+    <dgm:effectClrLst/>
+    <dgm:txLinClrLst/>
+    <dgm:txFillClrLst meth="repeat">
+      <a:schemeClr val="tx1"/>
+    </dgm:txFillClrLst>
+    <dgm:txEffectClrLst/>
+  </dgm:styleLbl>
+  <dgm:styleLbl name="parChTrans1D2">
+    <dgm:fillClrLst meth="repeat">
+      <a:schemeClr val="accent2">
+        <a:tint val="90000"/>
+      </a:schemeClr>
+    </dgm:fillClrLst>
+    <dgm:linClrLst meth="repeat">
+      <a:schemeClr val="accent2">
+        <a:tint val="90000"/>
+      </a:schemeClr>
+    </dgm:linClrLst>
+    <dgm:effectClrLst/>
+    <dgm:txLinClrLst/>
+    <dgm:txFillClrLst meth="repeat">
+      <a:schemeClr val="tx1"/>
+    </dgm:txFillClrLst>
+    <dgm:txEffectClrLst/>
+  </dgm:styleLbl>
+  <dgm:styleLbl name="parChTrans1D3">
+    <dgm:fillClrLst meth="repeat">
+      <a:schemeClr val="accent2">
+        <a:tint val="70000"/>
+      </a:schemeClr>
+    </dgm:fillClrLst>
+    <dgm:linClrLst meth="repeat">
+      <a:schemeClr val="accent2">
+        <a:tint val="70000"/>
+      </a:schemeClr>
+    </dgm:linClrLst>
+    <dgm:effectClrLst/>
+    <dgm:txLinClrLst/>
+    <dgm:txFillClrLst meth="repeat">
+      <a:schemeClr val="tx1"/>
+    </dgm:txFillClrLst>
+    <dgm:txEffectClrLst/>
+  </dgm:styleLbl>
+  <dgm:styleLbl name="parChTrans1D4">
+    <dgm:fillClrLst meth="repeat">
+      <a:schemeClr val="accent2">
+        <a:tint val="50000"/>
+      </a:schemeClr>
+    </dgm:fillClrLst>
+    <dgm:linClrLst meth="repeat">
+      <a:schemeClr val="accent2">
+        <a:tint val="50000"/>
+      </a:schemeClr>
+    </dgm:linClrLst>
+    <dgm:effectClrLst/>
+    <dgm:txLinClrLst/>
+    <dgm:txFillClrLst meth="repeat">
+      <a:schemeClr val="tx1"/>
+    </dgm:txFillClrLst>
+    <dgm:txEffectClrLst/>
+  </dgm:styleLbl>
+  <dgm:styleLbl name="fgAcc1">
+    <dgm:fillClrLst meth="repeat">
+      <a:schemeClr val="lt1">
+        <a:alpha val="90000"/>
+      </a:schemeClr>
+    </dgm:fillClrLst>
+    <dgm:linClrLst>
+      <a:schemeClr val="accent2">
+        <a:alpha val="90000"/>
+      </a:schemeClr>
+      <a:schemeClr val="accent2">
+        <a:alpha val="50000"/>
+      </a:schemeClr>
+    </dgm:linClrLst>
+    <dgm:effectClrLst/>
+    <dgm:txLinClrLst/>
+    <dgm:txFillClrLst meth="repeat">
+      <a:schemeClr val="dk1"/>
+    </dgm:txFillClrLst>
+    <dgm:txEffectClrLst/>
+  </dgm:styleLbl>
+  <dgm:styleLbl name="conFgAcc1">
+    <dgm:fillClrLst meth="repeat">
+      <a:schemeClr val="lt1">
+        <a:alpha val="90000"/>
+      </a:schemeClr>
+    </dgm:fillClrLst>
+    <dgm:linClrLst>
+      <a:schemeClr val="accent2">
+        <a:alpha val="90000"/>
+      </a:schemeClr>
+      <a:schemeClr val="accent2">
+        <a:alpha val="50000"/>
+      </a:schemeClr>
+    </dgm:linClrLst>
+    <dgm:effectClrLst/>
+    <dgm:txLinClrLst/>
+    <dgm:txFillClrLst meth="repeat">
+      <a:schemeClr val="dk1"/>
+    </dgm:txFillClrLst>
+    <dgm:txEffectClrLst/>
+  </dgm:styleLbl>
+  <dgm:styleLbl name="alignAcc1">
+    <dgm:fillClrLst meth="repeat">
+      <a:schemeClr val="lt1">
+        <a:alpha val="90000"/>
+      </a:schemeClr>
+    </dgm:fillClrLst>
+    <dgm:linClrLst>
+      <a:schemeClr val="accent2">
+        <a:alpha val="90000"/>
+      </a:schemeClr>
+      <a:schemeClr val="accent2">
+        <a:alpha val="50000"/>
+      </a:schemeClr>
+    </dgm:linClrLst>
+    <dgm:effectClrLst/>
+    <dgm:txLinClrLst/>
+    <dgm:txFillClrLst meth="repeat">
+      <a:schemeClr val="dk1"/>
+    </dgm:txFillClrLst>
+    <dgm:txEffectClrLst/>
+  </dgm:styleLbl>
+  <dgm:styleLbl name="trAlignAcc1">
+    <dgm:fillClrLst meth="repeat">
+      <a:schemeClr val="lt1">
+        <a:alpha val="40000"/>
+      </a:schemeClr>
+    </dgm:fillClrLst>
+    <dgm:linClrLst>
+      <a:schemeClr val="accent2">
+        <a:alpha val="90000"/>
+      </a:schemeClr>
+      <a:schemeClr val="accent2">
+        <a:alpha val="50000"/>
+      </a:schemeClr>
+    </dgm:linClrLst>
+    <dgm:effectClrLst/>
+    <dgm:txLinClrLst/>
+    <dgm:txFillClrLst meth="repeat">
+      <a:schemeClr val="dk1"/>
+    </dgm:txFillClrLst>
+    <dgm:txEffectClrLst/>
+  </dgm:styleLbl>
+  <dgm:styleLbl name="bgAcc1">
+    <dgm:fillClrLst meth="repeat">
+      <a:schemeClr val="lt1">
+        <a:alpha val="90000"/>
+      </a:schemeClr>
+    </dgm:fillClrLst>
+    <dgm:linClrLst>
+      <a:schemeClr val="accent2">
+        <a:alpha val="90000"/>
+      </a:schemeClr>
+      <a:schemeClr val="accent2">
+        <a:alpha val="50000"/>
+      </a:schemeClr>
+    </dgm:linClrLst>
+    <dgm:effectClrLst/>
+    <dgm:txLinClrLst/>
+    <dgm:txFillClrLst meth="repeat">
+      <a:schemeClr val="dk1"/>
+    </dgm:txFillClrLst>
+    <dgm:txEffectClrLst/>
+  </dgm:styleLbl>
+  <dgm:styleLbl name="solidFgAcc1">
+    <dgm:fillClrLst meth="repeat">
+      <a:schemeClr val="lt1"/>
+    </dgm:fillClrLst>
+    <dgm:linClrLst>
+      <a:schemeClr val="accent2">
+        <a:alpha val="90000"/>
+      </a:schemeClr>
+      <a:schemeClr val="accent2">
+        <a:alpha val="50000"/>
+      </a:schemeClr>
+    </dgm:linClrLst>
+    <dgm:effectClrLst/>
+    <dgm:txLinClrLst/>
+    <dgm:txFillClrLst meth="repeat">
+      <a:schemeClr val="dk1"/>
+    </dgm:txFillClrLst>
+    <dgm:txEffectClrLst/>
+  </dgm:styleLbl>
+  <dgm:styleLbl name="solidAlignAcc1">
+    <dgm:fillClrLst meth="repeat">
+      <a:schemeClr val="lt1"/>
+    </dgm:fillClrLst>
+    <dgm:linClrLst meth="repeat">
+      <a:schemeClr val="accent2"/>
+    </dgm:linClrLst>
+    <dgm:effectClrLst/>
+    <dgm:txLinClrLst/>
+    <dgm:txFillClrLst meth="repeat">
+      <a:schemeClr val="dk1"/>
+    </dgm:txFillClrLst>
+    <dgm:txEffectClrLst/>
+  </dgm:styleLbl>
+  <dgm:styleLbl name="solidBgAcc1">
+    <dgm:fillClrLst meth="repeat">
+      <a:schemeClr val="lt1"/>
+    </dgm:fillClrLst>
+    <dgm:linClrLst meth="repeat">
+      <a:schemeClr val="accent2"/>
+    </dgm:linClrLst>
+    <dgm:effectClrLst/>
+    <dgm:txLinClrLst/>
+    <dgm:txFillClrLst meth="repeat">
+      <a:schemeClr val="dk1"/>
+    </dgm:txFillClrLst>
+    <dgm:txEffectClrLst/>
+  </dgm:styleLbl>
+  <dgm:styleLbl name="fgAccFollowNode1">
+    <dgm:fillClrLst>
+      <a:schemeClr val="accent2">
+        <a:alpha val="90000"/>
+        <a:tint val="40000"/>
+      </a:schemeClr>
+      <a:schemeClr val="accent2">
+        <a:alpha val="50000"/>
+        <a:tint val="40000"/>
+      </a:schemeClr>
+    </dgm:fillClrLst>
+    <dgm:linClrLst meth="repeat">
+      <a:schemeClr val="accent2">
+        <a:alpha val="90000"/>
+        <a:tint val="40000"/>
+      </a:schemeClr>
+    </dgm:linClrLst>
+    <dgm:effectClrLst/>
+    <dgm:txLinClrLst/>
+    <dgm:txFillClrLst meth="repeat">
+      <a:schemeClr val="dk1"/>
+    </dgm:txFillClrLst>
+    <dgm:txEffectClrLst/>
+  </dgm:styleLbl>
+  <dgm:styleLbl name="alignAccFollowNode1">
+    <dgm:fillClrLst meth="repeat">
+      <a:schemeClr val="accent2">
+        <a:alpha val="90000"/>
+        <a:tint val="40000"/>
+      </a:schemeClr>
+    </dgm:fillClrLst>
+    <dgm:linClrLst meth="repeat">
+      <a:schemeClr val="accent2">
+        <a:alpha val="90000"/>
+        <a:tint val="40000"/>
+      </a:schemeClr>
+    </dgm:linClrLst>
+    <dgm:effectClrLst/>
+    <dgm:txLinClrLst/>
+    <dgm:txFillClrLst meth="repeat">
+      <a:schemeClr val="dk1"/>
+    </dgm:txFillClrLst>
+    <dgm:txEffectClrLst/>
+  </dgm:styleLbl>
+  <dgm:styleLbl name="bgAccFollowNode1">
+    <dgm:fillClrLst meth="repeat">
+      <a:schemeClr val="accent2">
+        <a:alpha val="90000"/>
+        <a:tint val="40000"/>
+      </a:schemeClr>
+    </dgm:fillClrLst>
+    <dgm:linClrLst meth="repeat">
+      <a:schemeClr val="lt1"/>
+    </dgm:linClrLst>
+    <dgm:effectClrLst/>
+    <dgm:txLinClrLst/>
+    <dgm:txFillClrLst meth="repeat">
+      <a:schemeClr val="dk1"/>
+    </dgm:txFillClrLst>
+    <dgm:txEffectClrLst/>
+  </dgm:styleLbl>
+  <dgm:styleLbl name="fgAcc0">
+    <dgm:fillClrLst meth="repeat">
+      <a:schemeClr val="lt1">
+        <a:alpha val="90000"/>
+      </a:schemeClr>
+    </dgm:fillClrLst>
+    <dgm:linClrLst meth="repeat">
+      <a:schemeClr val="accent2">
+        <a:shade val="80000"/>
+      </a:schemeClr>
+    </dgm:linClrLst>
+    <dgm:effectClrLst/>
+    <dgm:txLinClrLst/>
+    <dgm:txFillClrLst meth="repeat">
+      <a:schemeClr val="dk1"/>
+    </dgm:txFillClrLst>
+    <dgm:txEffectClrLst/>
+  </dgm:styleLbl>
+  <dgm:styleLbl name="fgAcc2">
+    <dgm:fillClrLst meth="repeat">
+      <a:schemeClr val="lt1">
+        <a:alpha val="90000"/>
+      </a:schemeClr>
+    </dgm:fillClrLst>
+    <dgm:linClrLst meth="repeat">
+      <a:schemeClr val="accent2">
+        <a:tint val="90000"/>
+      </a:schemeClr>
+    </dgm:linClrLst>
+    <dgm:effectClrLst/>
+    <dgm:txLinClrLst/>
+    <dgm:txFillClrLst meth="repeat">
+      <a:schemeClr val="dk1"/>
+    </dgm:txFillClrLst>
+    <dgm:txEffectClrLst/>
+  </dgm:styleLbl>
+  <dgm:styleLbl name="fgAcc3">
+    <dgm:fillClrLst meth="repeat">
+      <a:schemeClr val="lt1">
+        <a:alpha val="90000"/>
+      </a:schemeClr>
+    </dgm:fillClrLst>
+    <dgm:linClrLst meth="repeat">
+      <a:schemeClr val="accent2">
+        <a:tint val="70000"/>
+      </a:schemeClr>
+    </dgm:linClrLst>
+    <dgm:effectClrLst/>
+    <dgm:txLinClrLst/>
+    <dgm:txFillClrLst meth="repeat">
+      <a:schemeClr val="dk1"/>
+    </dgm:txFillClrLst>
+    <dgm:txEffectClrLst/>
+  </dgm:styleLbl>
+  <dgm:styleLbl name="fgAcc4">
+    <dgm:fillClrLst meth="repeat">
+      <a:schemeClr val="lt1">
+        <a:alpha val="90000"/>
+      </a:schemeClr>
+    </dgm:fillClrLst>
+    <dgm:linClrLst meth="repeat">
+      <a:schemeClr val="accent2">
+        <a:tint val="50000"/>
+      </a:schemeClr>
+    </dgm:linClrLst>
+    <dgm:effectClrLst/>
+    <dgm:txLinClrLst/>
+    <dgm:txFillClrLst meth="repeat">
+      <a:schemeClr val="dk1"/>
+    </dgm:txFillClrLst>
+    <dgm:txEffectClrLst/>
+  </dgm:styleLbl>
+  <dgm:styleLbl name="bgShp">
+    <dgm:fillClrLst meth="repeat">
+      <a:schemeClr val="accent2">
+        <a:tint val="40000"/>
+      </a:schemeClr>
+    </dgm:fillClrLst>
+    <dgm:linClrLst meth="repeat">
+      <a:schemeClr val="dk1"/>
+    </dgm:linClrLst>
+    <dgm:effectClrLst/>
+    <dgm:txLinClrLst/>
+    <dgm:txFillClrLst meth="repeat">
+      <a:schemeClr val="dk1"/>
+    </dgm:txFillClrLst>
+    <dgm:txEffectClrLst/>
+  </dgm:styleLbl>
+  <dgm:styleLbl name="dkBgShp">
+    <dgm:fillClrLst meth="repeat">
+      <a:schemeClr val="accent2">
+        <a:shade val="90000"/>
+      </a:schemeClr>
+    </dgm:fillClrLst>
+    <dgm:linClrLst meth="repeat">
+      <a:schemeClr val="dk1"/>
+    </dgm:linClrLst>
+    <dgm:effectClrLst/>
+    <dgm:txLinClrLst/>
+    <dgm:txFillClrLst meth="repeat">
+      <a:schemeClr val="lt1"/>
+    </dgm:txFillClrLst>
+    <dgm:txEffectClrLst/>
+  </dgm:styleLbl>
+  <dgm:styleLbl name="trBgShp">
+    <dgm:fillClrLst meth="repeat">
+      <a:schemeClr val="accent2">
+        <a:tint val="50000"/>
+        <a:alpha val="40000"/>
+      </a:schemeClr>
+    </dgm:fillClrLst>
+    <dgm:linClrLst meth="repeat">
+      <a:schemeClr val="accent2"/>
+    </dgm:linClrLst>
+    <dgm:effectClrLst/>
+    <dgm:txLinClrLst/>
+    <dgm:txFillClrLst meth="repeat">
+      <a:schemeClr val="lt1"/>
+    </dgm:txFillClrLst>
+    <dgm:txEffectClrLst/>
+  </dgm:styleLbl>
+  <dgm:styleLbl name="fgShp">
+    <dgm:fillClrLst meth="repeat">
+      <a:schemeClr val="accent2">
+        <a:tint val="40000"/>
+      </a:schemeClr>
+    </dgm:fillClrLst>
+    <dgm:linClrLst meth="repeat">
+      <a:schemeClr val="lt1"/>
+    </dgm:linClrLst>
+    <dgm:effectClrLst/>
+    <dgm:txLinClrLst/>
+    <dgm:txFillClrLst meth="repeat">
+      <a:schemeClr val="dk1"/>
+    </dgm:txFillClrLst>
+    <dgm:txEffectClrLst/>
+  </dgm:styleLbl>
+  <dgm:styleLbl name="revTx">
+    <dgm:fillClrLst meth="repeat">
+      <a:schemeClr val="lt1">
+        <a:alpha val="0"/>
+      </a:schemeClr>
+    </dgm:fillClrLst>
+    <dgm:linClrLst meth="repeat">
+      <a:schemeClr val="dk1">
+        <a:alpha val="0"/>
+      </a:schemeClr>
+    </dgm:linClrLst>
+    <dgm:effectClrLst/>
+    <dgm:txLinClrLst/>
+    <dgm:txFillClrLst meth="repeat">
+      <a:schemeClr val="tx1"/>
+    </dgm:txFillClrLst>
+    <dgm:txEffectClrLst/>
+  </dgm:styleLbl>
+</dgm:colorsDef>
+</file>
+
+<file path=ppt/diagrams/data1.xml><?xml version="1.0" encoding="utf-8"?>
+<dgm:dataModel xmlns:dgm="http://schemas.openxmlformats.org/drawingml/2006/diagram" xmlns:a="http://schemas.openxmlformats.org/drawingml/2006/main">
+  <dgm:ptLst>
+    <dgm:pt modelId="{56FAA275-F73D-49D3-93FE-FF1F06513767}" type="doc">
+      <dgm:prSet loTypeId="urn:microsoft.com/office/officeart/2005/8/layout/chevron2" loCatId="list" qsTypeId="urn:microsoft.com/office/officeart/2005/8/quickstyle/3d3" qsCatId="3D" csTypeId="urn:microsoft.com/office/officeart/2005/8/colors/accent2_5" csCatId="accent2" phldr="1"/>
+      <dgm:spPr/>
+      <dgm:t>
+        <a:bodyPr/>
+        <a:lstStyle/>
+        <a:p>
+          <a:endParaRPr lang="en-US"/>
+        </a:p>
+      </dgm:t>
+    </dgm:pt>
+    <dgm:pt modelId="{2174012C-C0E3-4BB8-9893-1C8BC87D3ABD}">
+      <dgm:prSet phldrT="[Text]" custT="1"/>
+      <dgm:spPr/>
+      <dgm:t>
+        <a:bodyPr/>
+        <a:lstStyle/>
+        <a:p>
+          <a:r>
+            <a:rPr lang="en-US" sz="2800" dirty="0" smtClean="0"/>
+            <a:t>Naive</a:t>
+          </a:r>
+          <a:endParaRPr lang="en-US" sz="2800" dirty="0"/>
+        </a:p>
+      </dgm:t>
+    </dgm:pt>
+    <dgm:pt modelId="{00674609-C1E5-4A99-B4DD-715B7FF5BA03}" type="parTrans" cxnId="{3F33D3EC-9F68-4616-B649-D0806F6365B5}">
+      <dgm:prSet/>
+      <dgm:spPr/>
+      <dgm:t>
+        <a:bodyPr/>
+        <a:lstStyle/>
+        <a:p>
+          <a:endParaRPr lang="en-US"/>
+        </a:p>
+      </dgm:t>
+    </dgm:pt>
+    <dgm:pt modelId="{02D37EDB-4EF6-4921-87FA-62F99F647458}" type="sibTrans" cxnId="{3F33D3EC-9F68-4616-B649-D0806F6365B5}">
+      <dgm:prSet/>
+      <dgm:spPr/>
+      <dgm:t>
+        <a:bodyPr/>
+        <a:lstStyle/>
+        <a:p>
+          <a:endParaRPr lang="en-US"/>
+        </a:p>
+      </dgm:t>
+    </dgm:pt>
+    <dgm:pt modelId="{C3447957-3545-4D91-AA53-0235A389C9C0}">
+      <dgm:prSet phldrT="[Text]"/>
+      <dgm:spPr/>
+      <dgm:t>
+        <a:bodyPr/>
+        <a:lstStyle/>
+        <a:p>
+          <a:r>
+            <a:rPr lang="en-US" dirty="0" smtClean="0"/>
+            <a:t>CPU-like Protocols</a:t>
+          </a:r>
+          <a:endParaRPr lang="en-US" dirty="0"/>
+        </a:p>
+      </dgm:t>
+    </dgm:pt>
+    <dgm:pt modelId="{B76545DB-AF16-4A63-A4C7-615961B5AEBF}" type="parTrans" cxnId="{B4D13A64-5F98-4469-9D56-38CEE68E0B24}">
+      <dgm:prSet/>
+      <dgm:spPr/>
+      <dgm:t>
+        <a:bodyPr/>
+        <a:lstStyle/>
+        <a:p>
+          <a:endParaRPr lang="en-US"/>
+        </a:p>
+      </dgm:t>
+    </dgm:pt>
+    <dgm:pt modelId="{FEA4BB3C-F9AB-402C-A880-3FC0BE34F6C0}" type="sibTrans" cxnId="{B4D13A64-5F98-4469-9D56-38CEE68E0B24}">
+      <dgm:prSet/>
+      <dgm:spPr/>
+      <dgm:t>
+        <a:bodyPr/>
+        <a:lstStyle/>
+        <a:p>
+          <a:endParaRPr lang="en-US"/>
+        </a:p>
+      </dgm:t>
+    </dgm:pt>
+    <dgm:pt modelId="{8CBEAF38-1F20-4159-A121-1144FA5861CD}">
+      <dgm:prSet phldrT="[Text]"/>
+      <dgm:spPr/>
+      <dgm:t>
+        <a:bodyPr/>
+        <a:lstStyle/>
+        <a:p>
+          <a:r>
+            <a:rPr lang="en-US" smtClean="0"/>
+            <a:t>Downside: Tens of thousands of active transaction! How to track all transactions?</a:t>
+          </a:r>
+          <a:endParaRPr lang="en-US" dirty="0"/>
+        </a:p>
+      </dgm:t>
+    </dgm:pt>
+    <dgm:pt modelId="{B6E8D28F-A1C4-4ECF-959E-DF4083262DE8}" type="parTrans" cxnId="{F7E9A4E7-E7D4-46DE-924F-F314FE1592EE}">
+      <dgm:prSet/>
+      <dgm:spPr/>
+      <dgm:t>
+        <a:bodyPr/>
+        <a:lstStyle/>
+        <a:p>
+          <a:endParaRPr lang="en-US"/>
+        </a:p>
+      </dgm:t>
+    </dgm:pt>
+    <dgm:pt modelId="{B52A1234-C069-4B81-8209-3B125BC4B11E}" type="sibTrans" cxnId="{F7E9A4E7-E7D4-46DE-924F-F314FE1592EE}">
+      <dgm:prSet/>
+      <dgm:spPr/>
+      <dgm:t>
+        <a:bodyPr/>
+        <a:lstStyle/>
+        <a:p>
+          <a:endParaRPr lang="en-US"/>
+        </a:p>
+      </dgm:t>
+    </dgm:pt>
+    <dgm:pt modelId="{738CADC2-B28E-4A85-9F12-85BFC55B3B1B}">
+      <dgm:prSet phldrT="[Text]"/>
+      <dgm:spPr/>
+      <dgm:t>
+        <a:bodyPr/>
+        <a:lstStyle/>
+        <a:p>
+          <a:r>
+            <a:rPr lang="en-US" dirty="0" smtClean="0"/>
+            <a:t>Temporal</a:t>
+          </a:r>
+          <a:endParaRPr lang="en-US" dirty="0"/>
+        </a:p>
+      </dgm:t>
+    </dgm:pt>
+    <dgm:pt modelId="{B30C3C76-5C05-45CD-A6FD-7695CBD19E46}" type="parTrans" cxnId="{B495B8CE-E268-411E-93DA-671FD20732E0}">
+      <dgm:prSet/>
+      <dgm:spPr/>
+      <dgm:t>
+        <a:bodyPr/>
+        <a:lstStyle/>
+        <a:p>
+          <a:endParaRPr lang="en-US"/>
+        </a:p>
+      </dgm:t>
+    </dgm:pt>
+    <dgm:pt modelId="{7F791BCA-D395-481F-93A7-CF3D0DEE5E20}" type="sibTrans" cxnId="{B495B8CE-E268-411E-93DA-671FD20732E0}">
+      <dgm:prSet/>
+      <dgm:spPr/>
+      <dgm:t>
+        <a:bodyPr/>
+        <a:lstStyle/>
+        <a:p>
+          <a:endParaRPr lang="en-US"/>
+        </a:p>
+      </dgm:t>
+    </dgm:pt>
+    <dgm:pt modelId="{31CED5E4-9808-43ED-A126-9EC1CF683AA8}">
+      <dgm:prSet phldrT="[Text]"/>
+      <dgm:spPr/>
+      <dgm:t>
+        <a:bodyPr/>
+        <a:lstStyle/>
+        <a:p>
+          <a:r>
+            <a:rPr lang="en-US" dirty="0" smtClean="0"/>
+            <a:t>These methods employ inclusive L2 caches: because lease times should be kept somewhere if they going to employ non-inclusive caches, for example, they have to use MSHR for holding lease time too</a:t>
+          </a:r>
+          <a:endParaRPr lang="en-US" dirty="0"/>
+        </a:p>
+      </dgm:t>
+    </dgm:pt>
+    <dgm:pt modelId="{47387065-24D1-4B32-B13E-AB87696886B9}" type="parTrans" cxnId="{B0D38BB4-B257-4BA6-ABD4-F5DA29973BBA}">
+      <dgm:prSet/>
+      <dgm:spPr/>
+      <dgm:t>
+        <a:bodyPr/>
+        <a:lstStyle/>
+        <a:p>
+          <a:endParaRPr lang="en-US"/>
+        </a:p>
+      </dgm:t>
+    </dgm:pt>
+    <dgm:pt modelId="{B12E6C0D-F981-455A-86BD-DE2CD66829D6}" type="sibTrans" cxnId="{B0D38BB4-B257-4BA6-ABD4-F5DA29973BBA}">
+      <dgm:prSet/>
+      <dgm:spPr/>
+      <dgm:t>
+        <a:bodyPr/>
+        <a:lstStyle/>
+        <a:p>
+          <a:endParaRPr lang="en-US"/>
+        </a:p>
+      </dgm:t>
+    </dgm:pt>
+    <dgm:pt modelId="{E684E428-3CAA-4E30-9530-8F07EC3DFFA2}">
+      <dgm:prSet phldrT="[Text]"/>
+      <dgm:spPr/>
+      <dgm:t>
+        <a:bodyPr/>
+        <a:lstStyle/>
+        <a:p>
+          <a:r>
+            <a:rPr lang="en-US" dirty="0" smtClean="0"/>
+            <a:t>Keeping Global time </a:t>
+          </a:r>
+          <a:endParaRPr lang="en-US" dirty="0"/>
+        </a:p>
+      </dgm:t>
+    </dgm:pt>
+    <dgm:pt modelId="{A1FD1682-13D2-437A-BFA5-BE8B421912BB}" type="parTrans" cxnId="{0AC887C5-9618-43A5-910C-C0B7A509140C}">
+      <dgm:prSet/>
+      <dgm:spPr/>
+      <dgm:t>
+        <a:bodyPr/>
+        <a:lstStyle/>
+        <a:p>
+          <a:endParaRPr lang="en-US"/>
+        </a:p>
+      </dgm:t>
+    </dgm:pt>
+    <dgm:pt modelId="{EB6DAD0E-EF17-4457-8B82-38B355960F56}" type="sibTrans" cxnId="{0AC887C5-9618-43A5-910C-C0B7A509140C}">
+      <dgm:prSet/>
+      <dgm:spPr/>
+      <dgm:t>
+        <a:bodyPr/>
+        <a:lstStyle/>
+        <a:p>
+          <a:endParaRPr lang="en-US"/>
+        </a:p>
+      </dgm:t>
+    </dgm:pt>
+    <dgm:pt modelId="{B483FD07-9FF4-473F-B908-1B609213F02F}">
+      <dgm:prSet phldrT="[Text]"/>
+      <dgm:spPr/>
+      <dgm:t>
+        <a:bodyPr/>
+        <a:lstStyle/>
+        <a:p>
+          <a:r>
+            <a:rPr lang="en-US" dirty="0" smtClean="0"/>
+            <a:t>Consistency-Directed</a:t>
+          </a:r>
+          <a:endParaRPr lang="en-US" dirty="0"/>
+        </a:p>
+      </dgm:t>
+    </dgm:pt>
+    <dgm:pt modelId="{385F6893-9314-4A3A-9F4F-9B3D65357AD0}" type="sibTrans" cxnId="{DD0A0437-E237-457E-BFDB-6AF3EC545FB4}">
+      <dgm:prSet/>
+      <dgm:spPr/>
+      <dgm:t>
+        <a:bodyPr/>
+        <a:lstStyle/>
+        <a:p>
+          <a:endParaRPr lang="en-US"/>
+        </a:p>
+      </dgm:t>
+    </dgm:pt>
+    <dgm:pt modelId="{F70738A3-8075-4305-B591-609753ED4294}" type="parTrans" cxnId="{DD0A0437-E237-457E-BFDB-6AF3EC545FB4}">
+      <dgm:prSet/>
+      <dgm:spPr/>
+      <dgm:t>
+        <a:bodyPr/>
+        <a:lstStyle/>
+        <a:p>
+          <a:endParaRPr lang="en-US"/>
+        </a:p>
+      </dgm:t>
+    </dgm:pt>
+    <dgm:pt modelId="{F2AABAE5-827E-45EF-B4F7-740ACC822A8E}">
+      <dgm:prSet/>
+      <dgm:spPr/>
+      <dgm:t>
+        <a:bodyPr/>
+        <a:lstStyle/>
+        <a:p>
+          <a:r>
+            <a:rPr lang="en-US" dirty="0" smtClean="0"/>
+            <a:t>Enforcing RC</a:t>
+          </a:r>
+          <a:endParaRPr lang="en-US" dirty="0"/>
+        </a:p>
+      </dgm:t>
+    </dgm:pt>
+    <dgm:pt modelId="{2094647B-F3F1-4DFC-8017-6031CAC9B6A6}" type="parTrans" cxnId="{2D486241-B2D4-4FE8-988B-E8AED541BF0C}">
+      <dgm:prSet/>
+      <dgm:spPr/>
+      <dgm:t>
+        <a:bodyPr/>
+        <a:lstStyle/>
+        <a:p>
+          <a:endParaRPr lang="en-US"/>
+        </a:p>
+      </dgm:t>
+    </dgm:pt>
+    <dgm:pt modelId="{B51D8A58-D3A8-4C9C-8AA3-82D06957B540}" type="sibTrans" cxnId="{2D486241-B2D4-4FE8-988B-E8AED541BF0C}">
+      <dgm:prSet/>
+      <dgm:spPr/>
+      <dgm:t>
+        <a:bodyPr/>
+        <a:lstStyle/>
+        <a:p>
+          <a:endParaRPr lang="en-US"/>
+        </a:p>
+      </dgm:t>
+    </dgm:pt>
+    <dgm:pt modelId="{BFAB7D51-AA3D-4E12-8F87-611154C5C287}">
+      <dgm:prSet/>
+      <dgm:spPr/>
+      <dgm:t>
+        <a:bodyPr/>
+        <a:lstStyle/>
+        <a:p>
+          <a:r>
+            <a:rPr lang="en-US" dirty="0" smtClean="0"/>
+            <a:t>Adding O state to reduce the cost of acquires and release by tracking ownership</a:t>
+          </a:r>
+          <a:endParaRPr lang="en-US" dirty="0"/>
+        </a:p>
+      </dgm:t>
+    </dgm:pt>
+    <dgm:pt modelId="{45E9472F-B96E-4B12-AF50-A24CCD3CD0BB}" type="parTrans" cxnId="{F7765AE8-02CA-4336-AFFF-77FF003661F0}">
+      <dgm:prSet/>
+      <dgm:spPr/>
+      <dgm:t>
+        <a:bodyPr/>
+        <a:lstStyle/>
+        <a:p>
+          <a:endParaRPr lang="en-US"/>
+        </a:p>
+      </dgm:t>
+    </dgm:pt>
+    <dgm:pt modelId="{25685A30-3DE2-499F-A96E-D806413A3B48}" type="sibTrans" cxnId="{F7765AE8-02CA-4336-AFFF-77FF003661F0}">
+      <dgm:prSet/>
+      <dgm:spPr/>
+      <dgm:t>
+        <a:bodyPr/>
+        <a:lstStyle/>
+        <a:p>
+          <a:endParaRPr lang="en-US"/>
+        </a:p>
+      </dgm:t>
+    </dgm:pt>
+    <dgm:pt modelId="{D6EDBCEB-A561-4434-B466-DD49EBDEDEF7}" type="pres">
+      <dgm:prSet presAssocID="{56FAA275-F73D-49D3-93FE-FF1F06513767}" presName="linearFlow" presStyleCnt="0">
+        <dgm:presLayoutVars>
+          <dgm:dir/>
+          <dgm:animLvl val="lvl"/>
+          <dgm:resizeHandles val="exact"/>
+        </dgm:presLayoutVars>
+      </dgm:prSet>
+      <dgm:spPr/>
+    </dgm:pt>
+    <dgm:pt modelId="{587D022D-F983-4E12-86AA-F81CCAA97399}" type="pres">
+      <dgm:prSet presAssocID="{2174012C-C0E3-4BB8-9893-1C8BC87D3ABD}" presName="composite" presStyleCnt="0"/>
+      <dgm:spPr/>
+    </dgm:pt>
+    <dgm:pt modelId="{0247D271-7E17-4153-8BF5-F20C9E638E6B}" type="pres">
+      <dgm:prSet presAssocID="{2174012C-C0E3-4BB8-9893-1C8BC87D3ABD}" presName="parentText" presStyleLbl="alignNode1" presStyleIdx="0" presStyleCnt="3">
+        <dgm:presLayoutVars>
+          <dgm:chMax val="1"/>
+          <dgm:bulletEnabled val="1"/>
+        </dgm:presLayoutVars>
+      </dgm:prSet>
+      <dgm:spPr/>
+      <dgm:t>
+        <a:bodyPr/>
+        <a:lstStyle/>
+        <a:p>
+          <a:endParaRPr lang="en-US"/>
+        </a:p>
+      </dgm:t>
+    </dgm:pt>
+    <dgm:pt modelId="{8D34F27A-3D47-42F0-B2BF-25B08021B519}" type="pres">
+      <dgm:prSet presAssocID="{2174012C-C0E3-4BB8-9893-1C8BC87D3ABD}" presName="descendantText" presStyleLbl="alignAcc1" presStyleIdx="0" presStyleCnt="3">
+        <dgm:presLayoutVars>
+          <dgm:bulletEnabled val="1"/>
+        </dgm:presLayoutVars>
+      </dgm:prSet>
+      <dgm:spPr/>
+      <dgm:t>
+        <a:bodyPr/>
+        <a:lstStyle/>
+        <a:p>
+          <a:endParaRPr lang="en-US"/>
+        </a:p>
+      </dgm:t>
+    </dgm:pt>
+    <dgm:pt modelId="{6B909238-90E0-4D00-8A49-1C0006CAF7A5}" type="pres">
+      <dgm:prSet presAssocID="{02D37EDB-4EF6-4921-87FA-62F99F647458}" presName="sp" presStyleCnt="0"/>
+      <dgm:spPr/>
+    </dgm:pt>
+    <dgm:pt modelId="{396B093B-244A-4392-A446-9F4DD4ADCD47}" type="pres">
+      <dgm:prSet presAssocID="{738CADC2-B28E-4A85-9F12-85BFC55B3B1B}" presName="composite" presStyleCnt="0"/>
+      <dgm:spPr/>
+    </dgm:pt>
+    <dgm:pt modelId="{E0233F37-6C2C-4041-B048-07689EC38EE9}" type="pres">
+      <dgm:prSet presAssocID="{738CADC2-B28E-4A85-9F12-85BFC55B3B1B}" presName="parentText" presStyleLbl="alignNode1" presStyleIdx="1" presStyleCnt="3">
+        <dgm:presLayoutVars>
+          <dgm:chMax val="1"/>
+          <dgm:bulletEnabled val="1"/>
+        </dgm:presLayoutVars>
+      </dgm:prSet>
+      <dgm:spPr/>
+    </dgm:pt>
+    <dgm:pt modelId="{4400E343-2AA1-466A-AFAD-B6692CF6C976}" type="pres">
+      <dgm:prSet presAssocID="{738CADC2-B28E-4A85-9F12-85BFC55B3B1B}" presName="descendantText" presStyleLbl="alignAcc1" presStyleIdx="1" presStyleCnt="3">
+        <dgm:presLayoutVars>
+          <dgm:bulletEnabled val="1"/>
+        </dgm:presLayoutVars>
+      </dgm:prSet>
+      <dgm:spPr/>
+      <dgm:t>
+        <a:bodyPr/>
+        <a:lstStyle/>
+        <a:p>
+          <a:endParaRPr lang="en-US"/>
+        </a:p>
+      </dgm:t>
+    </dgm:pt>
+    <dgm:pt modelId="{82183E97-344E-408C-9E55-304112F54E62}" type="pres">
+      <dgm:prSet presAssocID="{7F791BCA-D395-481F-93A7-CF3D0DEE5E20}" presName="sp" presStyleCnt="0"/>
+      <dgm:spPr/>
+    </dgm:pt>
+    <dgm:pt modelId="{AF1112E7-B913-48FA-8F70-8C7E30A760AE}" type="pres">
+      <dgm:prSet presAssocID="{B483FD07-9FF4-473F-B908-1B609213F02F}" presName="composite" presStyleCnt="0"/>
+      <dgm:spPr/>
+    </dgm:pt>
+    <dgm:pt modelId="{BE7F7863-52A8-4D87-A9CC-52CB1320BAAF}" type="pres">
+      <dgm:prSet presAssocID="{B483FD07-9FF4-473F-B908-1B609213F02F}" presName="parentText" presStyleLbl="alignNode1" presStyleIdx="2" presStyleCnt="3">
+        <dgm:presLayoutVars>
+          <dgm:chMax val="1"/>
+          <dgm:bulletEnabled val="1"/>
+        </dgm:presLayoutVars>
+      </dgm:prSet>
+      <dgm:spPr/>
+      <dgm:t>
+        <a:bodyPr/>
+        <a:lstStyle/>
+        <a:p>
+          <a:endParaRPr lang="en-US"/>
+        </a:p>
+      </dgm:t>
+    </dgm:pt>
+    <dgm:pt modelId="{BA2FF11D-0910-49AC-824E-A8C0C5AF6D76}" type="pres">
+      <dgm:prSet presAssocID="{B483FD07-9FF4-473F-B908-1B609213F02F}" presName="descendantText" presStyleLbl="alignAcc1" presStyleIdx="2" presStyleCnt="3">
+        <dgm:presLayoutVars>
+          <dgm:bulletEnabled val="1"/>
+        </dgm:presLayoutVars>
+      </dgm:prSet>
+      <dgm:spPr/>
+      <dgm:t>
+        <a:bodyPr/>
+        <a:lstStyle/>
+        <a:p>
+          <a:endParaRPr lang="en-US"/>
+        </a:p>
+      </dgm:t>
+    </dgm:pt>
+  </dgm:ptLst>
+  <dgm:cxnLst>
+    <dgm:cxn modelId="{0AC887C5-9618-43A5-910C-C0B7A509140C}" srcId="{738CADC2-B28E-4A85-9F12-85BFC55B3B1B}" destId="{E684E428-3CAA-4E30-9530-8F07EC3DFFA2}" srcOrd="1" destOrd="0" parTransId="{A1FD1682-13D2-437A-BFA5-BE8B421912BB}" sibTransId="{EB6DAD0E-EF17-4457-8B82-38B355960F56}"/>
+    <dgm:cxn modelId="{4BA0D9E6-4350-47BB-B366-3424044DBAF8}" type="presOf" srcId="{BFAB7D51-AA3D-4E12-8F87-611154C5C287}" destId="{BA2FF11D-0910-49AC-824E-A8C0C5AF6D76}" srcOrd="0" destOrd="1" presId="urn:microsoft.com/office/officeart/2005/8/layout/chevron2"/>
+    <dgm:cxn modelId="{F7765AE8-02CA-4336-AFFF-77FF003661F0}" srcId="{B483FD07-9FF4-473F-B908-1B609213F02F}" destId="{BFAB7D51-AA3D-4E12-8F87-611154C5C287}" srcOrd="1" destOrd="0" parTransId="{45E9472F-B96E-4B12-AF50-A24CCD3CD0BB}" sibTransId="{25685A30-3DE2-499F-A96E-D806413A3B48}"/>
+    <dgm:cxn modelId="{2D486241-B2D4-4FE8-988B-E8AED541BF0C}" srcId="{B483FD07-9FF4-473F-B908-1B609213F02F}" destId="{F2AABAE5-827E-45EF-B4F7-740ACC822A8E}" srcOrd="0" destOrd="0" parTransId="{2094647B-F3F1-4DFC-8017-6031CAC9B6A6}" sibTransId="{B51D8A58-D3A8-4C9C-8AA3-82D06957B540}"/>
+    <dgm:cxn modelId="{29260016-40EC-4AB3-8D17-1044C1CCF6B0}" type="presOf" srcId="{8CBEAF38-1F20-4159-A121-1144FA5861CD}" destId="{8D34F27A-3D47-42F0-B2BF-25B08021B519}" srcOrd="0" destOrd="1" presId="urn:microsoft.com/office/officeart/2005/8/layout/chevron2"/>
+    <dgm:cxn modelId="{87FEB63C-1B09-4570-A256-6A162931A736}" type="presOf" srcId="{B483FD07-9FF4-473F-B908-1B609213F02F}" destId="{BE7F7863-52A8-4D87-A9CC-52CB1320BAAF}" srcOrd="0" destOrd="0" presId="urn:microsoft.com/office/officeart/2005/8/layout/chevron2"/>
+    <dgm:cxn modelId="{01BC9F42-9555-4227-8805-11A30D298D6F}" type="presOf" srcId="{56FAA275-F73D-49D3-93FE-FF1F06513767}" destId="{D6EDBCEB-A561-4434-B466-DD49EBDEDEF7}" srcOrd="0" destOrd="0" presId="urn:microsoft.com/office/officeart/2005/8/layout/chevron2"/>
+    <dgm:cxn modelId="{15B90B47-49EC-4C92-A7D9-F323811DE4D0}" type="presOf" srcId="{31CED5E4-9808-43ED-A126-9EC1CF683AA8}" destId="{4400E343-2AA1-466A-AFAD-B6692CF6C976}" srcOrd="0" destOrd="0" presId="urn:microsoft.com/office/officeart/2005/8/layout/chevron2"/>
+    <dgm:cxn modelId="{F7E9A4E7-E7D4-46DE-924F-F314FE1592EE}" srcId="{2174012C-C0E3-4BB8-9893-1C8BC87D3ABD}" destId="{8CBEAF38-1F20-4159-A121-1144FA5861CD}" srcOrd="1" destOrd="0" parTransId="{B6E8D28F-A1C4-4ECF-959E-DF4083262DE8}" sibTransId="{B52A1234-C069-4B81-8209-3B125BC4B11E}"/>
+    <dgm:cxn modelId="{79C1BD7D-C09A-4246-BDC7-CDAFFFC1B459}" type="presOf" srcId="{2174012C-C0E3-4BB8-9893-1C8BC87D3ABD}" destId="{0247D271-7E17-4153-8BF5-F20C9E638E6B}" srcOrd="0" destOrd="0" presId="urn:microsoft.com/office/officeart/2005/8/layout/chevron2"/>
+    <dgm:cxn modelId="{B4D13A64-5F98-4469-9D56-38CEE68E0B24}" srcId="{2174012C-C0E3-4BB8-9893-1C8BC87D3ABD}" destId="{C3447957-3545-4D91-AA53-0235A389C9C0}" srcOrd="0" destOrd="0" parTransId="{B76545DB-AF16-4A63-A4C7-615961B5AEBF}" sibTransId="{FEA4BB3C-F9AB-402C-A880-3FC0BE34F6C0}"/>
+    <dgm:cxn modelId="{B0D38BB4-B257-4BA6-ABD4-F5DA29973BBA}" srcId="{738CADC2-B28E-4A85-9F12-85BFC55B3B1B}" destId="{31CED5E4-9808-43ED-A126-9EC1CF683AA8}" srcOrd="0" destOrd="0" parTransId="{47387065-24D1-4B32-B13E-AB87696886B9}" sibTransId="{B12E6C0D-F981-455A-86BD-DE2CD66829D6}"/>
+    <dgm:cxn modelId="{6E8F7488-86F8-4A64-9053-1977AE97CF36}" type="presOf" srcId="{E684E428-3CAA-4E30-9530-8F07EC3DFFA2}" destId="{4400E343-2AA1-466A-AFAD-B6692CF6C976}" srcOrd="0" destOrd="1" presId="urn:microsoft.com/office/officeart/2005/8/layout/chevron2"/>
+    <dgm:cxn modelId="{B495B8CE-E268-411E-93DA-671FD20732E0}" srcId="{56FAA275-F73D-49D3-93FE-FF1F06513767}" destId="{738CADC2-B28E-4A85-9F12-85BFC55B3B1B}" srcOrd="1" destOrd="0" parTransId="{B30C3C76-5C05-45CD-A6FD-7695CBD19E46}" sibTransId="{7F791BCA-D395-481F-93A7-CF3D0DEE5E20}"/>
+    <dgm:cxn modelId="{3F33D3EC-9F68-4616-B649-D0806F6365B5}" srcId="{56FAA275-F73D-49D3-93FE-FF1F06513767}" destId="{2174012C-C0E3-4BB8-9893-1C8BC87D3ABD}" srcOrd="0" destOrd="0" parTransId="{00674609-C1E5-4A99-B4DD-715B7FF5BA03}" sibTransId="{02D37EDB-4EF6-4921-87FA-62F99F647458}"/>
+    <dgm:cxn modelId="{865D3CFA-C63D-48BF-80AF-9955B0DDCC16}" type="presOf" srcId="{C3447957-3545-4D91-AA53-0235A389C9C0}" destId="{8D34F27A-3D47-42F0-B2BF-25B08021B519}" srcOrd="0" destOrd="0" presId="urn:microsoft.com/office/officeart/2005/8/layout/chevron2"/>
+    <dgm:cxn modelId="{DD0A0437-E237-457E-BFDB-6AF3EC545FB4}" srcId="{56FAA275-F73D-49D3-93FE-FF1F06513767}" destId="{B483FD07-9FF4-473F-B908-1B609213F02F}" srcOrd="2" destOrd="0" parTransId="{F70738A3-8075-4305-B591-609753ED4294}" sibTransId="{385F6893-9314-4A3A-9F4F-9B3D65357AD0}"/>
+    <dgm:cxn modelId="{F9B96624-A069-43B7-85E1-9865C1A57FD3}" type="presOf" srcId="{738CADC2-B28E-4A85-9F12-85BFC55B3B1B}" destId="{E0233F37-6C2C-4041-B048-07689EC38EE9}" srcOrd="0" destOrd="0" presId="urn:microsoft.com/office/officeart/2005/8/layout/chevron2"/>
+    <dgm:cxn modelId="{7960C7FA-F496-4C78-AF28-C6E76D8972C9}" type="presOf" srcId="{F2AABAE5-827E-45EF-B4F7-740ACC822A8E}" destId="{BA2FF11D-0910-49AC-824E-A8C0C5AF6D76}" srcOrd="0" destOrd="0" presId="urn:microsoft.com/office/officeart/2005/8/layout/chevron2"/>
+    <dgm:cxn modelId="{FBEBF1C3-7D18-4FE4-B745-8F6415D6E27B}" type="presParOf" srcId="{D6EDBCEB-A561-4434-B466-DD49EBDEDEF7}" destId="{587D022D-F983-4E12-86AA-F81CCAA97399}" srcOrd="0" destOrd="0" presId="urn:microsoft.com/office/officeart/2005/8/layout/chevron2"/>
+    <dgm:cxn modelId="{D05ABB15-A0C2-410B-B606-1BD6CACE7E4F}" type="presParOf" srcId="{587D022D-F983-4E12-86AA-F81CCAA97399}" destId="{0247D271-7E17-4153-8BF5-F20C9E638E6B}" srcOrd="0" destOrd="0" presId="urn:microsoft.com/office/officeart/2005/8/layout/chevron2"/>
+    <dgm:cxn modelId="{BCD75337-AB81-4871-90C4-85D5944CE0A7}" type="presParOf" srcId="{587D022D-F983-4E12-86AA-F81CCAA97399}" destId="{8D34F27A-3D47-42F0-B2BF-25B08021B519}" srcOrd="1" destOrd="0" presId="urn:microsoft.com/office/officeart/2005/8/layout/chevron2"/>
+    <dgm:cxn modelId="{05A2DA28-0DC3-48BC-8A5E-7E888B6CC4AC}" type="presParOf" srcId="{D6EDBCEB-A561-4434-B466-DD49EBDEDEF7}" destId="{6B909238-90E0-4D00-8A49-1C0006CAF7A5}" srcOrd="1" destOrd="0" presId="urn:microsoft.com/office/officeart/2005/8/layout/chevron2"/>
+    <dgm:cxn modelId="{3A8C71B4-9C92-42BE-8903-78F53791F499}" type="presParOf" srcId="{D6EDBCEB-A561-4434-B466-DD49EBDEDEF7}" destId="{396B093B-244A-4392-A446-9F4DD4ADCD47}" srcOrd="2" destOrd="0" presId="urn:microsoft.com/office/officeart/2005/8/layout/chevron2"/>
+    <dgm:cxn modelId="{A69EFFF3-CB37-418E-89E2-E512727CDCDE}" type="presParOf" srcId="{396B093B-244A-4392-A446-9F4DD4ADCD47}" destId="{E0233F37-6C2C-4041-B048-07689EC38EE9}" srcOrd="0" destOrd="0" presId="urn:microsoft.com/office/officeart/2005/8/layout/chevron2"/>
+    <dgm:cxn modelId="{B40F19EF-CCEB-4AA9-A8A6-968E0E0EE5C9}" type="presParOf" srcId="{396B093B-244A-4392-A446-9F4DD4ADCD47}" destId="{4400E343-2AA1-466A-AFAD-B6692CF6C976}" srcOrd="1" destOrd="0" presId="urn:microsoft.com/office/officeart/2005/8/layout/chevron2"/>
+    <dgm:cxn modelId="{0D8A2D4F-1B80-4A58-BBE5-9B9004764087}" type="presParOf" srcId="{D6EDBCEB-A561-4434-B466-DD49EBDEDEF7}" destId="{82183E97-344E-408C-9E55-304112F54E62}" srcOrd="3" destOrd="0" presId="urn:microsoft.com/office/officeart/2005/8/layout/chevron2"/>
+    <dgm:cxn modelId="{0BF3354F-C2EB-47B3-BE9A-B88C7BA57BAA}" type="presParOf" srcId="{D6EDBCEB-A561-4434-B466-DD49EBDEDEF7}" destId="{AF1112E7-B913-48FA-8F70-8C7E30A760AE}" srcOrd="4" destOrd="0" presId="urn:microsoft.com/office/officeart/2005/8/layout/chevron2"/>
+    <dgm:cxn modelId="{4C2656B2-47BF-44DE-8200-3571F15BCEBA}" type="presParOf" srcId="{AF1112E7-B913-48FA-8F70-8C7E30A760AE}" destId="{BE7F7863-52A8-4D87-A9CC-52CB1320BAAF}" srcOrd="0" destOrd="0" presId="urn:microsoft.com/office/officeart/2005/8/layout/chevron2"/>
+    <dgm:cxn modelId="{35EF84BA-F8A5-4C27-A505-AF3917476CDC}" type="presParOf" srcId="{AF1112E7-B913-48FA-8F70-8C7E30A760AE}" destId="{BA2FF11D-0910-49AC-824E-A8C0C5AF6D76}" srcOrd="1" destOrd="0" presId="urn:microsoft.com/office/officeart/2005/8/layout/chevron2"/>
+  </dgm:cxnLst>
+  <dgm:bg/>
+  <dgm:whole/>
+  <dgm:extLst>
+    <a:ext uri="http://schemas.microsoft.com/office/drawing/2008/diagram">
+      <dsp:dataModelExt xmlns:dsp="http://schemas.microsoft.com/office/drawing/2008/diagram" relId="rId6" minVer="http://schemas.openxmlformats.org/drawingml/2006/diagram"/>
+    </a:ext>
+  </dgm:extLst>
+</dgm:dataModel>
+</file>
+
+<file path=ppt/diagrams/drawing1.xml><?xml version="1.0" encoding="utf-8"?>
+<dsp:drawing xmlns:dgm="http://schemas.openxmlformats.org/drawingml/2006/diagram" xmlns:dsp="http://schemas.microsoft.com/office/drawing/2008/diagram" xmlns:a="http://schemas.openxmlformats.org/drawingml/2006/main">
+  <dsp:spTree>
+    <dsp:nvGrpSpPr>
+      <dsp:cNvPr id="0" name=""/>
+      <dsp:cNvGrpSpPr/>
+    </dsp:nvGrpSpPr>
+    <dsp:grpSpPr/>
+    <dsp:sp modelId="{0247D271-7E17-4153-8BF5-F20C9E638E6B}">
+      <dsp:nvSpPr>
+        <dsp:cNvPr id="0" name=""/>
+        <dsp:cNvSpPr/>
+      </dsp:nvSpPr>
+      <dsp:spPr>
+        <a:xfrm rot="5400000">
+          <a:off x="-277714" y="278740"/>
+          <a:ext cx="1851430" cy="1296001"/>
+        </a:xfrm>
+        <a:prstGeom prst="chevron">
+          <a:avLst/>
+        </a:prstGeom>
+        <a:solidFill>
+          <a:schemeClr val="accent2">
+            <a:alpha val="90000"/>
+            <a:hueOff val="0"/>
+            <a:satOff val="0"/>
+            <a:lumOff val="0"/>
+            <a:alphaOff val="0"/>
+          </a:schemeClr>
+        </a:solidFill>
+        <a:ln>
+          <a:noFill/>
+        </a:ln>
+        <a:effectLst>
+          <a:outerShdw blurRad="39000" dist="25400" dir="5400000" rotWithShape="0">
+            <a:srgbClr val="000000">
+              <a:alpha val="38000"/>
+            </a:srgbClr>
+          </a:outerShdw>
+        </a:effectLst>
+        <a:scene3d>
+          <a:camera prst="orthographicFront">
+            <a:rot lat="0" lon="0" rev="0"/>
+          </a:camera>
+          <a:lightRig rig="contrasting" dir="t">
+            <a:rot lat="0" lon="0" rev="1200000"/>
+          </a:lightRig>
+        </a:scene3d>
+        <a:sp3d contourW="19050" prstMaterial="metal">
+          <a:bevelT w="88900" h="203200"/>
+          <a:bevelB w="165100" h="254000"/>
+        </a:sp3d>
+      </dsp:spPr>
+      <dsp:style>
+        <a:lnRef idx="0">
+          <a:scrgbClr r="0" g="0" b="0"/>
+        </a:lnRef>
+        <a:fillRef idx="1">
+          <a:scrgbClr r="0" g="0" b="0"/>
+        </a:fillRef>
+        <a:effectRef idx="2">
+          <a:scrgbClr r="0" g="0" b="0"/>
+        </a:effectRef>
+        <a:fontRef idx="minor">
+          <a:schemeClr val="lt1"/>
+        </a:fontRef>
+      </dsp:style>
+      <dsp:txBody>
+        <a:bodyPr spcFirstLastPara="0" vert="horz" wrap="square" lIns="17780" tIns="17780" rIns="17780" bIns="17780" numCol="1" spcCol="1270" anchor="ctr" anchorCtr="0">
+          <a:noAutofit/>
+        </a:bodyPr>
+        <a:lstStyle/>
+        <a:p>
+          <a:pPr lvl="0" algn="ctr" defTabSz="1244600">
+            <a:lnSpc>
+              <a:spcPct val="90000"/>
+            </a:lnSpc>
+            <a:spcBef>
+              <a:spcPct val="0"/>
+            </a:spcBef>
+            <a:spcAft>
+              <a:spcPct val="35000"/>
+            </a:spcAft>
+          </a:pPr>
+          <a:r>
+            <a:rPr lang="en-US" sz="2800" kern="1200" dirty="0" smtClean="0"/>
+            <a:t>Naive</a:t>
+          </a:r>
+          <a:endParaRPr lang="en-US" sz="2800" kern="1200" dirty="0"/>
+        </a:p>
+      </dsp:txBody>
+      <dsp:txXfrm rot="-5400000">
+        <a:off x="1" y="649027"/>
+        <a:ext cx="1296001" cy="555429"/>
+      </dsp:txXfrm>
+    </dsp:sp>
+    <dsp:sp modelId="{8D34F27A-3D47-42F0-B2BF-25B08021B519}">
+      <dsp:nvSpPr>
+        <dsp:cNvPr id="0" name=""/>
+        <dsp:cNvSpPr/>
+      </dsp:nvSpPr>
+      <dsp:spPr>
+        <a:xfrm rot="5400000">
+          <a:off x="5037385" y="-3740359"/>
+          <a:ext cx="1203429" cy="8686198"/>
+        </a:xfrm>
+        <a:prstGeom prst="round2SameRect">
+          <a:avLst/>
+        </a:prstGeom>
+        <a:solidFill>
+          <a:schemeClr val="lt1">
+            <a:alpha val="90000"/>
+            <a:hueOff val="0"/>
+            <a:satOff val="0"/>
+            <a:lumOff val="0"/>
+            <a:alphaOff val="0"/>
+          </a:schemeClr>
+        </a:solidFill>
+        <a:ln>
+          <a:noFill/>
+        </a:ln>
+        <a:effectLst/>
+        <a:scene3d>
+          <a:camera prst="orthographicFront">
+            <a:rot lat="0" lon="0" rev="0"/>
+          </a:camera>
+          <a:lightRig rig="contrasting" dir="t">
+            <a:rot lat="0" lon="0" rev="1200000"/>
+          </a:lightRig>
+        </a:scene3d>
+        <a:sp3d contourW="19050" prstMaterial="metal">
+          <a:bevelT w="88900" h="203200"/>
+          <a:bevelB w="165100" h="254000"/>
+        </a:sp3d>
+      </dsp:spPr>
+      <dsp:style>
+        <a:lnRef idx="0">
+          <a:scrgbClr r="0" g="0" b="0"/>
+        </a:lnRef>
+        <a:fillRef idx="1">
+          <a:scrgbClr r="0" g="0" b="0"/>
+        </a:fillRef>
+        <a:effectRef idx="0">
+          <a:scrgbClr r="0" g="0" b="0"/>
+        </a:effectRef>
+        <a:fontRef idx="minor"/>
+      </dsp:style>
+      <dsp:txBody>
+        <a:bodyPr spcFirstLastPara="0" vert="horz" wrap="square" lIns="135128" tIns="12065" rIns="12065" bIns="12065" numCol="1" spcCol="1270" anchor="ctr" anchorCtr="0">
+          <a:noAutofit/>
+        </a:bodyPr>
+        <a:lstStyle/>
+        <a:p>
+          <a:pPr marL="171450" lvl="1" indent="-171450" algn="l" defTabSz="844550">
+            <a:lnSpc>
+              <a:spcPct val="90000"/>
+            </a:lnSpc>
+            <a:spcBef>
+              <a:spcPct val="0"/>
+            </a:spcBef>
+            <a:spcAft>
+              <a:spcPct val="15000"/>
+            </a:spcAft>
+            <a:buChar char="••"/>
+          </a:pPr>
+          <a:r>
+            <a:rPr lang="en-US" sz="1900" kern="1200" dirty="0" smtClean="0"/>
+            <a:t>CPU-like Protocols</a:t>
+          </a:r>
+          <a:endParaRPr lang="en-US" sz="1900" kern="1200" dirty="0"/>
+        </a:p>
+        <a:p>
+          <a:pPr marL="171450" lvl="1" indent="-171450" algn="l" defTabSz="844550">
+            <a:lnSpc>
+              <a:spcPct val="90000"/>
+            </a:lnSpc>
+            <a:spcBef>
+              <a:spcPct val="0"/>
+            </a:spcBef>
+            <a:spcAft>
+              <a:spcPct val="15000"/>
+            </a:spcAft>
+            <a:buChar char="••"/>
+          </a:pPr>
+          <a:r>
+            <a:rPr lang="en-US" sz="1900" kern="1200" smtClean="0"/>
+            <a:t>Downside: Tens of thousands of active transaction! How to track all transactions?</a:t>
+          </a:r>
+          <a:endParaRPr lang="en-US" sz="1900" kern="1200" dirty="0"/>
+        </a:p>
+      </dsp:txBody>
+      <dsp:txXfrm rot="-5400000">
+        <a:off x="1296001" y="59772"/>
+        <a:ext cx="8627451" cy="1085935"/>
+      </dsp:txXfrm>
+    </dsp:sp>
+    <dsp:sp modelId="{E0233F37-6C2C-4041-B048-07689EC38EE9}">
+      <dsp:nvSpPr>
+        <dsp:cNvPr id="0" name=""/>
+        <dsp:cNvSpPr/>
+      </dsp:nvSpPr>
+      <dsp:spPr>
+        <a:xfrm rot="5400000">
+          <a:off x="-277714" y="1938444"/>
+          <a:ext cx="1851430" cy="1296001"/>
+        </a:xfrm>
+        <a:prstGeom prst="chevron">
+          <a:avLst/>
+        </a:prstGeom>
+        <a:solidFill>
+          <a:schemeClr val="accent2">
+            <a:alpha val="90000"/>
+            <a:hueOff val="0"/>
+            <a:satOff val="0"/>
+            <a:lumOff val="0"/>
+            <a:alphaOff val="-20000"/>
+          </a:schemeClr>
+        </a:solidFill>
+        <a:ln>
+          <a:noFill/>
+        </a:ln>
+        <a:effectLst>
+          <a:outerShdw blurRad="39000" dist="25400" dir="5400000" rotWithShape="0">
+            <a:srgbClr val="000000">
+              <a:alpha val="38000"/>
+            </a:srgbClr>
+          </a:outerShdw>
+        </a:effectLst>
+        <a:scene3d>
+          <a:camera prst="orthographicFront">
+            <a:rot lat="0" lon="0" rev="0"/>
+          </a:camera>
+          <a:lightRig rig="contrasting" dir="t">
+            <a:rot lat="0" lon="0" rev="1200000"/>
+          </a:lightRig>
+        </a:scene3d>
+        <a:sp3d contourW="19050" prstMaterial="metal">
+          <a:bevelT w="88900" h="203200"/>
+          <a:bevelB w="165100" h="254000"/>
+        </a:sp3d>
+      </dsp:spPr>
+      <dsp:style>
+        <a:lnRef idx="0">
+          <a:scrgbClr r="0" g="0" b="0"/>
+        </a:lnRef>
+        <a:fillRef idx="1">
+          <a:scrgbClr r="0" g="0" b="0"/>
+        </a:fillRef>
+        <a:effectRef idx="2">
+          <a:scrgbClr r="0" g="0" b="0"/>
+        </a:effectRef>
+        <a:fontRef idx="minor">
+          <a:schemeClr val="lt1"/>
+        </a:fontRef>
+      </dsp:style>
+      <dsp:txBody>
+        <a:bodyPr spcFirstLastPara="0" vert="horz" wrap="square" lIns="10795" tIns="10795" rIns="10795" bIns="10795" numCol="1" spcCol="1270" anchor="ctr" anchorCtr="0">
+          <a:noAutofit/>
+        </a:bodyPr>
+        <a:lstStyle/>
+        <a:p>
+          <a:pPr lvl="0" algn="ctr" defTabSz="755650">
+            <a:lnSpc>
+              <a:spcPct val="90000"/>
+            </a:lnSpc>
+            <a:spcBef>
+              <a:spcPct val="0"/>
+            </a:spcBef>
+            <a:spcAft>
+              <a:spcPct val="35000"/>
+            </a:spcAft>
+          </a:pPr>
+          <a:r>
+            <a:rPr lang="en-US" sz="1700" kern="1200" dirty="0" smtClean="0"/>
+            <a:t>Temporal</a:t>
+          </a:r>
+          <a:endParaRPr lang="en-US" sz="1700" kern="1200" dirty="0"/>
+        </a:p>
+      </dsp:txBody>
+      <dsp:txXfrm rot="-5400000">
+        <a:off x="1" y="2308731"/>
+        <a:ext cx="1296001" cy="555429"/>
+      </dsp:txXfrm>
+    </dsp:sp>
+    <dsp:sp modelId="{4400E343-2AA1-466A-AFAD-B6692CF6C976}">
+      <dsp:nvSpPr>
+        <dsp:cNvPr id="0" name=""/>
+        <dsp:cNvSpPr/>
+      </dsp:nvSpPr>
+      <dsp:spPr>
+        <a:xfrm rot="5400000">
+          <a:off x="5037385" y="-2080654"/>
+          <a:ext cx="1203429" cy="8686198"/>
+        </a:xfrm>
+        <a:prstGeom prst="round2SameRect">
+          <a:avLst/>
+        </a:prstGeom>
+        <a:solidFill>
+          <a:schemeClr val="lt1">
+            <a:alpha val="90000"/>
+            <a:hueOff val="0"/>
+            <a:satOff val="0"/>
+            <a:lumOff val="0"/>
+            <a:alphaOff val="0"/>
+          </a:schemeClr>
+        </a:solidFill>
+        <a:ln>
+          <a:noFill/>
+        </a:ln>
+        <a:effectLst/>
+        <a:scene3d>
+          <a:camera prst="orthographicFront">
+            <a:rot lat="0" lon="0" rev="0"/>
+          </a:camera>
+          <a:lightRig rig="contrasting" dir="t">
+            <a:rot lat="0" lon="0" rev="1200000"/>
+          </a:lightRig>
+        </a:scene3d>
+        <a:sp3d contourW="19050" prstMaterial="metal">
+          <a:bevelT w="88900" h="203200"/>
+          <a:bevelB w="165100" h="254000"/>
+        </a:sp3d>
+      </dsp:spPr>
+      <dsp:style>
+        <a:lnRef idx="0">
+          <a:scrgbClr r="0" g="0" b="0"/>
+        </a:lnRef>
+        <a:fillRef idx="1">
+          <a:scrgbClr r="0" g="0" b="0"/>
+        </a:fillRef>
+        <a:effectRef idx="0">
+          <a:scrgbClr r="0" g="0" b="0"/>
+        </a:effectRef>
+        <a:fontRef idx="minor"/>
+      </dsp:style>
+      <dsp:txBody>
+        <a:bodyPr spcFirstLastPara="0" vert="horz" wrap="square" lIns="135128" tIns="12065" rIns="12065" bIns="12065" numCol="1" spcCol="1270" anchor="ctr" anchorCtr="0">
+          <a:noAutofit/>
+        </a:bodyPr>
+        <a:lstStyle/>
+        <a:p>
+          <a:pPr marL="171450" lvl="1" indent="-171450" algn="l" defTabSz="844550">
+            <a:lnSpc>
+              <a:spcPct val="90000"/>
+            </a:lnSpc>
+            <a:spcBef>
+              <a:spcPct val="0"/>
+            </a:spcBef>
+            <a:spcAft>
+              <a:spcPct val="15000"/>
+            </a:spcAft>
+            <a:buChar char="••"/>
+          </a:pPr>
+          <a:r>
+            <a:rPr lang="en-US" sz="1900" kern="1200" dirty="0" smtClean="0"/>
+            <a:t>These methods employ inclusive L2 caches: because lease times should be kept somewhere if they going to employ non-inclusive caches, for example, they have to use MSHR for holding lease time too</a:t>
+          </a:r>
+          <a:endParaRPr lang="en-US" sz="1900" kern="1200" dirty="0"/>
+        </a:p>
+        <a:p>
+          <a:pPr marL="171450" lvl="1" indent="-171450" algn="l" defTabSz="844550">
+            <a:lnSpc>
+              <a:spcPct val="90000"/>
+            </a:lnSpc>
+            <a:spcBef>
+              <a:spcPct val="0"/>
+            </a:spcBef>
+            <a:spcAft>
+              <a:spcPct val="15000"/>
+            </a:spcAft>
+            <a:buChar char="••"/>
+          </a:pPr>
+          <a:r>
+            <a:rPr lang="en-US" sz="1900" kern="1200" dirty="0" smtClean="0"/>
+            <a:t>Keeping Global time </a:t>
+          </a:r>
+          <a:endParaRPr lang="en-US" sz="1900" kern="1200" dirty="0"/>
+        </a:p>
+      </dsp:txBody>
+      <dsp:txXfrm rot="-5400000">
+        <a:off x="1296001" y="1719477"/>
+        <a:ext cx="8627451" cy="1085935"/>
+      </dsp:txXfrm>
+    </dsp:sp>
+    <dsp:sp modelId="{BE7F7863-52A8-4D87-A9CC-52CB1320BAAF}">
+      <dsp:nvSpPr>
+        <dsp:cNvPr id="0" name=""/>
+        <dsp:cNvSpPr/>
+      </dsp:nvSpPr>
+      <dsp:spPr>
+        <a:xfrm rot="5400000">
+          <a:off x="-277714" y="3598149"/>
+          <a:ext cx="1851430" cy="1296001"/>
+        </a:xfrm>
+        <a:prstGeom prst="chevron">
+          <a:avLst/>
+        </a:prstGeom>
+        <a:solidFill>
+          <a:schemeClr val="accent2">
+            <a:alpha val="90000"/>
+            <a:hueOff val="0"/>
+            <a:satOff val="0"/>
+            <a:lumOff val="0"/>
+            <a:alphaOff val="-40000"/>
+          </a:schemeClr>
+        </a:solidFill>
+        <a:ln>
+          <a:noFill/>
+        </a:ln>
+        <a:effectLst>
+          <a:outerShdw blurRad="39000" dist="25400" dir="5400000" rotWithShape="0">
+            <a:srgbClr val="000000">
+              <a:alpha val="38000"/>
+            </a:srgbClr>
+          </a:outerShdw>
+        </a:effectLst>
+        <a:scene3d>
+          <a:camera prst="orthographicFront">
+            <a:rot lat="0" lon="0" rev="0"/>
+          </a:camera>
+          <a:lightRig rig="contrasting" dir="t">
+            <a:rot lat="0" lon="0" rev="1200000"/>
+          </a:lightRig>
+        </a:scene3d>
+        <a:sp3d contourW="19050" prstMaterial="metal">
+          <a:bevelT w="88900" h="203200"/>
+          <a:bevelB w="165100" h="254000"/>
+        </a:sp3d>
+      </dsp:spPr>
+      <dsp:style>
+        <a:lnRef idx="0">
+          <a:scrgbClr r="0" g="0" b="0"/>
+        </a:lnRef>
+        <a:fillRef idx="1">
+          <a:scrgbClr r="0" g="0" b="0"/>
+        </a:fillRef>
+        <a:effectRef idx="2">
+          <a:scrgbClr r="0" g="0" b="0"/>
+        </a:effectRef>
+        <a:fontRef idx="minor">
+          <a:schemeClr val="lt1"/>
+        </a:fontRef>
+      </dsp:style>
+      <dsp:txBody>
+        <a:bodyPr spcFirstLastPara="0" vert="horz" wrap="square" lIns="10795" tIns="10795" rIns="10795" bIns="10795" numCol="1" spcCol="1270" anchor="ctr" anchorCtr="0">
+          <a:noAutofit/>
+        </a:bodyPr>
+        <a:lstStyle/>
+        <a:p>
+          <a:pPr lvl="0" algn="ctr" defTabSz="755650">
+            <a:lnSpc>
+              <a:spcPct val="90000"/>
+            </a:lnSpc>
+            <a:spcBef>
+              <a:spcPct val="0"/>
+            </a:spcBef>
+            <a:spcAft>
+              <a:spcPct val="35000"/>
+            </a:spcAft>
+          </a:pPr>
+          <a:r>
+            <a:rPr lang="en-US" sz="1700" kern="1200" dirty="0" smtClean="0"/>
+            <a:t>Consistency-Directed</a:t>
+          </a:r>
+          <a:endParaRPr lang="en-US" sz="1700" kern="1200" dirty="0"/>
+        </a:p>
+      </dsp:txBody>
+      <dsp:txXfrm rot="-5400000">
+        <a:off x="1" y="3968436"/>
+        <a:ext cx="1296001" cy="555429"/>
+      </dsp:txXfrm>
+    </dsp:sp>
+    <dsp:sp modelId="{BA2FF11D-0910-49AC-824E-A8C0C5AF6D76}">
+      <dsp:nvSpPr>
+        <dsp:cNvPr id="0" name=""/>
+        <dsp:cNvSpPr/>
+      </dsp:nvSpPr>
+      <dsp:spPr>
+        <a:xfrm rot="5400000">
+          <a:off x="5037385" y="-420949"/>
+          <a:ext cx="1203429" cy="8686198"/>
+        </a:xfrm>
+        <a:prstGeom prst="round2SameRect">
+          <a:avLst/>
+        </a:prstGeom>
+        <a:solidFill>
+          <a:schemeClr val="lt1">
+            <a:alpha val="90000"/>
+            <a:hueOff val="0"/>
+            <a:satOff val="0"/>
+            <a:lumOff val="0"/>
+            <a:alphaOff val="0"/>
+          </a:schemeClr>
+        </a:solidFill>
+        <a:ln>
+          <a:noFill/>
+        </a:ln>
+        <a:effectLst/>
+        <a:scene3d>
+          <a:camera prst="orthographicFront">
+            <a:rot lat="0" lon="0" rev="0"/>
+          </a:camera>
+          <a:lightRig rig="contrasting" dir="t">
+            <a:rot lat="0" lon="0" rev="1200000"/>
+          </a:lightRig>
+        </a:scene3d>
+        <a:sp3d contourW="19050" prstMaterial="metal">
+          <a:bevelT w="88900" h="203200"/>
+          <a:bevelB w="165100" h="254000"/>
+        </a:sp3d>
+      </dsp:spPr>
+      <dsp:style>
+        <a:lnRef idx="0">
+          <a:scrgbClr r="0" g="0" b="0"/>
+        </a:lnRef>
+        <a:fillRef idx="1">
+          <a:scrgbClr r="0" g="0" b="0"/>
+        </a:fillRef>
+        <a:effectRef idx="0">
+          <a:scrgbClr r="0" g="0" b="0"/>
+        </a:effectRef>
+        <a:fontRef idx="minor"/>
+      </dsp:style>
+      <dsp:txBody>
+        <a:bodyPr spcFirstLastPara="0" vert="horz" wrap="square" lIns="135128" tIns="12065" rIns="12065" bIns="12065" numCol="1" spcCol="1270" anchor="ctr" anchorCtr="0">
+          <a:noAutofit/>
+        </a:bodyPr>
+        <a:lstStyle/>
+        <a:p>
+          <a:pPr marL="171450" lvl="1" indent="-171450" algn="l" defTabSz="844550">
+            <a:lnSpc>
+              <a:spcPct val="90000"/>
+            </a:lnSpc>
+            <a:spcBef>
+              <a:spcPct val="0"/>
+            </a:spcBef>
+            <a:spcAft>
+              <a:spcPct val="15000"/>
+            </a:spcAft>
+            <a:buChar char="••"/>
+          </a:pPr>
+          <a:r>
+            <a:rPr lang="en-US" sz="1900" kern="1200" dirty="0" smtClean="0"/>
+            <a:t>Enforcing RC</a:t>
+          </a:r>
+          <a:endParaRPr lang="en-US" sz="1900" kern="1200" dirty="0"/>
+        </a:p>
+        <a:p>
+          <a:pPr marL="171450" lvl="1" indent="-171450" algn="l" defTabSz="844550">
+            <a:lnSpc>
+              <a:spcPct val="90000"/>
+            </a:lnSpc>
+            <a:spcBef>
+              <a:spcPct val="0"/>
+            </a:spcBef>
+            <a:spcAft>
+              <a:spcPct val="15000"/>
+            </a:spcAft>
+            <a:buChar char="••"/>
+          </a:pPr>
+          <a:r>
+            <a:rPr lang="en-US" sz="1900" kern="1200" dirty="0" smtClean="0"/>
+            <a:t>Adding O state to reduce the cost of acquires and release by tracking ownership</a:t>
+          </a:r>
+          <a:endParaRPr lang="en-US" sz="1900" kern="1200" dirty="0"/>
+        </a:p>
+      </dsp:txBody>
+      <dsp:txXfrm rot="-5400000">
+        <a:off x="1296001" y="3379182"/>
+        <a:ext cx="8627451" cy="1085935"/>
+      </dsp:txXfrm>
+    </dsp:sp>
+  </dsp:spTree>
+</dsp:drawing>
+</file>
+
+<file path=ppt/diagrams/layout1.xml><?xml version="1.0" encoding="utf-8"?>
+<dgm:layoutDef xmlns:dgm="http://schemas.openxmlformats.org/drawingml/2006/diagram" xmlns:a="http://schemas.openxmlformats.org/drawingml/2006/main" uniqueId="urn:microsoft.com/office/officeart/2005/8/layout/chevron2">
+  <dgm:title val=""/>
+  <dgm:desc val=""/>
+  <dgm:catLst>
+    <dgm:cat type="process" pri="12000"/>
+    <dgm:cat type="list" pri="16000"/>
+    <dgm:cat type="convert" pri="11000"/>
+  </dgm:catLst>
+  <dgm:sampData>
+    <dgm:dataModel>
+      <dgm:ptLst>
+        <dgm:pt modelId="0" type="doc"/>
+        <dgm:pt modelId="1">
+          <dgm:prSet phldr="1"/>
+        </dgm:pt>
+        <dgm:pt modelId="11">
+          <dgm:prSet phldr="1"/>
+        </dgm:pt>
+        <dgm:pt modelId="12">
+          <dgm:prSet phldr="1"/>
+        </dgm:pt>
+        <dgm:pt modelId="2">
+          <dgm:prSet phldr="1"/>
+        </dgm:pt>
+        <dgm:pt modelId="21">
+          <dgm:prSet phldr="1"/>
+        </dgm:pt>
+        <dgm:pt modelId="22">
+          <dgm:prSet phldr="1"/>
+        </dgm:pt>
+        <dgm:pt modelId="3">
+          <dgm:prSet phldr="1"/>
+        </dgm:pt>
+        <dgm:pt modelId="31">
+          <dgm:prSet phldr="1"/>
+        </dgm:pt>
+        <dgm:pt modelId="32">
+          <dgm:prSet phldr="1"/>
+        </dgm:pt>
+      </dgm:ptLst>
+      <dgm:cxnLst>
+        <dgm:cxn modelId="4" srcId="0" destId="1" srcOrd="0" destOrd="0"/>
+        <dgm:cxn modelId="5" srcId="0" destId="2" srcOrd="1" destOrd="0"/>
+        <dgm:cxn modelId="6" srcId="0" destId="3" srcOrd="2" destOrd="0"/>
+        <dgm:cxn modelId="13" srcId="1" destId="11" srcOrd="0" destOrd="0"/>
+        <dgm:cxn modelId="14" srcId="1" destId="12" srcOrd="1" destOrd="0"/>
+        <dgm:cxn modelId="23" srcId="2" destId="21" srcOrd="0" destOrd="0"/>
+        <dgm:cxn modelId="24" srcId="2" destId="22" srcOrd="1" destOrd="0"/>
+        <dgm:cxn modelId="33" srcId="3" destId="31" srcOrd="0" destOrd="0"/>
+        <dgm:cxn modelId="34" srcId="3" destId="32" srcOrd="1" destOrd="0"/>
+      </dgm:cxnLst>
+      <dgm:bg/>
+      <dgm:whole/>
+    </dgm:dataModel>
+  </dgm:sampData>
+  <dgm:styleData>
+    <dgm:dataModel>
+      <dgm:ptLst>
+        <dgm:pt modelId="0" type="doc"/>
+        <dgm:pt modelId="1"/>
+      </dgm:ptLst>
+      <dgm:cxnLst>
+        <dgm:cxn modelId="4" srcId="0" destId="1" srcOrd="0" destOrd="0"/>
+      </dgm:cxnLst>
+      <dgm:bg/>
+      <dgm:whole/>
+    </dgm:dataModel>
+  </dgm:styleData>
+  <dgm:clrData>
+    <dgm:dataModel>
+      <dgm:ptLst>
+        <dgm:pt modelId="0" type="doc"/>
+        <dgm:pt modelId="1"/>
+        <dgm:pt modelId="11"/>
+        <dgm:pt modelId="2"/>
+        <dgm:pt modelId="21"/>
+        <dgm:pt modelId="3"/>
+        <dgm:pt modelId="31"/>
+        <dgm:pt modelId="4"/>
+        <dgm:pt modelId="41"/>
+      </dgm:ptLst>
+      <dgm:cxnLst>
+        <dgm:cxn modelId="5" srcId="0" destId="1" srcOrd="0" destOrd="0"/>
+        <dgm:cxn modelId="6" srcId="0" destId="2" srcOrd="1" destOrd="0"/>
+        <dgm:cxn modelId="7" srcId="0" destId="3" srcOrd="2" destOrd="0"/>
+        <dgm:cxn modelId="8" srcId="0" destId="4" srcOrd="3" destOrd="0"/>
+        <dgm:cxn modelId="13" srcId="1" destId="11" srcOrd="0" destOrd="0"/>
+        <dgm:cxn modelId="23" srcId="2" destId="21" srcOrd="0" destOrd="0"/>
+        <dgm:cxn modelId="33" srcId="3" destId="31" srcOrd="0" destOrd="0"/>
+        <dgm:cxn modelId="43" srcId="4" destId="41" srcOrd="0" destOrd="0"/>
+      </dgm:cxnLst>
+      <dgm:bg/>
+      <dgm:whole/>
+    </dgm:dataModel>
+  </dgm:clrData>
+  <dgm:layoutNode name="linearFlow">
+    <dgm:varLst>
+      <dgm:dir/>
+      <dgm:animLvl val="lvl"/>
+      <dgm:resizeHandles val="exact"/>
+    </dgm:varLst>
+    <dgm:alg type="lin">
+      <dgm:param type="linDir" val="fromT"/>
+      <dgm:param type="nodeHorzAlign" val="l"/>
+    </dgm:alg>
+    <dgm:shape xmlns:r="http://schemas.openxmlformats.org/officeDocument/2006/relationships" r:blip="">
+      <dgm:adjLst/>
+    </dgm:shape>
+    <dgm:presOf/>
+    <dgm:constrLst>
+      <dgm:constr type="h" for="ch" forName="composite" refType="h"/>
+      <dgm:constr type="w" for="ch" forName="composite" refType="w"/>
+      <dgm:constr type="h" for="des" forName="parentText" op="equ"/>
+      <dgm:constr type="h" for="ch" forName="sp" val="-14.88"/>
+      <dgm:constr type="h" for="ch" forName="sp" refType="w" refFor="des" refForName="parentText" op="gte" fact="-0.3"/>
+      <dgm:constr type="primFontSz" for="des" forName="parentText" op="equ" val="65"/>
+      <dgm:constr type="primFontSz" for="des" forName="descendantText" op="equ" val="65"/>
+    </dgm:constrLst>
+    <dgm:ruleLst/>
+    <dgm:forEach name="Name0" axis="ch" ptType="node">
+      <dgm:layoutNode name="composite">
+        <dgm:alg type="composite"/>
+        <dgm:shape xmlns:r="http://schemas.openxmlformats.org/officeDocument/2006/relationships" r:blip="">
+          <dgm:adjLst/>
+        </dgm:shape>
+        <dgm:presOf/>
+        <dgm:choose name="Name1">
+          <dgm:if name="Name2" func="var" arg="dir" op="equ" val="norm">
+            <dgm:constrLst>
+              <dgm:constr type="t" for="ch" forName="parentText"/>
+              <dgm:constr type="l" for="ch" forName="parentText"/>
+              <dgm:constr type="w" for="ch" forName="parentText" refType="w" fact="0.4"/>
+              <dgm:constr type="h" for="ch" forName="parentText" refType="h"/>
+              <dgm:constr type="w" for="ch" forName="parentText" refType="w" op="lte" fact="0.5"/>
+              <dgm:constr type="w" for="ch" forName="parentText" refType="h" refFor="ch" refForName="parentText" op="lte" fact="0.7"/>
+              <dgm:constr type="h" for="ch" forName="parentText" refType="w" refFor="ch" refForName="parentText" op="lte" fact="3"/>
+              <dgm:constr type="l" for="ch" forName="descendantText" refType="w" refFor="ch" refForName="parentText"/>
+              <dgm:constr type="w" for="ch" forName="descendantText" refType="w"/>
+              <dgm:constr type="wOff" for="ch" forName="descendantText" refType="w" refFor="ch" refForName="parentText" fact="-1"/>
+              <dgm:constr type="t" for="ch" forName="descendantText"/>
+              <dgm:constr type="b" for="ch" forName="descendantText" refType="h" refFor="ch" refForName="parentText"/>
+              <dgm:constr type="bOff" for="ch" forName="descendantText" refType="w" refFor="ch" refForName="parentText" fact="-0.5"/>
+            </dgm:constrLst>
+          </dgm:if>
+          <dgm:else name="Name3">
+            <dgm:constrLst>
+              <dgm:constr type="t" for="ch" forName="parentText"/>
+              <dgm:constr type="r" for="ch" forName="parentText" refType="w"/>
+              <dgm:constr type="w" for="ch" forName="parentText" refType="w" fact="0.4"/>
+              <dgm:constr type="h" for="ch" forName="parentText" refType="h"/>
+              <dgm:constr type="w" for="ch" forName="parentText" refType="w" op="lte" fact="0.5"/>
+              <dgm:constr type="w" for="ch" forName="parentText" refType="h" refFor="ch" refForName="parentText" op="lte" fact="0.7"/>
+              <dgm:constr type="h" for="ch" forName="parentText" refType="w" refFor="ch" refForName="parentText" op="lte" fact="3"/>
+              <dgm:constr type="l" for="ch" forName="descendantText"/>
+              <dgm:constr type="w" for="ch" forName="descendantText" refType="w"/>
+              <dgm:constr type="wOff" for="ch" forName="descendantText" refType="w" refFor="ch" refForName="parentText" fact="-1"/>
+              <dgm:constr type="t" for="ch" forName="descendantText"/>
+              <dgm:constr type="b" for="ch" forName="descendantText" refType="h" refFor="ch" refForName="parentText"/>
+              <dgm:constr type="bOff" for="ch" forName="descendantText" refType="w" refFor="ch" refForName="parentText" fact="-0.5"/>
+            </dgm:constrLst>
+          </dgm:else>
+        </dgm:choose>
+        <dgm:ruleLst/>
+        <dgm:layoutNode name="parentText" styleLbl="alignNode1">
+          <dgm:varLst>
+            <dgm:chMax val="1"/>
+            <dgm:bulletEnabled val="1"/>
+          </dgm:varLst>
+          <dgm:alg type="tx"/>
+          <dgm:shape xmlns:r="http://schemas.openxmlformats.org/officeDocument/2006/relationships" rot="90" type="chevron" r:blip="">
+            <dgm:adjLst/>
+          </dgm:shape>
+          <dgm:presOf axis="self" ptType="node"/>
+          <dgm:constrLst>
+            <dgm:constr type="lMarg" refType="primFontSz" fact="0.05"/>
+            <dgm:constr type="rMarg" refType="primFontSz" fact="0.05"/>
+            <dgm:constr type="tMarg" refType="primFontSz" fact="0.05"/>
+            <dgm:constr type="bMarg" refType="primFontSz" fact="0.05"/>
+          </dgm:constrLst>
+          <dgm:ruleLst>
+            <dgm:rule type="h" val="100" fact="NaN" max="NaN"/>
+            <dgm:rule type="primFontSz" val="24" fact="NaN" max="NaN"/>
+            <dgm:rule type="h" val="110" fact="NaN" max="NaN"/>
+            <dgm:rule type="primFontSz" val="18" fact="NaN" max="NaN"/>
+            <dgm:rule type="h" val="INF" fact="NaN" max="NaN"/>
+            <dgm:rule type="primFontSz" val="5" fact="NaN" max="NaN"/>
+          </dgm:ruleLst>
+        </dgm:layoutNode>
+        <dgm:layoutNode name="descendantText" styleLbl="alignAcc1">
+          <dgm:varLst>
+            <dgm:bulletEnabled val="1"/>
+          </dgm:varLst>
+          <dgm:choose name="Name4">
+            <dgm:if name="Name5" func="var" arg="dir" op="equ" val="norm">
+              <dgm:alg type="tx">
+                <dgm:param type="stBulletLvl" val="1"/>
+                <dgm:param type="txAnchorVertCh" val="mid"/>
+              </dgm:alg>
+              <dgm:shape xmlns:r="http://schemas.openxmlformats.org/officeDocument/2006/relationships" rot="90" type="round2SameRect" r:blip="">
+                <dgm:adjLst/>
+              </dgm:shape>
+            </dgm:if>
+            <dgm:else name="Name6">
+              <dgm:alg type="tx">
+                <dgm:param type="stBulletLvl" val="1"/>
+                <dgm:param type="txAnchorVertCh" val="mid"/>
+              </dgm:alg>
+              <dgm:shape xmlns:r="http://schemas.openxmlformats.org/officeDocument/2006/relationships" rot="-90" type="round2SameRect" r:blip="">
+                <dgm:adjLst/>
+              </dgm:shape>
+            </dgm:else>
+          </dgm:choose>
+          <dgm:presOf axis="des" ptType="node"/>
+          <dgm:choose name="Name7">
+            <dgm:if name="Name8" func="var" arg="dir" op="equ" val="norm">
+              <dgm:constrLst>
+                <dgm:constr type="secFontSz" refType="primFontSz"/>
+                <dgm:constr type="tMarg" refType="primFontSz" fact="0.05"/>
+                <dgm:constr type="bMarg" refType="primFontSz" fact="0.05"/>
+                <dgm:constr type="rMarg" refType="primFontSz" fact="0.05"/>
+              </dgm:constrLst>
+            </dgm:if>
+            <dgm:else name="Name9">
+              <dgm:constrLst>
+                <dgm:constr type="secFontSz" refType="primFontSz"/>
+                <dgm:constr type="tMarg" refType="primFontSz" fact="0.05"/>
+                <dgm:constr type="bMarg" refType="primFontSz" fact="0.05"/>
+                <dgm:constr type="lMarg" refType="primFontSz" fact="0.05"/>
+              </dgm:constrLst>
+            </dgm:else>
+          </dgm:choose>
+          <dgm:ruleLst>
+            <dgm:rule type="primFontSz" val="5" fact="NaN" max="NaN"/>
+          </dgm:ruleLst>
+        </dgm:layoutNode>
+      </dgm:layoutNode>
+      <dgm:forEach name="Name10" axis="followSib" ptType="sibTrans" cnt="1">
+        <dgm:layoutNode name="sp">
+          <dgm:alg type="sp"/>
+          <dgm:shape xmlns:r="http://schemas.openxmlformats.org/officeDocument/2006/relationships" r:blip="">
+            <dgm:adjLst/>
+          </dgm:shape>
+          <dgm:presOf axis="self"/>
+          <dgm:constrLst>
+            <dgm:constr type="w" val="1"/>
+            <dgm:constr type="h" val="37.5"/>
+          </dgm:constrLst>
+          <dgm:ruleLst/>
+        </dgm:layoutNode>
+      </dgm:forEach>
+    </dgm:forEach>
+  </dgm:layoutNode>
+</dgm:layoutDef>
+</file>
+
+<file path=ppt/diagrams/quickStyle1.xml><?xml version="1.0" encoding="utf-8"?>
+<dgm:styleDef xmlns:dgm="http://schemas.openxmlformats.org/drawingml/2006/diagram" xmlns:a="http://schemas.openxmlformats.org/drawingml/2006/main" uniqueId="urn:microsoft.com/office/officeart/2005/8/quickstyle/3d3">
+  <dgm:title val=""/>
+  <dgm:desc val=""/>
+  <dgm:catLst>
+    <dgm:cat type="3D" pri="11300"/>
+  </dgm:catLst>
+  <dgm:scene3d>
+    <a:camera prst="orthographicFront"/>
+    <a:lightRig rig="threePt" dir="t"/>
+  </dgm:scene3d>
+  <dgm:styleLbl name="node0">
+    <dgm:scene3d>
+      <a:camera prst="orthographicFront">
+        <a:rot lat="0" lon="0" rev="0"/>
+      </a:camera>
+      <a:lightRig rig="contrasting" dir="t">
+        <a:rot lat="0" lon="0" rev="1200000"/>
+      </a:lightRig>
+    </dgm:scene3d>
+    <dgm:sp3d contourW="19050" prstMaterial="metal">
+      <a:bevelT w="88900" h="203200"/>
+      <a:bevelB w="165100" h="254000"/>
+    </dgm:sp3d>
+    <dgm:txPr/>
+    <dgm:style>
+      <a:lnRef idx="0">
+        <a:scrgbClr r="0" g="0" b="0"/>
+      </a:lnRef>
+      <a:fillRef idx="1">
+        <a:scrgbClr r="0" g="0" b="0"/>
+      </a:fillRef>
+      <a:effectRef idx="1">
+        <a:scrgbClr r="0" g="0" b="0"/>
+      </a:effectRef>
+      <a:fontRef idx="minor">
+        <a:schemeClr val="lt1"/>
+      </a:fontRef>
+    </dgm:style>
+  </dgm:styleLbl>
+  <dgm:styleLbl name="lnNode1">
+    <dgm:scene3d>
+      <a:camera prst="orthographicFront">
+        <a:rot lat="0" lon="0" rev="0"/>
+      </a:camera>
+      <a:lightRig rig="contrasting" dir="t">
+        <a:rot lat="0" lon="0" rev="1200000"/>
+      </a:lightRig>
+    </dgm:scene3d>
+    <dgm:sp3d contourW="19050" prstMaterial="metal">
+      <a:bevelT w="88900" h="203200"/>
+      <a:bevelB w="165100" h="254000"/>
+    </dgm:sp3d>
+    <dgm:txPr/>
+    <dgm:style>
+      <a:lnRef idx="0">
+        <a:scrgbClr r="0" g="0" b="0"/>
+      </a:lnRef>
+      <a:fillRef idx="1">
+        <a:scrgbClr r="0" g="0" b="0"/>
+      </a:fillRef>
+      <a:effectRef idx="1">
+        <a:scrgbClr r="0" g="0" b="0"/>
+      </a:effectRef>
+      <a:fontRef idx="minor">
+        <a:schemeClr val="lt1"/>
+      </a:fontRef>
+    </dgm:style>
+  </dgm:styleLbl>
+  <dgm:styleLbl name="vennNode1">
+    <dgm:scene3d>
+      <a:camera prst="orthographicFront">
+        <a:rot lat="0" lon="0" rev="0"/>
+      </a:camera>
+      <a:lightRig rig="contrasting" dir="t">
+        <a:rot lat="0" lon="0" rev="1200000"/>
+      </a:lightRig>
+    </dgm:scene3d>
+    <dgm:sp3d contourW="12700" prstMaterial="clear">
+      <a:bevelT w="177800" h="254000"/>
+      <a:bevelB w="152400"/>
+    </dgm:sp3d>
+    <dgm:txPr/>
+    <dgm:style>
+      <a:lnRef idx="0">
+        <a:scrgbClr r="0" g="0" b="0"/>
+      </a:lnRef>
+      <a:fillRef idx="1">
+        <a:scrgbClr r="0" g="0" b="0"/>
+      </a:fillRef>
+      <a:effectRef idx="0">
+        <a:scrgbClr r="0" g="0" b="0"/>
+      </a:effectRef>
+      <a:fontRef idx="minor">
+        <a:schemeClr val="tx1"/>
+      </a:fontRef>
+    </dgm:style>
+  </dgm:styleLbl>
+  <dgm:styleLbl name="alignNode1">
+    <dgm:scene3d>
+      <a:camera prst="orthographicFront">
+        <a:rot lat="0" lon="0" rev="0"/>
+      </a:camera>
+      <a:lightRig rig="contrasting" dir="t">
+        <a:rot lat="0" lon="0" rev="1200000"/>
+      </a:lightRig>
+    </dgm:scene3d>
+    <dgm:sp3d contourW="19050" prstMaterial="metal">
+      <a:bevelT w="88900" h="203200"/>
+      <a:bevelB w="165100" h="254000"/>
+    </dgm:sp3d>
+    <dgm:txPr/>
+    <dgm:style>
+      <a:lnRef idx="0">
+        <a:scrgbClr r="0" g="0" b="0"/>
+      </a:lnRef>
+      <a:fillRef idx="1">
+        <a:scrgbClr r="0" g="0" b="0"/>
+      </a:fillRef>
+      <a:effectRef idx="2">
+        <a:scrgbClr r="0" g="0" b="0"/>
+      </a:effectRef>
+      <a:fontRef idx="minor">
+        <a:schemeClr val="lt1"/>
+      </a:fontRef>
+    </dgm:style>
+  </dgm:styleLbl>
+  <dgm:styleLbl name="node1">
+    <dgm:scene3d>
+      <a:camera prst="orthographicFront">
+        <a:rot lat="0" lon="0" rev="0"/>
+      </a:camera>
+      <a:lightRig rig="contrasting" dir="t">
+        <a:rot lat="0" lon="0" rev="1200000"/>
+      </a:lightRig>
+    </dgm:scene3d>
+    <dgm:sp3d contourW="19050" prstMaterial="metal">
+      <a:bevelT w="88900" h="203200"/>
+      <a:bevelB w="165100" h="254000"/>
+    </dgm:sp3d>
+    <dgm:txPr/>
+    <dgm:style>
+      <a:lnRef idx="0">
+        <a:scrgbClr r="0" g="0" b="0"/>
+      </a:lnRef>
+      <a:fillRef idx="1">
+        <a:scrgbClr r="0" g="0" b="0"/>
+      </a:fillRef>
+      <a:effectRef idx="2">
+        <a:scrgbClr r="0" g="0" b="0"/>
+      </a:effectRef>
+      <a:fontRef idx="minor">
+        <a:schemeClr val="lt1"/>
+      </a:fontRef>
+    </dgm:style>
+  </dgm:styleLbl>
+  <dgm:styleLbl name="node2">
+    <dgm:scene3d>
+      <a:camera prst="orthographicFront">
+        <a:rot lat="0" lon="0" rev="0"/>
+      </a:camera>
+      <a:lightRig rig="contrasting" dir="t">
+        <a:rot lat="0" lon="0" rev="1200000"/>
+      </a:lightRig>
+    </dgm:scene3d>
+    <dgm:sp3d contourW="19050" prstMaterial="metal">
+      <a:bevelT w="88900" h="203200"/>
+      <a:bevelB w="165100" h="254000"/>
+    </dgm:sp3d>
+    <dgm:txPr/>
+    <dgm:style>
+      <a:lnRef idx="0">
+        <a:scrgbClr r="0" g="0" b="0"/>
+      </a:lnRef>
+      <a:fillRef idx="1">
+        <a:scrgbClr r="0" g="0" b="0"/>
+      </a:fillRef>
+      <a:effectRef idx="1">
+        <a:scrgbClr r="0" g="0" b="0"/>
+      </a:effectRef>
+      <a:fontRef idx="minor">
+        <a:schemeClr val="lt1"/>
+      </a:fontRef>
+    </dgm:style>
+  </dgm:styleLbl>
+  <dgm:styleLbl name="node3">
+    <dgm:scene3d>
+      <a:camera prst="orthographicFront">
+        <a:rot lat="0" lon="0" rev="0"/>
+      </a:camera>
+      <a:lightRig rig="contrasting" dir="t">
+        <a:rot lat="0" lon="0" rev="1200000"/>
+      </a:lightRig>
+    </dgm:scene3d>
+    <dgm:sp3d contourW="19050" prstMaterial="metal">
+      <a:bevelT w="88900" h="203200"/>
+      <a:bevelB w="165100" h="254000"/>
+    </dgm:sp3d>
+    <dgm:txPr/>
+    <dgm:style>
+      <a:lnRef idx="0">
+        <a:scrgbClr r="0" g="0" b="0"/>
+      </a:lnRef>
+      <a:fillRef idx="1">
+        <a:scrgbClr r="0" g="0" b="0"/>
+      </a:fillRef>
+      <a:effectRef idx="1">
+        <a:scrgbClr r="0" g="0" b="0"/>
+      </a:effectRef>
+      <a:fontRef idx="minor">
+        <a:schemeClr val="lt1"/>
+      </a:fontRef>
+    </dgm:style>
+  </dgm:styleLbl>
+  <dgm:styleLbl name="node4">
+    <dgm:scene3d>
+      <a:camera prst="orthographicFront">
+        <a:rot lat="0" lon="0" rev="0"/>
+      </a:camera>
+      <a:lightRig rig="contrasting" dir="t">
+        <a:rot lat="0" lon="0" rev="1200000"/>
+      </a:lightRig>
+    </dgm:scene3d>
+    <dgm:sp3d contourW="19050" prstMaterial="metal">
+      <a:bevelT w="88900" h="203200"/>
+      <a:bevelB w="165100" h="254000"/>
+    </dgm:sp3d>
+    <dgm:txPr/>
+    <dgm:style>
+      <a:lnRef idx="0">
+        <a:scrgbClr r="0" g="0" b="0"/>
+      </a:lnRef>
+      <a:fillRef idx="1">
+        <a:scrgbClr r="0" g="0" b="0"/>
+      </a:fillRef>
+      <a:effectRef idx="1">
+        <a:scrgbClr r="0" g="0" b="0"/>
+      </a:effectRef>
+      <a:fontRef idx="minor">
+        <a:schemeClr val="lt1"/>
+      </a:fontRef>
+    </dgm:style>
+  </dgm:styleLbl>
+  <dgm:styleLbl name="fgImgPlace1">
+    <dgm:scene3d>
+      <a:camera prst="orthographicFront">
+        <a:rot lat="0" lon="0" rev="0"/>
+      </a:camera>
+      <a:lightRig rig="contrasting" dir="t">
+        <a:rot lat="0" lon="0" rev="1200000"/>
+      </a:lightRig>
+    </dgm:scene3d>
+    <dgm:sp3d z="300000" contourW="19050" prstMaterial="metal">
+      <a:bevelT w="88900" h="203200"/>
+      <a:bevelB w="165100" h="254000"/>
+    </dgm:sp3d>
+    <dgm:txPr/>
+    <dgm:style>
+      <a:lnRef idx="0">
+        <a:scrgbClr r="0" g="0" b="0"/>
+      </a:lnRef>
+      <a:fillRef idx="1">
+        <a:scrgbClr r="0" g="0" b="0"/>
+      </a:fillRef>
+      <a:effectRef idx="1">
+        <a:scrgbClr r="0" g="0" b="0"/>
+      </a:effectRef>
+      <a:fontRef idx="minor"/>
+    </dgm:style>
+  </dgm:styleLbl>
+  <dgm:styleLbl name="alignImgPlace1">
+    <dgm:scene3d>
+      <a:camera prst="orthographicFront">
+        <a:rot lat="0" lon="0" rev="0"/>
+      </a:camera>
+      <a:lightRig rig="contrasting" dir="t">
+        <a:rot lat="0" lon="0" rev="1200000"/>
+      </a:lightRig>
+    </dgm:scene3d>
+    <dgm:sp3d contourW="12700" prstMaterial="flat">
+      <a:bevelT w="177800" h="254000"/>
+      <a:bevelB w="152400"/>
+    </dgm:sp3d>
+    <dgm:txPr/>
+    <dgm:style>
+      <a:lnRef idx="0">
+        <a:scrgbClr r="0" g="0" b="0"/>
+      </a:lnRef>
+      <a:fillRef idx="1">
+        <a:scrgbClr r="0" g="0" b="0"/>
+      </a:fillRef>
+      <a:effectRef idx="1">
+        <a:scrgbClr r="0" g="0" b="0"/>
+      </a:effectRef>
+      <a:fontRef idx="minor"/>
+    </dgm:style>
+  </dgm:styleLbl>
+  <dgm:styleLbl name="bgImgPlace1">
+    <dgm:scene3d>
+      <a:camera prst="orthographicFront">
+        <a:rot lat="0" lon="0" rev="0"/>
+      </a:camera>
+      <a:lightRig rig="contrasting" dir="t">
+        <a:rot lat="0" lon="0" rev="1200000"/>
+      </a:lightRig>
+    </dgm:scene3d>
+    <dgm:sp3d z="-300000" contourW="19050" prstMaterial="metal">
+      <a:bevelT w="88900" h="203200"/>
+      <a:bevelB w="165100" h="254000"/>
+    </dgm:sp3d>
+    <dgm:txPr/>
+    <dgm:style>
+      <a:lnRef idx="0">
+        <a:scrgbClr r="0" g="0" b="0"/>
+      </a:lnRef>
+      <a:fillRef idx="1">
+        <a:scrgbClr r="0" g="0" b="0"/>
+      </a:fillRef>
+      <a:effectRef idx="1">
+        <a:scrgbClr r="0" g="0" b="0"/>
+      </a:effectRef>
+      <a:fontRef idx="minor"/>
+    </dgm:style>
+  </dgm:styleLbl>
+  <dgm:styleLbl name="sibTrans2D1">
+    <dgm:scene3d>
+      <a:camera prst="orthographicFront">
+        <a:rot lat="0" lon="0" rev="0"/>
+      </a:camera>
+      <a:lightRig rig="contrasting" dir="t">
+        <a:rot lat="0" lon="0" rev="1200000"/>
+      </a:lightRig>
+    </dgm:scene3d>
+    <dgm:sp3d z="-182000" contourW="19050" prstMaterial="metal">
+      <a:bevelT w="88900" h="203200"/>
+      <a:bevelB w="165100" h="254000"/>
+    </dgm:sp3d>
+    <dgm:txPr/>
+    <dgm:style>
+      <a:lnRef idx="0">
+        <a:scrgbClr r="0" g="0" b="0"/>
+      </a:lnRef>
+      <a:fillRef idx="1">
+        <a:scrgbClr r="0" g="0" b="0"/>
+      </a:fillRef>
+      <a:effectRef idx="0">
+        <a:scrgbClr r="0" g="0" b="0"/>
+      </a:effectRef>
+      <a:fontRef idx="minor">
+        <a:schemeClr val="lt1"/>
+      </a:fontRef>
+    </dgm:style>
+  </dgm:styleLbl>
+  <dgm:styleLbl name="fgSibTrans2D1">
+    <dgm:scene3d>
+      <a:camera prst="orthographicFront">
+        <a:rot lat="0" lon="0" rev="0"/>
+      </a:camera>
+      <a:lightRig rig="contrasting" dir="t">
+        <a:rot lat="0" lon="0" rev="1200000"/>
+      </a:lightRig>
+    </dgm:scene3d>
+    <dgm:sp3d z="300000" contourW="19050" prstMaterial="metal">
+      <a:bevelT w="88900" h="203200"/>
+      <a:bevelB w="165100" h="254000"/>
+    </dgm:sp3d>
+    <dgm:txPr/>
+    <dgm:style>
+      <a:lnRef idx="0">
+        <a:scrgbClr r="0" g="0" b="0"/>
+      </a:lnRef>
+      <a:fillRef idx="1">
+        <a:scrgbClr r="0" g="0" b="0"/>
+      </a:fillRef>
+      <a:effectRef idx="0">
+        <a:scrgbClr r="0" g="0" b="0"/>
+      </a:effectRef>
+      <a:fontRef idx="minor"/>
+    </dgm:style>
+  </dgm:styleLbl>
+  <dgm:styleLbl name="bgSibTrans2D1">
+    <dgm:scene3d>
+      <a:camera prst="orthographicFront">
+        <a:rot lat="0" lon="0" rev="0"/>
+      </a:camera>
+      <a:lightRig rig="contrasting" dir="t">
+        <a:rot lat="0" lon="0" rev="1200000"/>
+      </a:lightRig>
+    </dgm:scene3d>
+    <dgm:sp3d z="-300000" contourW="19050" prstMaterial="metal">
+      <a:bevelT w="88900" h="203200"/>
+      <a:bevelB w="165100" h="254000"/>
+    </dgm:sp3d>
+    <dgm:txPr/>
+    <dgm:style>
+      <a:lnRef idx="0">
+        <a:scrgbClr r="0" g="0" b="0"/>
+      </a:lnRef>
+      <a:fillRef idx="1">
+        <a:scrgbClr r="0" g="0" b="0"/>
+      </a:fillRef>
+      <a:effectRef idx="0">
+        <a:scrgbClr r="0" g="0" b="0"/>
+      </a:effectRef>
+      <a:fontRef idx="minor"/>
+    </dgm:style>
+  </dgm:styleLbl>
+  <dgm:styleLbl name="sibTrans1D1">
+    <dgm:scene3d>
+      <a:camera prst="orthographicFront">
+        <a:rot lat="0" lon="0" rev="0"/>
+      </a:camera>
+      <a:lightRig rig="contrasting" dir="t">
+        <a:rot lat="0" lon="0" rev="1200000"/>
+      </a:lightRig>
+    </dgm:scene3d>
+    <dgm:sp3d z="-110000"/>
+    <dgm:txPr/>
+    <dgm:style>
+      <a:lnRef idx="1">
+        <a:scrgbClr r="0" g="0" b="0"/>
+      </a:lnRef>
+      <a:fillRef idx="0">
+        <a:scrgbClr r="0" g="0" b="0"/>
+      </a:fillRef>
+      <a:effectRef idx="0">
+        <a:scrgbClr r="0" g="0" b="0"/>
+      </a:effectRef>
+      <a:fontRef idx="minor"/>
+    </dgm:style>
+  </dgm:styleLbl>
+  <dgm:styleLbl name="callout">
+    <dgm:scene3d>
+      <a:camera prst="orthographicFront">
+        <a:rot lat="0" lon="0" rev="0"/>
+      </a:camera>
+      <a:lightRig rig="contrasting" dir="t">
+        <a:rot lat="0" lon="0" rev="1200000"/>
+      </a:lightRig>
+    </dgm:scene3d>
+    <dgm:sp3d z="10000"/>
+    <dgm:txPr/>
+    <dgm:style>
+      <a:lnRef idx="2">
+        <a:scrgbClr r="0" g="0" b="0"/>
+      </a:lnRef>
+      <a:fillRef idx="1">
+        <a:scrgbClr r="0" g="0" b="0"/>
+      </a:fillRef>
+      <a:effectRef idx="0">
+        <a:scrgbClr r="0" g="0" b="0"/>
+      </a:effectRef>
+      <a:fontRef idx="minor"/>
+    </dgm:style>
+  </dgm:styleLbl>
+  <dgm:styleLbl name="asst0">
+    <dgm:scene3d>
+      <a:camera prst="orthographicFront">
+        <a:rot lat="0" lon="0" rev="0"/>
+      </a:camera>
+      <a:lightRig rig="contrasting" dir="t">
+        <a:rot lat="0" lon="0" rev="1200000"/>
+      </a:lightRig>
+    </dgm:scene3d>
+    <dgm:sp3d contourW="19050" prstMaterial="metal">
+      <a:bevelT w="88900" h="203200"/>
+      <a:bevelB w="165100" h="254000"/>
+    </dgm:sp3d>
+    <dgm:txPr/>
+    <dgm:style>
+      <a:lnRef idx="0">
+        <a:scrgbClr r="0" g="0" b="0"/>
+      </a:lnRef>
+      <a:fillRef idx="1">
+        <a:scrgbClr r="0" g="0" b="0"/>
+      </a:fillRef>
+      <a:effectRef idx="1">
+        <a:scrgbClr r="0" g="0" b="0"/>
+      </a:effectRef>
+      <a:fontRef idx="minor">
+        <a:schemeClr val="lt1"/>
+      </a:fontRef>
+    </dgm:style>
+  </dgm:styleLbl>
+  <dgm:styleLbl name="asst1">
+    <dgm:scene3d>
+      <a:camera prst="orthographicFront">
+        <a:rot lat="0" lon="0" rev="0"/>
+      </a:camera>
+      <a:lightRig rig="contrasting" dir="t">
+        <a:rot lat="0" lon="0" rev="1200000"/>
+      </a:lightRig>
+    </dgm:scene3d>
+    <dgm:sp3d contourW="19050" prstMaterial="metal">
+      <a:bevelT w="88900" h="203200"/>
+      <a:bevelB w="165100" h="254000"/>
+    </dgm:sp3d>
+    <dgm:txPr/>
+    <dgm:style>
+      <a:lnRef idx="0">
+        <a:scrgbClr r="0" g="0" b="0"/>
+      </a:lnRef>
+      <a:fillRef idx="1">
+        <a:scrgbClr r="0" g="0" b="0"/>
+      </a:fillRef>
+      <a:effectRef idx="1">
+        <a:scrgbClr r="0" g="0" b="0"/>
+      </a:effectRef>
+      <a:fontRef idx="minor">
+        <a:schemeClr val="lt1"/>
+      </a:fontRef>
+    </dgm:style>
+  </dgm:styleLbl>
+  <dgm:styleLbl name="asst2">
+    <dgm:scene3d>
+      <a:camera prst="orthographicFront">
+        <a:rot lat="0" lon="0" rev="0"/>
+      </a:camera>
+      <a:lightRig rig="contrasting" dir="t">
+        <a:rot lat="0" lon="0" rev="1200000"/>
+      </a:lightRig>
+    </dgm:scene3d>
+    <dgm:sp3d contourW="19050" prstMaterial="metal">
+      <a:bevelT w="88900" h="203200"/>
+      <a:bevelB w="165100" h="254000"/>
+    </dgm:sp3d>
+    <dgm:txPr/>
+    <dgm:style>
+      <a:lnRef idx="0">
+        <a:scrgbClr r="0" g="0" b="0"/>
+      </a:lnRef>
+      <a:fillRef idx="1">
+        <a:scrgbClr r="0" g="0" b="0"/>
+      </a:fillRef>
+      <a:effectRef idx="1">
+        <a:scrgbClr r="0" g="0" b="0"/>
+      </a:effectRef>
+      <a:fontRef idx="minor">
+        <a:schemeClr val="lt1"/>
+      </a:fontRef>
+    </dgm:style>
+  </dgm:styleLbl>
+  <dgm:styleLbl name="asst3">
+    <dgm:scene3d>
+      <a:camera prst="orthographicFront">
+        <a:rot lat="0" lon="0" rev="0"/>
+      </a:camera>
+      <a:lightRig rig="contrasting" dir="t">
+        <a:rot lat="0" lon="0" rev="1200000"/>
+      </a:lightRig>
+    </dgm:scene3d>
+    <dgm:sp3d contourW="19050" prstMaterial="metal">
+      <a:bevelT w="88900" h="203200"/>
+      <a:bevelB w="165100" h="254000"/>
+    </dgm:sp3d>
+    <dgm:txPr/>
+    <dgm:style>
+      <a:lnRef idx="0">
+        <a:scrgbClr r="0" g="0" b="0"/>
+      </a:lnRef>
+      <a:fillRef idx="1">
+        <a:scrgbClr r="0" g="0" b="0"/>
+      </a:fillRef>
+      <a:effectRef idx="1">
+        <a:scrgbClr r="0" g="0" b="0"/>
+      </a:effectRef>
+      <a:fontRef idx="minor">
+        <a:schemeClr val="lt1"/>
+      </a:fontRef>
+    </dgm:style>
+  </dgm:styleLbl>
+  <dgm:styleLbl name="asst4">
+    <dgm:scene3d>
+      <a:camera prst="orthographicFront"/>
+      <a:lightRig rig="threePt" dir="t"/>
+    </dgm:scene3d>
+    <dgm:sp3d contourW="19050" prstMaterial="metal">
+      <a:bevelT w="88900" h="203200"/>
+      <a:bevelB w="165100" h="254000"/>
+    </dgm:sp3d>
+    <dgm:txPr/>
+    <dgm:style>
+      <a:lnRef idx="0">
+        <a:scrgbClr r="0" g="0" b="0"/>
+      </a:lnRef>
+      <a:fillRef idx="1">
+        <a:scrgbClr r="0" g="0" b="0"/>
+      </a:fillRef>
+      <a:effectRef idx="1">
+        <a:scrgbClr r="0" g="0" b="0"/>
+      </a:effectRef>
+      <a:fontRef idx="minor">
+        <a:schemeClr val="lt1"/>
+      </a:fontRef>
+    </dgm:style>
+  </dgm:styleLbl>
+  <dgm:styleLbl name="parChTrans2D1">
+    <dgm:scene3d>
+      <a:camera prst="orthographicFront">
+        <a:rot lat="0" lon="0" rev="0"/>
+      </a:camera>
+      <a:lightRig rig="contrasting" dir="t">
+        <a:rot lat="0" lon="0" rev="1200000"/>
+      </a:lightRig>
+    </dgm:scene3d>
+    <dgm:sp3d contourW="19050" prstMaterial="metal">
+      <a:bevelT w="88900" h="203200"/>
+      <a:bevelB w="165100" h="254000"/>
+    </dgm:sp3d>
+    <dgm:txPr/>
+    <dgm:style>
+      <a:lnRef idx="0">
+        <a:scrgbClr r="0" g="0" b="0"/>
+      </a:lnRef>
+      <a:fillRef idx="1">
+        <a:scrgbClr r="0" g="0" b="0"/>
+      </a:fillRef>
+      <a:effectRef idx="0">
+        <a:scrgbClr r="0" g="0" b="0"/>
+      </a:effectRef>
+      <a:fontRef idx="minor"/>
+    </dgm:style>
+  </dgm:styleLbl>
+  <dgm:styleLbl name="parChTrans2D2">
+    <dgm:scene3d>
+      <a:camera prst="orthographicFront">
+        <a:rot lat="0" lon="0" rev="0"/>
+      </a:camera>
+      <a:lightRig rig="contrasting" dir="t">
+        <a:rot lat="0" lon="0" rev="1200000"/>
+      </a:lightRig>
+    </dgm:scene3d>
+    <dgm:sp3d contourW="19050" prstMaterial="metal">
+      <a:bevelT w="88900" h="203200"/>
+      <a:bevelB w="165100" h="254000"/>
+    </dgm:sp3d>
+    <dgm:txPr/>
+    <dgm:style>
+      <a:lnRef idx="0">
+        <a:scrgbClr r="0" g="0" b="0"/>
+      </a:lnRef>
+      <a:fillRef idx="1">
+        <a:scrgbClr r="0" g="0" b="0"/>
+      </a:fillRef>
+      <a:effectRef idx="0">
+        <a:scrgbClr r="0" g="0" b="0"/>
+      </a:effectRef>
+      <a:fontRef idx="minor"/>
+    </dgm:style>
+  </dgm:styleLbl>
+  <dgm:styleLbl name="parChTrans2D3">
+    <dgm:scene3d>
+      <a:camera prst="orthographicFront">
+        <a:rot lat="0" lon="0" rev="0"/>
+      </a:camera>
+      <a:lightRig rig="contrasting" dir="t">
+        <a:rot lat="0" lon="0" rev="1200000"/>
+      </a:lightRig>
+    </dgm:scene3d>
+    <dgm:sp3d contourW="19050" prstMaterial="metal">
+      <a:bevelT w="88900" h="203200"/>
+      <a:bevelB w="165100" h="254000"/>
+    </dgm:sp3d>
+    <dgm:txPr/>
+    <dgm:style>
+      <a:lnRef idx="0">
+        <a:scrgbClr r="0" g="0" b="0"/>
+      </a:lnRef>
+      <a:fillRef idx="1">
+        <a:scrgbClr r="0" g="0" b="0"/>
+      </a:fillRef>
+      <a:effectRef idx="0">
+        <a:scrgbClr r="0" g="0" b="0"/>
+      </a:effectRef>
+      <a:fontRef idx="minor"/>
+    </dgm:style>
+  </dgm:styleLbl>
+  <dgm:styleLbl name="parChTrans2D4">
+    <dgm:scene3d>
+      <a:camera prst="orthographicFront">
+        <a:rot lat="0" lon="0" rev="0"/>
+      </a:camera>
+      <a:lightRig rig="contrasting" dir="t">
+        <a:rot lat="0" lon="0" rev="1200000"/>
+      </a:lightRig>
+    </dgm:scene3d>
+    <dgm:sp3d contourW="19050" prstMaterial="metal">
+      <a:bevelT w="88900" h="203200"/>
+      <a:bevelB w="165100" h="254000"/>
+    </dgm:sp3d>
+    <dgm:txPr/>
+    <dgm:style>
+      <a:lnRef idx="0">
+        <a:scrgbClr r="0" g="0" b="0"/>
+      </a:lnRef>
+      <a:fillRef idx="1">
+        <a:scrgbClr r="0" g="0" b="0"/>
+      </a:fillRef>
+      <a:effectRef idx="0">
+        <a:scrgbClr r="0" g="0" b="0"/>
+      </a:effectRef>
+      <a:fontRef idx="minor"/>
+    </dgm:style>
+  </dgm:styleLbl>
+  <dgm:styleLbl name="parChTrans1D1">
+    <dgm:scene3d>
+      <a:camera prst="orthographicFront">
+        <a:rot lat="0" lon="0" rev="0"/>
+      </a:camera>
+      <a:lightRig rig="contrasting" dir="t">
+        <a:rot lat="0" lon="0" rev="1200000"/>
+      </a:lightRig>
+    </dgm:scene3d>
+    <dgm:sp3d z="-110000"/>
+    <dgm:txPr/>
+    <dgm:style>
+      <a:lnRef idx="2">
+        <a:scrgbClr r="0" g="0" b="0"/>
+      </a:lnRef>
+      <a:fillRef idx="0">
+        <a:scrgbClr r="0" g="0" b="0"/>
+      </a:fillRef>
+      <a:effectRef idx="0">
+        <a:scrgbClr r="0" g="0" b="0"/>
+      </a:effectRef>
+      <a:fontRef idx="minor"/>
+    </dgm:style>
+  </dgm:styleLbl>
+  <dgm:styleLbl name="parChTrans1D2">
+    <dgm:scene3d>
+      <a:camera prst="orthographicFront">
+        <a:rot lat="0" lon="0" rev="0"/>
+      </a:camera>
+      <a:lightRig rig="contrasting" dir="t">
+        <a:rot lat="0" lon="0" rev="1200000"/>
+      </a:lightRig>
+    </dgm:scene3d>
+    <dgm:sp3d z="-110000"/>
+    <dgm:txPr/>
+    <dgm:style>
+      <a:lnRef idx="2">
+        <a:scrgbClr r="0" g="0" b="0"/>
+      </a:lnRef>
+      <a:fillRef idx="0">
+        <a:scrgbClr r="0" g="0" b="0"/>
+      </a:fillRef>
+      <a:effectRef idx="0">
+        <a:scrgbClr r="0" g="0" b="0"/>
+      </a:effectRef>
+      <a:fontRef idx="minor"/>
+    </dgm:style>
+  </dgm:styleLbl>
+  <dgm:styleLbl name="parChTrans1D3">
+    <dgm:scene3d>
+      <a:camera prst="orthographicFront">
+        <a:rot lat="0" lon="0" rev="0"/>
+      </a:camera>
+      <a:lightRig rig="contrasting" dir="t">
+        <a:rot lat="0" lon="0" rev="1200000"/>
+      </a:lightRig>
+    </dgm:scene3d>
+    <dgm:sp3d z="-110000"/>
+    <dgm:txPr/>
+    <dgm:style>
+      <a:lnRef idx="2">
+        <a:scrgbClr r="0" g="0" b="0"/>
+      </a:lnRef>
+      <a:fillRef idx="0">
+        <a:scrgbClr r="0" g="0" b="0"/>
+      </a:fillRef>
+      <a:effectRef idx="0">
+        <a:scrgbClr r="0" g="0" b="0"/>
+      </a:effectRef>
+      <a:fontRef idx="minor"/>
+    </dgm:style>
+  </dgm:styleLbl>
+  <dgm:styleLbl name="parChTrans1D4">
+    <dgm:scene3d>
+      <a:camera prst="orthographicFront">
+        <a:rot lat="0" lon="0" rev="0"/>
+      </a:camera>
+      <a:lightRig rig="contrasting" dir="t">
+        <a:rot lat="0" lon="0" rev="1200000"/>
+      </a:lightRig>
+    </dgm:scene3d>
+    <dgm:sp3d z="-110000"/>
+    <dgm:txPr/>
+    <dgm:style>
+      <a:lnRef idx="2">
+        <a:scrgbClr r="0" g="0" b="0"/>
+      </a:lnRef>
+      <a:fillRef idx="0">
+        <a:scrgbClr r="0" g="0" b="0"/>
+      </a:fillRef>
+      <a:effectRef idx="0">
+        <a:scrgbClr r="0" g="0" b="0"/>
+      </a:effectRef>
+      <a:fontRef idx="minor"/>
+    </dgm:style>
+  </dgm:styleLbl>
+  <dgm:styleLbl name="fgAcc1">
+    <dgm:scene3d>
+      <a:camera prst="orthographicFront">
+        <a:rot lat="0" lon="0" rev="0"/>
+      </a:camera>
+      <a:lightRig rig="contrasting" dir="t">
+        <a:rot lat="0" lon="0" rev="1200000"/>
+      </a:lightRig>
+    </dgm:scene3d>
+    <dgm:sp3d z="300000" contourW="19050" prstMaterial="metal">
+      <a:bevelT w="88900" h="203200"/>
+      <a:bevelB w="165100" h="254000"/>
+    </dgm:sp3d>
+    <dgm:txPr/>
+    <dgm:style>
+      <a:lnRef idx="0">
+        <a:scrgbClr r="0" g="0" b="0"/>
+      </a:lnRef>
+      <a:fillRef idx="1">
+        <a:scrgbClr r="0" g="0" b="0"/>
+      </a:fillRef>
+      <a:effectRef idx="0">
+        <a:scrgbClr r="0" g="0" b="0"/>
+      </a:effectRef>
+      <a:fontRef idx="minor"/>
+    </dgm:style>
+  </dgm:styleLbl>
+  <dgm:styleLbl name="conFgAcc1">
+    <dgm:scene3d>
+      <a:camera prst="orthographicFront">
+        <a:rot lat="0" lon="0" rev="0"/>
+      </a:camera>
+      <a:lightRig rig="contrasting" dir="t">
+        <a:rot lat="0" lon="0" rev="1200000"/>
+      </a:lightRig>
+    </dgm:scene3d>
+    <dgm:sp3d z="300000" contourW="19050" prstMaterial="metal">
+      <a:bevelT w="88900" h="203200"/>
+      <a:bevelB w="165100" h="254000"/>
+    </dgm:sp3d>
+    <dgm:txPr/>
+    <dgm:style>
+      <a:lnRef idx="0">
+        <a:scrgbClr r="0" g="0" b="0"/>
+      </a:lnRef>
+      <a:fillRef idx="1">
+        <a:scrgbClr r="0" g="0" b="0"/>
+      </a:fillRef>
+      <a:effectRef idx="0">
+        <a:scrgbClr r="0" g="0" b="0"/>
+      </a:effectRef>
+      <a:fontRef idx="minor"/>
+    </dgm:style>
+  </dgm:styleLbl>
+  <dgm:styleLbl name="alignAcc1">
+    <dgm:scene3d>
+      <a:camera prst="orthographicFront">
+        <a:rot lat="0" lon="0" rev="0"/>
+      </a:camera>
+      <a:lightRig rig="contrasting" dir="t">
+        <a:rot lat="0" lon="0" rev="1200000"/>
+      </a:lightRig>
+    </dgm:scene3d>
+    <dgm:sp3d contourW="19050" prstMaterial="metal">
+      <a:bevelT w="88900" h="203200"/>
+      <a:bevelB w="165100" h="254000"/>
+    </dgm:sp3d>
+    <dgm:txPr/>
+    <dgm:style>
+      <a:lnRef idx="0">
+        <a:scrgbClr r="0" g="0" b="0"/>
+      </a:lnRef>
+      <a:fillRef idx="1">
+        <a:scrgbClr r="0" g="0" b="0"/>
+      </a:fillRef>
+      <a:effectRef idx="0">
+        <a:scrgbClr r="0" g="0" b="0"/>
+      </a:effectRef>
+      <a:fontRef idx="minor"/>
+    </dgm:style>
+  </dgm:styleLbl>
+  <dgm:styleLbl name="trAlignAcc1">
+    <dgm:scene3d>
+      <a:camera prst="orthographicFront">
+        <a:rot lat="0" lon="0" rev="0"/>
+      </a:camera>
+      <a:lightRig rig="contrasting" dir="t">
+        <a:rot lat="0" lon="0" rev="1200000"/>
+      </a:lightRig>
+    </dgm:scene3d>
+    <dgm:sp3d contourW="19050" prstMaterial="metal">
+      <a:bevelT w="88900" h="203200"/>
+      <a:bevelB w="165100" h="254000"/>
+    </dgm:sp3d>
+    <dgm:txPr/>
+    <dgm:style>
+      <a:lnRef idx="0">
+        <a:scrgbClr r="0" g="0" b="0"/>
+      </a:lnRef>
+      <a:fillRef idx="1">
+        <a:scrgbClr r="0" g="0" b="0"/>
+      </a:fillRef>
+      <a:effectRef idx="1">
+        <a:scrgbClr r="0" g="0" b="0"/>
+      </a:effectRef>
+      <a:fontRef idx="minor"/>
+    </dgm:style>
+  </dgm:styleLbl>
+  <dgm:styleLbl name="bgAcc1">
+    <dgm:scene3d>
+      <a:camera prst="orthographicFront">
+        <a:rot lat="0" lon="0" rev="0"/>
+      </a:camera>
+      <a:lightRig rig="contrasting" dir="t">
+        <a:rot lat="0" lon="0" rev="1200000"/>
+      </a:lightRig>
+    </dgm:scene3d>
+    <dgm:sp3d z="-300000" contourW="19050" prstMaterial="metal">
+      <a:bevelT w="88900" h="203200"/>
+      <a:bevelB w="165100" h="254000"/>
+    </dgm:sp3d>
+    <dgm:txPr/>
+    <dgm:style>
+      <a:lnRef idx="0">
+        <a:scrgbClr r="0" g="0" b="0"/>
+      </a:lnRef>
+      <a:fillRef idx="1">
+        <a:scrgbClr r="0" g="0" b="0"/>
+      </a:fillRef>
+      <a:effectRef idx="0">
+        <a:scrgbClr r="0" g="0" b="0"/>
+      </a:effectRef>
+      <a:fontRef idx="minor"/>
+    </dgm:style>
+  </dgm:styleLbl>
+  <dgm:styleLbl name="solidFgAcc1">
+    <dgm:scene3d>
+      <a:camera prst="orthographicFront">
+        <a:rot lat="0" lon="0" rev="0"/>
+      </a:camera>
+      <a:lightRig rig="contrasting" dir="t">
+        <a:rot lat="0" lon="0" rev="1200000"/>
+      </a:lightRig>
+    </dgm:scene3d>
+    <dgm:sp3d z="300000" contourW="12700" prstMaterial="flat">
+      <a:bevelT w="177800" h="254000"/>
+      <a:bevelB w="152400"/>
+    </dgm:sp3d>
+    <dgm:txPr/>
+    <dgm:style>
+      <a:lnRef idx="0">
+        <a:scrgbClr r="0" g="0" b="0"/>
+      </a:lnRef>
+      <a:fillRef idx="1">
+        <a:scrgbClr r="0" g="0" b="0"/>
+      </a:fillRef>
+      <a:effectRef idx="0">
+        <a:scrgbClr r="0" g="0" b="0"/>
+      </a:effectRef>
+      <a:fontRef idx="minor"/>
+    </dgm:style>
+  </dgm:styleLbl>
+  <dgm:styleLbl name="solidAlignAcc1">
+    <dgm:scene3d>
+      <a:camera prst="orthographicFront">
+        <a:rot lat="0" lon="0" rev="0"/>
+      </a:camera>
+      <a:lightRig rig="contrasting" dir="t">
+        <a:rot lat="0" lon="0" rev="1200000"/>
+      </a:lightRig>
+    </dgm:scene3d>
+    <dgm:sp3d contourW="19050" prstMaterial="metal">
+      <a:bevelT w="88900" h="203200"/>
+      <a:bevelB w="165100" h="254000"/>
+    </dgm:sp3d>
+    <dgm:txPr/>
+    <dgm:style>
+      <a:lnRef idx="0">
+        <a:scrgbClr r="0" g="0" b="0"/>
+      </a:lnRef>
+      <a:fillRef idx="1">
+        <a:scrgbClr r="0" g="0" b="0"/>
+      </a:fillRef>
+      <a:effectRef idx="0">
+        <a:scrgbClr r="0" g="0" b="0"/>
+      </a:effectRef>
+      <a:fontRef idx="minor"/>
+    </dgm:style>
+  </dgm:styleLbl>
+  <dgm:styleLbl name="solidBgAcc1">
+    <dgm:scene3d>
+      <a:camera prst="orthographicFront">
+        <a:rot lat="0" lon="0" rev="0"/>
+      </a:camera>
+      <a:lightRig rig="contrasting" dir="t">
+        <a:rot lat="0" lon="0" rev="1200000"/>
+      </a:lightRig>
+    </dgm:scene3d>
+    <dgm:sp3d z="-300000" contourW="19050" prstMaterial="metal">
+      <a:bevelT w="88900" h="203200"/>
+      <a:bevelB w="165100" h="254000"/>
+    </dgm:sp3d>
+    <dgm:txPr/>
+    <dgm:style>
+      <a:lnRef idx="0">
+        <a:scrgbClr r="0" g="0" b="0"/>
+      </a:lnRef>
+      <a:fillRef idx="1">
+        <a:scrgbClr r="0" g="0" b="0"/>
+      </a:fillRef>
+      <a:effectRef idx="0">
+        <a:scrgbClr r="0" g="0" b="0"/>
+      </a:effectRef>
+      <a:fontRef idx="minor"/>
+    </dgm:style>
+  </dgm:styleLbl>
+  <dgm:styleLbl name="fgAccFollowNode1">
+    <dgm:scene3d>
+      <a:camera prst="orthographicFront">
+        <a:rot lat="0" lon="0" rev="0"/>
+      </a:camera>
+      <a:lightRig rig="contrasting" dir="t">
+        <a:rot lat="0" lon="0" rev="1200000"/>
+      </a:lightRig>
+    </dgm:scene3d>
+    <dgm:sp3d z="300000" contourW="19050" prstMaterial="metal">
+      <a:bevelT w="88900" h="203200"/>
+      <a:bevelB w="165100" h="254000"/>
+    </dgm:sp3d>
+    <dgm:txPr/>
+    <dgm:style>
+      <a:lnRef idx="0">
+        <a:scrgbClr r="0" g="0" b="0"/>
+      </a:lnRef>
+      <a:fillRef idx="1">
+        <a:scrgbClr r="0" g="0" b="0"/>
+      </a:fillRef>
+      <a:effectRef idx="0">
+        <a:scrgbClr r="0" g="0" b="0"/>
+      </a:effectRef>
+      <a:fontRef idx="minor"/>
+    </dgm:style>
+  </dgm:styleLbl>
+  <dgm:styleLbl name="alignAccFollowNode1">
+    <dgm:scene3d>
+      <a:camera prst="orthographicFront">
+        <a:rot lat="0" lon="0" rev="0"/>
+      </a:camera>
+      <a:lightRig rig="contrasting" dir="t">
+        <a:rot lat="0" lon="0" rev="1200000"/>
+      </a:lightRig>
+    </dgm:scene3d>
+    <dgm:sp3d contourW="19050" prstMaterial="metal">
+      <a:bevelT w="88900" h="203200"/>
+      <a:bevelB w="165100" h="254000"/>
+    </dgm:sp3d>
+    <dgm:txPr/>
+    <dgm:style>
+      <a:lnRef idx="0">
+        <a:scrgbClr r="0" g="0" b="0"/>
+      </a:lnRef>
+      <a:fillRef idx="1">
+        <a:scrgbClr r="0" g="0" b="0"/>
+      </a:fillRef>
+      <a:effectRef idx="0">
+        <a:scrgbClr r="0" g="0" b="0"/>
+      </a:effectRef>
+      <a:fontRef idx="minor"/>
+    </dgm:style>
+  </dgm:styleLbl>
+  <dgm:styleLbl name="bgAccFollowNode1">
+    <dgm:scene3d>
+      <a:camera prst="orthographicFront">
+        <a:rot lat="0" lon="0" rev="0"/>
+      </a:camera>
+      <a:lightRig rig="contrasting" dir="t">
+        <a:rot lat="0" lon="0" rev="1200000"/>
+      </a:lightRig>
+    </dgm:scene3d>
+    <dgm:sp3d z="-300000" contourW="19050" prstMaterial="metal">
+      <a:bevelT w="88900" h="203200"/>
+      <a:bevelB w="165100" h="254000"/>
+    </dgm:sp3d>
+    <dgm:txPr/>
+    <dgm:style>
+      <a:lnRef idx="0">
+        <a:scrgbClr r="0" g="0" b="0"/>
+      </a:lnRef>
+      <a:fillRef idx="1">
+        <a:scrgbClr r="0" g="0" b="0"/>
+      </a:fillRef>
+      <a:effectRef idx="0">
+        <a:scrgbClr r="0" g="0" b="0"/>
+      </a:effectRef>
+      <a:fontRef idx="minor"/>
+    </dgm:style>
+  </dgm:styleLbl>
+  <dgm:styleLbl name="fgAcc0">
+    <dgm:scene3d>
+      <a:camera prst="orthographicFront">
+        <a:rot lat="0" lon="0" rev="0"/>
+      </a:camera>
+      <a:lightRig rig="contrasting" dir="t">
+        <a:rot lat="0" lon="0" rev="1200000"/>
+      </a:lightRig>
+    </dgm:scene3d>
+    <dgm:sp3d z="300000" contourW="19050" prstMaterial="metal">
+      <a:bevelT w="88900" h="203200"/>
+      <a:bevelB w="165100" h="254000"/>
+    </dgm:sp3d>
+    <dgm:txPr/>
+    <dgm:style>
+      <a:lnRef idx="0">
+        <a:scrgbClr r="0" g="0" b="0"/>
+      </a:lnRef>
+      <a:fillRef idx="1">
+        <a:scrgbClr r="0" g="0" b="0"/>
+      </a:fillRef>
+      <a:effectRef idx="0">
+        <a:scrgbClr r="0" g="0" b="0"/>
+      </a:effectRef>
+      <a:fontRef idx="minor"/>
+    </dgm:style>
+  </dgm:styleLbl>
+  <dgm:styleLbl name="fgAcc2">
+    <dgm:scene3d>
+      <a:camera prst="orthographicFront">
+        <a:rot lat="0" lon="0" rev="0"/>
+      </a:camera>
+      <a:lightRig rig="contrasting" dir="t">
+        <a:rot lat="0" lon="0" rev="1200000"/>
+      </a:lightRig>
+    </dgm:scene3d>
+    <dgm:sp3d z="300000" contourW="19050" prstMaterial="metal">
+      <a:bevelT w="88900" h="203200"/>
+      <a:bevelB w="165100" h="254000"/>
+    </dgm:sp3d>
+    <dgm:txPr/>
+    <dgm:style>
+      <a:lnRef idx="0">
+        <a:scrgbClr r="0" g="0" b="0"/>
+      </a:lnRef>
+      <a:fillRef idx="1">
+        <a:scrgbClr r="0" g="0" b="0"/>
+      </a:fillRef>
+      <a:effectRef idx="0">
+        <a:scrgbClr r="0" g="0" b="0"/>
+      </a:effectRef>
+      <a:fontRef idx="minor"/>
+    </dgm:style>
+  </dgm:styleLbl>
+  <dgm:styleLbl name="fgAcc3">
+    <dgm:scene3d>
+      <a:camera prst="orthographicFront">
+        <a:rot lat="0" lon="0" rev="0"/>
+      </a:camera>
+      <a:lightRig rig="contrasting" dir="t">
+        <a:rot lat="0" lon="0" rev="1200000"/>
+      </a:lightRig>
+    </dgm:scene3d>
+    <dgm:sp3d z="300000" contourW="19050" prstMaterial="metal">
+      <a:bevelT w="88900" h="203200"/>
+      <a:bevelB w="165100" h="254000"/>
+    </dgm:sp3d>
+    <dgm:txPr/>
+    <dgm:style>
+      <a:lnRef idx="0">
+        <a:scrgbClr r="0" g="0" b="0"/>
+      </a:lnRef>
+      <a:fillRef idx="1">
+        <a:scrgbClr r="0" g="0" b="0"/>
+      </a:fillRef>
+      <a:effectRef idx="0">
+        <a:scrgbClr r="0" g="0" b="0"/>
+      </a:effectRef>
+      <a:fontRef idx="minor"/>
+    </dgm:style>
+  </dgm:styleLbl>
+  <dgm:styleLbl name="fgAcc4">
+    <dgm:scene3d>
+      <a:camera prst="orthographicFront">
+        <a:rot lat="0" lon="0" rev="0"/>
+      </a:camera>
+      <a:lightRig rig="contrasting" dir="t">
+        <a:rot lat="0" lon="0" rev="1200000"/>
+      </a:lightRig>
+    </dgm:scene3d>
+    <dgm:sp3d z="300000" contourW="19050" prstMaterial="metal">
+      <a:bevelT w="88900" h="203200"/>
+      <a:bevelB w="165100" h="254000"/>
+    </dgm:sp3d>
+    <dgm:txPr/>
+    <dgm:style>
+      <a:lnRef idx="0">
+        <a:scrgbClr r="0" g="0" b="0"/>
+      </a:lnRef>
+      <a:fillRef idx="1">
+        <a:scrgbClr r="0" g="0" b="0"/>
+      </a:fillRef>
+      <a:effectRef idx="0">
+        <a:scrgbClr r="0" g="0" b="0"/>
+      </a:effectRef>
+      <a:fontRef idx="minor"/>
+    </dgm:style>
+  </dgm:styleLbl>
+  <dgm:styleLbl name="bgShp">
+    <dgm:scene3d>
+      <a:camera prst="orthographicFront">
+        <a:rot lat="0" lon="0" rev="0"/>
+      </a:camera>
+      <a:lightRig rig="contrasting" dir="t">
+        <a:rot lat="0" lon="0" rev="1200000"/>
+      </a:lightRig>
+    </dgm:scene3d>
+    <dgm:sp3d z="-300000" prstMaterial="plastic"/>
+    <dgm:txPr/>
+    <dgm:style>
+      <a:lnRef idx="1">
+        <a:scrgbClr r="0" g="0" b="0"/>
+      </a:lnRef>
+      <a:fillRef idx="1">
+        <a:scrgbClr r="0" g="0" b="0"/>
+      </a:fillRef>
+      <a:effectRef idx="0">
+        <a:scrgbClr r="0" g="0" b="0"/>
+      </a:effectRef>
+      <a:fontRef idx="minor"/>
+    </dgm:style>
+  </dgm:styleLbl>
+  <dgm:styleLbl name="dkBgShp">
+    <dgm:scene3d>
+      <a:camera prst="orthographicFront">
+        <a:rot lat="0" lon="0" rev="0"/>
+      </a:camera>
+      <a:lightRig rig="contrasting" dir="t">
+        <a:rot lat="0" lon="0" rev="1200000"/>
+      </a:lightRig>
+    </dgm:scene3d>
+    <dgm:sp3d contourW="12700" prstMaterial="flat">
+      <a:bevelT w="100800" h="154000"/>
+      <a:bevelB w="152400"/>
+    </dgm:sp3d>
+    <dgm:txPr/>
+    <dgm:style>
+      <a:lnRef idx="0">
+        <a:scrgbClr r="0" g="0" b="0"/>
+      </a:lnRef>
+      <a:fillRef idx="1">
+        <a:scrgbClr r="0" g="0" b="0"/>
+      </a:fillRef>
+      <a:effectRef idx="0">
+        <a:scrgbClr r="0" g="0" b="0"/>
+      </a:effectRef>
+      <a:fontRef idx="minor"/>
+    </dgm:style>
+  </dgm:styleLbl>
+  <dgm:styleLbl name="trBgShp">
+    <dgm:scene3d>
+      <a:camera prst="orthographicFront">
+        <a:rot lat="0" lon="0" rev="0"/>
+      </a:camera>
+      <a:lightRig rig="contrasting" dir="t">
+        <a:rot lat="0" lon="0" rev="1200000"/>
+      </a:lightRig>
+    </dgm:scene3d>
+    <dgm:sp3d z="-152400" prstMaterial="matte"/>
+    <dgm:txPr/>
+    <dgm:style>
+      <a:lnRef idx="1">
+        <a:scrgbClr r="0" g="0" b="0"/>
+      </a:lnRef>
+      <a:fillRef idx="1">
+        <a:scrgbClr r="0" g="0" b="0"/>
+      </a:fillRef>
+      <a:effectRef idx="0">
+        <a:scrgbClr r="0" g="0" b="0"/>
+      </a:effectRef>
+      <a:fontRef idx="minor"/>
+    </dgm:style>
+  </dgm:styleLbl>
+  <dgm:styleLbl name="fgShp">
+    <dgm:scene3d>
+      <a:camera prst="orthographicFront">
+        <a:rot lat="0" lon="0" rev="0"/>
+      </a:camera>
+      <a:lightRig rig="contrasting" dir="t">
+        <a:rot lat="0" lon="0" rev="1200000"/>
+      </a:lightRig>
+    </dgm:scene3d>
+    <dgm:sp3d z="300000" contourW="19050" prstMaterial="metal">
+      <a:bevelT w="88900" h="203200"/>
+      <a:bevelB w="165100" h="254000"/>
+    </dgm:sp3d>
+    <dgm:txPr/>
+    <dgm:style>
+      <a:lnRef idx="0">
+        <a:scrgbClr r="0" g="0" b="0"/>
+      </a:lnRef>
+      <a:fillRef idx="1">
+        <a:scrgbClr r="0" g="0" b="0"/>
+      </a:fillRef>
+      <a:effectRef idx="0">
+        <a:scrgbClr r="0" g="0" b="0"/>
+      </a:effectRef>
+      <a:fontRef idx="minor"/>
+    </dgm:style>
+  </dgm:styleLbl>
+  <dgm:styleLbl name="revTx">
+    <dgm:scene3d>
+      <a:camera prst="orthographicFront"/>
+      <a:lightRig rig="threePt" dir="t"/>
+    </dgm:scene3d>
+    <dgm:sp3d/>
+    <dgm:txPr/>
+    <dgm:style>
+      <a:lnRef idx="1">
+        <a:scrgbClr r="0" g="0" b="0"/>
+      </a:lnRef>
+      <a:fillRef idx="0">
+        <a:scrgbClr r="0" g="0" b="0"/>
+      </a:fillRef>
+      <a:effectRef idx="0">
+        <a:scrgbClr r="0" g="0" b="0"/>
+      </a:effectRef>
+      <a:fontRef idx="minor"/>
+    </dgm:style>
+  </dgm:styleLbl>
+</dgm:styleDef>
 </file>
 
 <file path=ppt/handoutMasters/handoutMaster1.xml><?xml version="1.0" encoding="utf-8"?>
@@ -4957,7 +8510,6 @@
               <a:rPr lang="en-US" dirty="0" smtClean="0"/>
               <a:t>E-mail: ehsanyusefzadehasl@gmail.com</a:t>
             </a:r>
-            <a:endParaRPr lang="en-US" dirty="0" smtClean="0"/>
           </a:p>
           <a:p>
             <a:r>
@@ -5261,11 +8813,11 @@
   <p:clrMapOvr>
     <a:masterClrMapping/>
   </p:clrMapOvr>
-  <mc:AlternateContent xmlns:mc="http://schemas.openxmlformats.org/markup-compatibility/2006">
-    <mc:Choice xmlns:p14="http://schemas.microsoft.com/office/powerpoint/2010/main" Requires="p14">
+  <mc:AlternateContent xmlns:mc="http://schemas.openxmlformats.org/markup-compatibility/2006" xmlns:p14="http://schemas.microsoft.com/office/powerpoint/2010/main">
+    <mc:Choice Requires="p14">
       <p:transition p14:dur="10"/>
     </mc:Choice>
-    <mc:Fallback>
+    <mc:Fallback xmlns="">
       <p:transition/>
     </mc:Fallback>
   </mc:AlternateContent>
@@ -6932,7 +10484,15 @@
           <a:p>
             <a:r>
               <a:rPr lang="en-US" dirty="0" smtClean="0"/>
-              <a:t>With write buffers, hardware doesn’t respects SC</a:t>
+              <a:t>With write buffers, hardware doesn’t </a:t>
+            </a:r>
+            <a:r>
+              <a:rPr lang="en-US" dirty="0" smtClean="0"/>
+              <a:t>respect </a:t>
+            </a:r>
+            <a:r>
+              <a:rPr lang="en-US" dirty="0" smtClean="0"/>
+              <a:t>SC</a:t>
             </a:r>
           </a:p>
           <a:p>
@@ -7747,7 +11307,11 @@
           <a:bodyPr/>
           <a:lstStyle/>
           <a:p>
-            <a:endParaRPr lang="en-US"/>
+            <a:r>
+              <a:rPr lang="en-US" dirty="0" smtClean="0"/>
+              <a:t>Relaxed Memory Models (XC)</a:t>
+            </a:r>
+            <a:endParaRPr lang="en-US" dirty="0"/>
           </a:p>
         </p:txBody>
       </p:sp>
@@ -7761,12 +11325,97 @@
             <p:ph idx="1"/>
           </p:nvPr>
         </p:nvSpPr>
-        <p:spPr/>
+        <p:spPr>
+          <a:xfrm>
+            <a:off x="1104900" y="1410789"/>
+            <a:ext cx="9980682" cy="4945562"/>
+          </a:xfrm>
+        </p:spPr>
         <p:txBody>
           <a:bodyPr/>
           <a:lstStyle/>
           <a:p>
-            <a:endParaRPr lang="en-US"/>
+            <a:r>
+              <a:rPr lang="en-US" dirty="0" smtClean="0"/>
+              <a:t>No Order is preserved, only the orders specified by the programmer</a:t>
+            </a:r>
+          </a:p>
+          <a:p>
+            <a:r>
+              <a:rPr lang="en-US" dirty="0" smtClean="0"/>
+              <a:t>Benefit: Higher Performance</a:t>
+            </a:r>
+          </a:p>
+          <a:p>
+            <a:pPr lvl="1"/>
+            <a:r>
+              <a:rPr lang="en-US" sz="1800" dirty="0" smtClean="0"/>
+              <a:t>Because of more hardware and software optimizations</a:t>
+            </a:r>
+          </a:p>
+          <a:p>
+            <a:pPr lvl="1"/>
+            <a:endParaRPr lang="en-US" dirty="0"/>
+          </a:p>
+          <a:p>
+            <a:r>
+              <a:rPr lang="en-US" dirty="0" smtClean="0"/>
+              <a:t>XC: an </a:t>
+            </a:r>
+            <a:r>
+              <a:rPr lang="en-US" dirty="0" err="1" smtClean="0"/>
+              <a:t>e</a:t>
+            </a:r>
+            <a:r>
+              <a:rPr lang="en-US" b="1" dirty="0" err="1" smtClean="0">
+                <a:solidFill>
+                  <a:srgbClr val="FF0000"/>
+                </a:solidFill>
+              </a:rPr>
+              <a:t>X</a:t>
+            </a:r>
+            <a:r>
+              <a:rPr lang="en-US" dirty="0" err="1" smtClean="0"/>
+              <a:t>ample</a:t>
+            </a:r>
+            <a:r>
+              <a:rPr lang="en-US" dirty="0" smtClean="0"/>
+              <a:t> of relaxed memory </a:t>
+            </a:r>
+            <a:r>
+              <a:rPr lang="en-US" b="1" dirty="0" smtClean="0">
+                <a:solidFill>
+                  <a:srgbClr val="FF0000"/>
+                </a:solidFill>
+              </a:rPr>
+              <a:t>C</a:t>
+            </a:r>
+            <a:r>
+              <a:rPr lang="en-US" dirty="0" smtClean="0"/>
+              <a:t>onsistency model</a:t>
+            </a:r>
+          </a:p>
+          <a:p>
+            <a:pPr lvl="1"/>
+            <a:r>
+              <a:rPr lang="en-US" sz="1800" dirty="0" smtClean="0"/>
+              <a:t>Any Ordering is allowed inside a single-core</a:t>
+            </a:r>
+          </a:p>
+          <a:p>
+            <a:pPr lvl="1"/>
+            <a:r>
+              <a:rPr lang="en-US" sz="1800" dirty="0" smtClean="0"/>
+              <a:t>Unless the programmers use FENCE instructions</a:t>
+            </a:r>
+          </a:p>
+          <a:p>
+            <a:pPr lvl="1"/>
+            <a:r>
+              <a:rPr lang="en-US" sz="1800" dirty="0" smtClean="0"/>
+              <a:t>Write Buffers: Non-FIFO</a:t>
+            </a:r>
+            <a:endParaRPr lang="en-US" sz="1800" dirty="0"/>
           </a:p>
         </p:txBody>
       </p:sp>
@@ -7793,6 +11442,36 @@
           </a:p>
         </p:txBody>
       </p:sp>
+      <p:pic>
+        <p:nvPicPr>
+          <p:cNvPr id="5" name="Picture 4"/>
+          <p:cNvPicPr>
+            <a:picLocks noChangeAspect="1"/>
+          </p:cNvPicPr>
+          <p:nvPr/>
+        </p:nvPicPr>
+        <p:blipFill>
+          <a:blip r:embed="rId2">
+            <a:extLst>
+              <a:ext uri="{28A0092B-C50C-407E-A947-70E740481C1C}">
+                <a14:useLocalDpi xmlns:a14="http://schemas.microsoft.com/office/drawing/2010/main" val="0"/>
+              </a:ext>
+            </a:extLst>
+          </a:blip>
+          <a:stretch>
+            <a:fillRect/>
+          </a:stretch>
+        </p:blipFill>
+        <p:spPr>
+          <a:xfrm>
+            <a:off x="1658984" y="0"/>
+            <a:ext cx="6648993" cy="6858000"/>
+          </a:xfrm>
+          <a:prstGeom prst="rect">
+            <a:avLst/>
+          </a:prstGeom>
+        </p:spPr>
+      </p:pic>
     </p:spTree>
     <p:extLst>
       <p:ext uri="{BB962C8B-B14F-4D97-AF65-F5344CB8AC3E}">
@@ -7818,7 +11497,75 @@
   <p:timing>
     <p:tnLst>
       <p:par>
-        <p:cTn id="1" dur="indefinite" restart="never" nodeType="tmRoot"/>
+        <p:cTn id="1" dur="indefinite" restart="never" nodeType="tmRoot">
+          <p:childTnLst>
+            <p:seq concurrent="1" nextAc="seek">
+              <p:cTn id="2" dur="indefinite" nodeType="mainSeq">
+                <p:childTnLst>
+                  <p:par>
+                    <p:cTn id="3" fill="hold">
+                      <p:stCondLst>
+                        <p:cond delay="indefinite"/>
+                      </p:stCondLst>
+                      <p:childTnLst>
+                        <p:par>
+                          <p:cTn id="4" fill="hold">
+                            <p:stCondLst>
+                              <p:cond delay="0"/>
+                            </p:stCondLst>
+                            <p:childTnLst>
+                              <p:par>
+                                <p:cTn id="5" presetID="1" presetClass="entr" presetSubtype="0" fill="hold" nodeType="clickEffect">
+                                  <p:stCondLst>
+                                    <p:cond delay="0"/>
+                                  </p:stCondLst>
+                                  <p:childTnLst>
+                                    <p:set>
+                                      <p:cBhvr>
+                                        <p:cTn id="6" dur="1" fill="hold">
+                                          <p:stCondLst>
+                                            <p:cond delay="0"/>
+                                          </p:stCondLst>
+                                        </p:cTn>
+                                        <p:tgtEl>
+                                          <p:spTgt spid="5"/>
+                                        </p:tgtEl>
+                                        <p:attrNameLst>
+                                          <p:attrName>style.visibility</p:attrName>
+                                        </p:attrNameLst>
+                                      </p:cBhvr>
+                                      <p:to>
+                                        <p:strVal val="visible"/>
+                                      </p:to>
+                                    </p:set>
+                                  </p:childTnLst>
+                                </p:cTn>
+                              </p:par>
+                            </p:childTnLst>
+                          </p:cTn>
+                        </p:par>
+                      </p:childTnLst>
+                    </p:cTn>
+                  </p:par>
+                </p:childTnLst>
+              </p:cTn>
+              <p:prevCondLst>
+                <p:cond evt="onPrev" delay="0">
+                  <p:tgtEl>
+                    <p:sldTgt/>
+                  </p:tgtEl>
+                </p:cond>
+              </p:prevCondLst>
+              <p:nextCondLst>
+                <p:cond evt="onNext" delay="0">
+                  <p:tgtEl>
+                    <p:sldTgt/>
+                  </p:tgtEl>
+                </p:cond>
+              </p:nextCondLst>
+            </p:seq>
+          </p:childTnLst>
+        </p:cTn>
       </p:par>
     </p:tnLst>
   </p:timing>
@@ -7852,31 +11599,54 @@
             <p:ph type="title"/>
           </p:nvPr>
         </p:nvSpPr>
-        <p:spPr>
-          <a:xfrm>
-            <a:off x="140677" y="3024554"/>
-            <a:ext cx="11816861" cy="2447778"/>
-          </a:xfrm>
-        </p:spPr>
+        <p:spPr/>
         <p:txBody>
-          <a:bodyPr>
-            <a:normAutofit/>
-          </a:bodyPr>
+          <a:bodyPr/>
           <a:lstStyle/>
           <a:p>
             <a:r>
-              <a:rPr lang="en-US" sz="3600" dirty="0"/>
-              <a:t>Memory Consistency Models and </a:t>
-            </a:r>
-            <a:r>
-              <a:rPr lang="en-US" sz="3600" dirty="0" smtClean="0"/>
-              <a:t>Cache Coherence </a:t>
-            </a:r>
-            <a:r>
-              <a:rPr lang="en-US" sz="3600" dirty="0"/>
-              <a:t>for GPUs</a:t>
-            </a:r>
-            <a:endParaRPr lang="en-US" sz="3600" dirty="0"/>
+              <a:rPr lang="en-US" dirty="0"/>
+              <a:t>Relaxed Memory Models </a:t>
+            </a:r>
+            <a:r>
+              <a:rPr lang="en-US" dirty="0" smtClean="0"/>
+              <a:t>(RC</a:t>
+            </a:r>
+            <a:r>
+              <a:rPr lang="en-US" dirty="0"/>
+              <a:t>)</a:t>
+            </a:r>
+          </a:p>
+        </p:txBody>
+      </p:sp>
+      <p:sp>
+        <p:nvSpPr>
+          <p:cNvPr id="3" name="Content Placeholder 2"/>
+          <p:cNvSpPr>
+            <a:spLocks noGrp="1"/>
+          </p:cNvSpPr>
+          <p:nvPr>
+            <p:ph idx="1"/>
+          </p:nvPr>
+        </p:nvSpPr>
+        <p:spPr/>
+        <p:txBody>
+          <a:bodyPr/>
+          <a:lstStyle/>
+          <a:p>
+            <a:r>
+              <a:rPr lang="en-US" dirty="0" smtClean="0"/>
+              <a:t>In XC for synchronization operations, they were surrounded with FENCEs</a:t>
+            </a:r>
+          </a:p>
+          <a:p>
+            <a:endParaRPr lang="en-US" dirty="0"/>
+          </a:p>
+          <a:p>
+            <a:r>
+              <a:rPr lang="en-US" dirty="0" smtClean="0"/>
+              <a:t>However, It is not required</a:t>
+            </a:r>
           </a:p>
         </p:txBody>
       </p:sp>
@@ -7903,10 +11673,40 @@
           </a:p>
         </p:txBody>
       </p:sp>
+      <p:pic>
+        <p:nvPicPr>
+          <p:cNvPr id="5" name="Picture 4"/>
+          <p:cNvPicPr>
+            <a:picLocks noChangeAspect="1"/>
+          </p:cNvPicPr>
+          <p:nvPr/>
+        </p:nvPicPr>
+        <p:blipFill>
+          <a:blip r:embed="rId2">
+            <a:extLst>
+              <a:ext uri="{28A0092B-C50C-407E-A947-70E740481C1C}">
+                <a14:useLocalDpi xmlns:a14="http://schemas.microsoft.com/office/drawing/2010/main" val="0"/>
+              </a:ext>
+            </a:extLst>
+          </a:blip>
+          <a:stretch>
+            <a:fillRect/>
+          </a:stretch>
+        </p:blipFill>
+        <p:spPr>
+          <a:xfrm>
+            <a:off x="2192109" y="3143249"/>
+            <a:ext cx="6690633" cy="3465181"/>
+          </a:xfrm>
+          <a:prstGeom prst="rect">
+            <a:avLst/>
+          </a:prstGeom>
+        </p:spPr>
+      </p:pic>
     </p:spTree>
     <p:extLst>
       <p:ext uri="{BB962C8B-B14F-4D97-AF65-F5344CB8AC3E}">
-        <p14:creationId xmlns:p14="http://schemas.microsoft.com/office/powerpoint/2010/main" val="1447721611"/>
+        <p14:creationId xmlns:p14="http://schemas.microsoft.com/office/powerpoint/2010/main" val="2085993726"/>
       </p:ext>
     </p:extLst>
   </p:cSld>
@@ -8124,12 +11924,440 @@
             <p:ph type="title"/>
           </p:nvPr>
         </p:nvSpPr>
+        <p:spPr>
+          <a:xfrm>
+            <a:off x="140677" y="3024554"/>
+            <a:ext cx="11816861" cy="2447778"/>
+          </a:xfrm>
+        </p:spPr>
+        <p:txBody>
+          <a:bodyPr>
+            <a:normAutofit/>
+          </a:bodyPr>
+          <a:lstStyle/>
+          <a:p>
+            <a:r>
+              <a:rPr lang="en-US" sz="3600" dirty="0"/>
+              <a:t>Memory Consistency Models and </a:t>
+            </a:r>
+            <a:r>
+              <a:rPr lang="en-US" sz="3600" dirty="0" smtClean="0"/>
+              <a:t>Cache Coherence </a:t>
+            </a:r>
+            <a:r>
+              <a:rPr lang="en-US" sz="3600" dirty="0"/>
+              <a:t>for GPUs</a:t>
+            </a:r>
+          </a:p>
+        </p:txBody>
+      </p:sp>
+      <p:sp>
+        <p:nvSpPr>
+          <p:cNvPr id="4" name="Slide Number Placeholder 3"/>
+          <p:cNvSpPr>
+            <a:spLocks noGrp="1"/>
+          </p:cNvSpPr>
+          <p:nvPr>
+            <p:ph type="sldNum" sz="quarter" idx="12"/>
+          </p:nvPr>
+        </p:nvSpPr>
         <p:spPr/>
         <p:txBody>
           <a:bodyPr/>
           <a:lstStyle/>
           <a:p>
+            <a:fld id="{0FF54DE5-C571-48E8-A5BC-B369434E2F44}" type="slidenum">
+              <a:rPr lang="en-US" smtClean="0"/>
+              <a:t>20</a:t>
+            </a:fld>
             <a:endParaRPr lang="en-US"/>
+          </a:p>
+        </p:txBody>
+      </p:sp>
+    </p:spTree>
+    <p:extLst>
+      <p:ext uri="{BB962C8B-B14F-4D97-AF65-F5344CB8AC3E}">
+        <p14:creationId xmlns:p14="http://schemas.microsoft.com/office/powerpoint/2010/main" val="1447721611"/>
+      </p:ext>
+    </p:extLst>
+  </p:cSld>
+  <p:clrMapOvr>
+    <a:masterClrMapping/>
+  </p:clrMapOvr>
+  <mc:AlternateContent xmlns:mc="http://schemas.openxmlformats.org/markup-compatibility/2006" xmlns:p14="http://schemas.microsoft.com/office/powerpoint/2010/main">
+    <mc:Choice Requires="p14">
+      <p:transition spd="med" p14:dur="700">
+        <p:fade/>
+      </p:transition>
+    </mc:Choice>
+    <mc:Fallback xmlns="">
+      <p:transition spd="med">
+        <p:fade/>
+      </p:transition>
+    </mc:Fallback>
+  </mc:AlternateContent>
+  <p:timing>
+    <p:tnLst>
+      <p:par>
+        <p:cTn id="1" dur="indefinite" restart="never" nodeType="tmRoot"/>
+      </p:par>
+    </p:tnLst>
+  </p:timing>
+</p:sld>
+</file>
+
+<file path=ppt/slides/slide21.xml><?xml version="1.0" encoding="utf-8"?>
+<p:sld xmlns:a="http://schemas.openxmlformats.org/drawingml/2006/main" xmlns:r="http://schemas.openxmlformats.org/officeDocument/2006/relationships" xmlns:p="http://schemas.openxmlformats.org/presentationml/2006/main">
+  <p:cSld>
+    <p:spTree>
+      <p:nvGrpSpPr>
+        <p:cNvPr id="1" name=""/>
+        <p:cNvGrpSpPr/>
+        <p:nvPr/>
+      </p:nvGrpSpPr>
+      <p:grpSpPr>
+        <a:xfrm>
+          <a:off x="0" y="0"/>
+          <a:ext cx="0" cy="0"/>
+          <a:chOff x="0" y="0"/>
+          <a:chExt cx="0" cy="0"/>
+        </a:xfrm>
+      </p:grpSpPr>
+      <p:sp>
+        <p:nvSpPr>
+          <p:cNvPr id="2" name="Title 1"/>
+          <p:cNvSpPr>
+            <a:spLocks noGrp="1"/>
+          </p:cNvSpPr>
+          <p:nvPr>
+            <p:ph type="title"/>
+          </p:nvPr>
+        </p:nvSpPr>
+        <p:spPr/>
+        <p:txBody>
+          <a:bodyPr/>
+          <a:lstStyle/>
+          <a:p>
+            <a:r>
+              <a:rPr lang="en-US" dirty="0" smtClean="0"/>
+              <a:t>Consistenc</a:t>
+            </a:r>
+            <a:r>
+              <a:rPr lang="en-US" dirty="0" smtClean="0"/>
+              <a:t>y and Coherency in GPUs (Part 1)</a:t>
+            </a:r>
+            <a:endParaRPr lang="en-US" dirty="0"/>
+          </a:p>
+        </p:txBody>
+      </p:sp>
+      <p:sp>
+        <p:nvSpPr>
+          <p:cNvPr id="3" name="Content Placeholder 2"/>
+          <p:cNvSpPr>
+            <a:spLocks noGrp="1"/>
+          </p:cNvSpPr>
+          <p:nvPr>
+            <p:ph idx="1"/>
+          </p:nvPr>
+        </p:nvSpPr>
+        <p:spPr>
+          <a:xfrm>
+            <a:off x="1104900" y="1600200"/>
+            <a:ext cx="9982200" cy="5121276"/>
+          </a:xfrm>
+        </p:spPr>
+        <p:txBody>
+          <a:bodyPr/>
+          <a:lstStyle/>
+          <a:p>
+            <a:r>
+              <a:rPr lang="en-US" dirty="0" smtClean="0"/>
+              <a:t>GPUs support relaxed memory consistency</a:t>
+            </a:r>
+            <a:endParaRPr lang="en-US" dirty="0"/>
+          </a:p>
+          <a:p>
+            <a:pPr lvl="1"/>
+            <a:r>
+              <a:rPr lang="en-US" sz="1800" dirty="0" smtClean="0"/>
+              <a:t>Just preserving the order specified by the programmer</a:t>
+            </a:r>
+          </a:p>
+          <a:p>
+            <a:endParaRPr lang="en-US" dirty="0" smtClean="0"/>
+          </a:p>
+          <a:p>
+            <a:r>
+              <a:rPr lang="en-US" dirty="0" smtClean="0"/>
+              <a:t>FENCE operations are CTA-scope</a:t>
+            </a:r>
+          </a:p>
+          <a:p>
+            <a:endParaRPr lang="en-US" dirty="0"/>
+          </a:p>
+          <a:p>
+            <a:r>
+              <a:rPr lang="en-US" dirty="0" smtClean="0"/>
+              <a:t>For synchronization and communication between two thread from two different SMs</a:t>
+            </a:r>
+          </a:p>
+          <a:p>
+            <a:pPr lvl="1"/>
+            <a:r>
+              <a:rPr lang="en-US" dirty="0" smtClean="0"/>
+              <a:t>L1 Bypassing</a:t>
+            </a:r>
+          </a:p>
+          <a:p>
+            <a:pPr lvl="1"/>
+            <a:endParaRPr lang="en-US" dirty="0"/>
+          </a:p>
+          <a:p>
+            <a:pPr lvl="1"/>
+            <a:r>
+              <a:rPr lang="en-US" dirty="0" smtClean="0"/>
+              <a:t>Downsides</a:t>
+            </a:r>
+          </a:p>
+          <a:p>
+            <a:pPr lvl="2"/>
+            <a:r>
+              <a:rPr lang="en-US" dirty="0" smtClean="0"/>
+              <a:t>Performance Inefficiency</a:t>
+            </a:r>
+          </a:p>
+          <a:p>
+            <a:pPr lvl="2"/>
+            <a:r>
+              <a:rPr lang="en-US" dirty="0" smtClean="0"/>
+              <a:t>Harder Programming Experience</a:t>
+            </a:r>
+          </a:p>
+          <a:p>
+            <a:r>
+              <a:rPr lang="en-US" dirty="0" smtClean="0"/>
+              <a:t>No Cache Coherence Support</a:t>
+            </a:r>
+            <a:endParaRPr lang="en-US" dirty="0"/>
+          </a:p>
+        </p:txBody>
+      </p:sp>
+      <p:sp>
+        <p:nvSpPr>
+          <p:cNvPr id="4" name="Slide Number Placeholder 3"/>
+          <p:cNvSpPr>
+            <a:spLocks noGrp="1"/>
+          </p:cNvSpPr>
+          <p:nvPr>
+            <p:ph type="sldNum" sz="quarter" idx="12"/>
+          </p:nvPr>
+        </p:nvSpPr>
+        <p:spPr/>
+        <p:txBody>
+          <a:bodyPr/>
+          <a:lstStyle/>
+          <a:p>
+            <a:fld id="{0FF54DE5-C571-48E8-A5BC-B369434E2F44}" type="slidenum">
+              <a:rPr lang="en-US" smtClean="0"/>
+              <a:t>21</a:t>
+            </a:fld>
+            <a:endParaRPr lang="en-US"/>
+          </a:p>
+        </p:txBody>
+      </p:sp>
+    </p:spTree>
+    <p:extLst>
+      <p:ext uri="{BB962C8B-B14F-4D97-AF65-F5344CB8AC3E}">
+        <p14:creationId xmlns:p14="http://schemas.microsoft.com/office/powerpoint/2010/main" val="2208311836"/>
+      </p:ext>
+    </p:extLst>
+  </p:cSld>
+  <p:clrMapOvr>
+    <a:masterClrMapping/>
+  </p:clrMapOvr>
+  <mc:AlternateContent xmlns:mc="http://schemas.openxmlformats.org/markup-compatibility/2006" xmlns:p14="http://schemas.microsoft.com/office/powerpoint/2010/main">
+    <mc:Choice Requires="p14">
+      <p:transition spd="med" p14:dur="700">
+        <p:fade/>
+      </p:transition>
+    </mc:Choice>
+    <mc:Fallback xmlns="">
+      <p:transition spd="med">
+        <p:fade/>
+      </p:transition>
+    </mc:Fallback>
+  </mc:AlternateContent>
+  <p:timing>
+    <p:tnLst>
+      <p:par>
+        <p:cTn id="1" dur="indefinite" restart="never" nodeType="tmRoot"/>
+      </p:par>
+    </p:tnLst>
+  </p:timing>
+</p:sld>
+</file>
+
+<file path=ppt/slides/slide22.xml><?xml version="1.0" encoding="utf-8"?>
+<p:sld xmlns:a="http://schemas.openxmlformats.org/drawingml/2006/main" xmlns:r="http://schemas.openxmlformats.org/officeDocument/2006/relationships" xmlns:p="http://schemas.openxmlformats.org/presentationml/2006/main">
+  <p:cSld>
+    <p:spTree>
+      <p:nvGrpSpPr>
+        <p:cNvPr id="1" name=""/>
+        <p:cNvGrpSpPr/>
+        <p:nvPr/>
+      </p:nvGrpSpPr>
+      <p:grpSpPr>
+        <a:xfrm>
+          <a:off x="0" y="0"/>
+          <a:ext cx="0" cy="0"/>
+          <a:chOff x="0" y="0"/>
+          <a:chExt cx="0" cy="0"/>
+        </a:xfrm>
+      </p:grpSpPr>
+      <p:sp>
+        <p:nvSpPr>
+          <p:cNvPr id="2" name="Title 1"/>
+          <p:cNvSpPr>
+            <a:spLocks noGrp="1"/>
+          </p:cNvSpPr>
+          <p:nvPr>
+            <p:ph type="title"/>
+          </p:nvPr>
+        </p:nvSpPr>
+        <p:spPr/>
+        <p:txBody>
+          <a:bodyPr/>
+          <a:lstStyle/>
+          <a:p>
+            <a:r>
+              <a:rPr lang="en-US" dirty="0"/>
+              <a:t>Consistency and Coherency in GPUs (Part </a:t>
+            </a:r>
+            <a:r>
+              <a:rPr lang="en-US" dirty="0" smtClean="0"/>
+              <a:t>2)</a:t>
+            </a:r>
+            <a:endParaRPr lang="en-US" dirty="0"/>
+          </a:p>
+        </p:txBody>
+      </p:sp>
+      <p:graphicFrame>
+        <p:nvGraphicFramePr>
+          <p:cNvPr id="6" name="Content Placeholder 5"/>
+          <p:cNvGraphicFramePr>
+            <a:graphicFrameLocks noGrp="1"/>
+          </p:cNvGraphicFramePr>
+          <p:nvPr>
+            <p:ph idx="1"/>
+            <p:extLst>
+              <p:ext uri="{D42A27DB-BD31-4B8C-83A1-F6EECF244321}">
+                <p14:modId xmlns:p14="http://schemas.microsoft.com/office/powerpoint/2010/main" val="3032108961"/>
+              </p:ext>
+            </p:extLst>
+          </p:nvPr>
+        </p:nvGraphicFramePr>
+        <p:xfrm>
+          <a:off x="1104900" y="1384663"/>
+          <a:ext cx="9982200" cy="5172891"/>
+        </p:xfrm>
+        <a:graphic>
+          <a:graphicData uri="http://schemas.openxmlformats.org/drawingml/2006/diagram">
+            <dgm:relIds xmlns:dgm="http://schemas.openxmlformats.org/drawingml/2006/diagram" xmlns:r="http://schemas.openxmlformats.org/officeDocument/2006/relationships" r:dm="rId2" r:lo="rId3" r:qs="rId4" r:cs="rId5"/>
+          </a:graphicData>
+        </a:graphic>
+      </p:graphicFrame>
+      <p:sp>
+        <p:nvSpPr>
+          <p:cNvPr id="4" name="Slide Number Placeholder 3"/>
+          <p:cNvSpPr>
+            <a:spLocks noGrp="1"/>
+          </p:cNvSpPr>
+          <p:nvPr>
+            <p:ph type="sldNum" sz="quarter" idx="12"/>
+          </p:nvPr>
+        </p:nvSpPr>
+        <p:spPr/>
+        <p:txBody>
+          <a:bodyPr/>
+          <a:lstStyle/>
+          <a:p>
+            <a:fld id="{0FF54DE5-C571-48E8-A5BC-B369434E2F44}" type="slidenum">
+              <a:rPr lang="en-US" smtClean="0"/>
+              <a:t>22</a:t>
+            </a:fld>
+            <a:endParaRPr lang="en-US"/>
+          </a:p>
+        </p:txBody>
+      </p:sp>
+    </p:spTree>
+    <p:extLst>
+      <p:ext uri="{BB962C8B-B14F-4D97-AF65-F5344CB8AC3E}">
+        <p14:creationId xmlns:p14="http://schemas.microsoft.com/office/powerpoint/2010/main" val="1625426031"/>
+      </p:ext>
+    </p:extLst>
+  </p:cSld>
+  <p:clrMapOvr>
+    <a:masterClrMapping/>
+  </p:clrMapOvr>
+  <mc:AlternateContent xmlns:mc="http://schemas.openxmlformats.org/markup-compatibility/2006" xmlns:p14="http://schemas.microsoft.com/office/powerpoint/2010/main">
+    <mc:Choice Requires="p14">
+      <p:transition spd="med" p14:dur="700">
+        <p:fade/>
+      </p:transition>
+    </mc:Choice>
+    <mc:Fallback xmlns="">
+      <p:transition spd="med">
+        <p:fade/>
+      </p:transition>
+    </mc:Fallback>
+  </mc:AlternateContent>
+  <p:timing>
+    <p:tnLst>
+      <p:par>
+        <p:cTn id="1" dur="indefinite" restart="never" nodeType="tmRoot"/>
+      </p:par>
+    </p:tnLst>
+  </p:timing>
+</p:sld>
+</file>
+
+<file path=ppt/slides/slide23.xml><?xml version="1.0" encoding="utf-8"?>
+<p:sld xmlns:a="http://schemas.openxmlformats.org/drawingml/2006/main" xmlns:r="http://schemas.openxmlformats.org/officeDocument/2006/relationships" xmlns:p="http://schemas.openxmlformats.org/presentationml/2006/main">
+  <p:cSld>
+    <p:spTree>
+      <p:nvGrpSpPr>
+        <p:cNvPr id="1" name=""/>
+        <p:cNvGrpSpPr/>
+        <p:nvPr/>
+      </p:nvGrpSpPr>
+      <p:grpSpPr>
+        <a:xfrm>
+          <a:off x="0" y="0"/>
+          <a:ext cx="0" cy="0"/>
+          <a:chOff x="0" y="0"/>
+          <a:chExt cx="0" cy="0"/>
+        </a:xfrm>
+      </p:grpSpPr>
+      <p:sp>
+        <p:nvSpPr>
+          <p:cNvPr id="2" name="Title 1"/>
+          <p:cNvSpPr>
+            <a:spLocks noGrp="1"/>
+          </p:cNvSpPr>
+          <p:nvPr>
+            <p:ph type="title"/>
+          </p:nvPr>
+        </p:nvSpPr>
+        <p:spPr/>
+        <p:txBody>
+          <a:bodyPr/>
+          <a:lstStyle/>
+          <a:p>
+            <a:r>
+              <a:rPr lang="en-US" dirty="0" smtClean="0"/>
+              <a:t>Temporal Consistency</a:t>
+            </a:r>
+            <a:endParaRPr lang="en-US" dirty="0"/>
           </a:p>
         </p:txBody>
       </p:sp>
@@ -8148,7 +12376,39 @@
           <a:bodyPr/>
           <a:lstStyle/>
           <a:p>
-            <a:endParaRPr lang="en-US"/>
+            <a:r>
+              <a:rPr lang="en-US" dirty="0" smtClean="0"/>
+              <a:t>Categorized into two groups</a:t>
+            </a:r>
+          </a:p>
+          <a:p>
+            <a:pPr lvl="1"/>
+            <a:r>
+              <a:rPr lang="en-US" dirty="0" smtClean="0"/>
+              <a:t>Consistency-agnostic</a:t>
+            </a:r>
+          </a:p>
+          <a:p>
+            <a:pPr lvl="1"/>
+            <a:r>
+              <a:rPr lang="en-US" dirty="0" smtClean="0"/>
+              <a:t>Consistency-directed</a:t>
+            </a:r>
+          </a:p>
+          <a:p>
+            <a:pPr lvl="1"/>
+            <a:endParaRPr lang="en-US" dirty="0"/>
+          </a:p>
+          <a:p>
+            <a:pPr lvl="1"/>
+            <a:endParaRPr lang="en-US" dirty="0" smtClean="0"/>
+          </a:p>
+          <a:p>
+            <a:r>
+              <a:rPr lang="en-US" dirty="0" smtClean="0"/>
+              <a:t>Instead of a writer validating all non-local shares, the writer waits until all of the sharers evict their block.</a:t>
+            </a:r>
+            <a:endParaRPr lang="en-US" dirty="0"/>
           </a:p>
         </p:txBody>
       </p:sp>
@@ -8169,7 +12429,547 @@
           <a:p>
             <a:fld id="{0FF54DE5-C571-48E8-A5BC-B369434E2F44}" type="slidenum">
               <a:rPr lang="en-US" smtClean="0"/>
-              <a:t>20</a:t>
+              <a:t>23</a:t>
+            </a:fld>
+            <a:endParaRPr lang="en-US"/>
+          </a:p>
+        </p:txBody>
+      </p:sp>
+      <p:pic>
+        <p:nvPicPr>
+          <p:cNvPr id="5" name="Picture 4"/>
+          <p:cNvPicPr>
+            <a:picLocks noChangeAspect="1"/>
+          </p:cNvPicPr>
+          <p:nvPr/>
+        </p:nvPicPr>
+        <p:blipFill>
+          <a:blip r:embed="rId2">
+            <a:extLst>
+              <a:ext uri="{28A0092B-C50C-407E-A947-70E740481C1C}">
+                <a14:useLocalDpi xmlns:a14="http://schemas.microsoft.com/office/drawing/2010/main" val="0"/>
+              </a:ext>
+            </a:extLst>
+          </a:blip>
+          <a:stretch>
+            <a:fillRect/>
+          </a:stretch>
+        </p:blipFill>
+        <p:spPr>
+          <a:xfrm>
+            <a:off x="3318101" y="285068"/>
+            <a:ext cx="4898436" cy="6325635"/>
+          </a:xfrm>
+          <a:prstGeom prst="rect">
+            <a:avLst/>
+          </a:prstGeom>
+        </p:spPr>
+      </p:pic>
+      <p:pic>
+        <p:nvPicPr>
+          <p:cNvPr id="6" name="Picture 5"/>
+          <p:cNvPicPr>
+            <a:picLocks noChangeAspect="1"/>
+          </p:cNvPicPr>
+          <p:nvPr/>
+        </p:nvPicPr>
+        <p:blipFill>
+          <a:blip r:embed="rId3">
+            <a:extLst>
+              <a:ext uri="{28A0092B-C50C-407E-A947-70E740481C1C}">
+                <a14:useLocalDpi xmlns:a14="http://schemas.microsoft.com/office/drawing/2010/main" val="0"/>
+              </a:ext>
+            </a:extLst>
+          </a:blip>
+          <a:stretch>
+            <a:fillRect/>
+          </a:stretch>
+        </p:blipFill>
+        <p:spPr>
+          <a:xfrm>
+            <a:off x="830465" y="0"/>
+            <a:ext cx="10529551" cy="6858000"/>
+          </a:xfrm>
+          <a:prstGeom prst="rect">
+            <a:avLst/>
+          </a:prstGeom>
+        </p:spPr>
+      </p:pic>
+    </p:spTree>
+    <p:extLst>
+      <p:ext uri="{BB962C8B-B14F-4D97-AF65-F5344CB8AC3E}">
+        <p14:creationId xmlns:p14="http://schemas.microsoft.com/office/powerpoint/2010/main" val="1103915163"/>
+      </p:ext>
+    </p:extLst>
+  </p:cSld>
+  <p:clrMapOvr>
+    <a:masterClrMapping/>
+  </p:clrMapOvr>
+  <mc:AlternateContent xmlns:mc="http://schemas.openxmlformats.org/markup-compatibility/2006" xmlns:p14="http://schemas.microsoft.com/office/powerpoint/2010/main">
+    <mc:Choice Requires="p14">
+      <p:transition spd="med" p14:dur="700">
+        <p:fade/>
+      </p:transition>
+    </mc:Choice>
+    <mc:Fallback xmlns="">
+      <p:transition spd="med">
+        <p:fade/>
+      </p:transition>
+    </mc:Fallback>
+  </mc:AlternateContent>
+  <p:timing>
+    <p:tnLst>
+      <p:par>
+        <p:cTn id="1" dur="indefinite" restart="never" nodeType="tmRoot">
+          <p:childTnLst>
+            <p:seq concurrent="1" nextAc="seek">
+              <p:cTn id="2" dur="indefinite" nodeType="mainSeq">
+                <p:childTnLst>
+                  <p:par>
+                    <p:cTn id="3" fill="hold">
+                      <p:stCondLst>
+                        <p:cond delay="indefinite"/>
+                      </p:stCondLst>
+                      <p:childTnLst>
+                        <p:par>
+                          <p:cTn id="4" fill="hold">
+                            <p:stCondLst>
+                              <p:cond delay="0"/>
+                            </p:stCondLst>
+                            <p:childTnLst>
+                              <p:par>
+                                <p:cTn id="5" presetID="1" presetClass="entr" presetSubtype="0" fill="hold" nodeType="clickEffect">
+                                  <p:stCondLst>
+                                    <p:cond delay="0"/>
+                                  </p:stCondLst>
+                                  <p:childTnLst>
+                                    <p:set>
+                                      <p:cBhvr>
+                                        <p:cTn id="6" dur="1" fill="hold">
+                                          <p:stCondLst>
+                                            <p:cond delay="0"/>
+                                          </p:stCondLst>
+                                        </p:cTn>
+                                        <p:tgtEl>
+                                          <p:spTgt spid="5"/>
+                                        </p:tgtEl>
+                                        <p:attrNameLst>
+                                          <p:attrName>style.visibility</p:attrName>
+                                        </p:attrNameLst>
+                                      </p:cBhvr>
+                                      <p:to>
+                                        <p:strVal val="visible"/>
+                                      </p:to>
+                                    </p:set>
+                                  </p:childTnLst>
+                                </p:cTn>
+                              </p:par>
+                            </p:childTnLst>
+                          </p:cTn>
+                        </p:par>
+                      </p:childTnLst>
+                    </p:cTn>
+                  </p:par>
+                  <p:par>
+                    <p:cTn id="7" fill="hold">
+                      <p:stCondLst>
+                        <p:cond delay="indefinite"/>
+                      </p:stCondLst>
+                      <p:childTnLst>
+                        <p:par>
+                          <p:cTn id="8" fill="hold">
+                            <p:stCondLst>
+                              <p:cond delay="0"/>
+                            </p:stCondLst>
+                            <p:childTnLst>
+                              <p:par>
+                                <p:cTn id="9" presetID="1" presetClass="entr" presetSubtype="0" fill="hold" nodeType="clickEffect">
+                                  <p:stCondLst>
+                                    <p:cond delay="0"/>
+                                  </p:stCondLst>
+                                  <p:childTnLst>
+                                    <p:set>
+                                      <p:cBhvr>
+                                        <p:cTn id="10" dur="1" fill="hold">
+                                          <p:stCondLst>
+                                            <p:cond delay="0"/>
+                                          </p:stCondLst>
+                                        </p:cTn>
+                                        <p:tgtEl>
+                                          <p:spTgt spid="6"/>
+                                        </p:tgtEl>
+                                        <p:attrNameLst>
+                                          <p:attrName>style.visibility</p:attrName>
+                                        </p:attrNameLst>
+                                      </p:cBhvr>
+                                      <p:to>
+                                        <p:strVal val="visible"/>
+                                      </p:to>
+                                    </p:set>
+                                  </p:childTnLst>
+                                </p:cTn>
+                              </p:par>
+                            </p:childTnLst>
+                          </p:cTn>
+                        </p:par>
+                      </p:childTnLst>
+                    </p:cTn>
+                  </p:par>
+                </p:childTnLst>
+              </p:cTn>
+              <p:prevCondLst>
+                <p:cond evt="onPrev" delay="0">
+                  <p:tgtEl>
+                    <p:sldTgt/>
+                  </p:tgtEl>
+                </p:cond>
+              </p:prevCondLst>
+              <p:nextCondLst>
+                <p:cond evt="onNext" delay="0">
+                  <p:tgtEl>
+                    <p:sldTgt/>
+                  </p:tgtEl>
+                </p:cond>
+              </p:nextCondLst>
+            </p:seq>
+          </p:childTnLst>
+        </p:cTn>
+      </p:par>
+    </p:tnLst>
+  </p:timing>
+</p:sld>
+</file>
+
+<file path=ppt/slides/slide24.xml><?xml version="1.0" encoding="utf-8"?>
+<p:sld xmlns:a="http://schemas.openxmlformats.org/drawingml/2006/main" xmlns:r="http://schemas.openxmlformats.org/officeDocument/2006/relationships" xmlns:p="http://schemas.openxmlformats.org/presentationml/2006/main">
+  <p:cSld>
+    <p:spTree>
+      <p:nvGrpSpPr>
+        <p:cNvPr id="1" name=""/>
+        <p:cNvGrpSpPr/>
+        <p:nvPr/>
+      </p:nvGrpSpPr>
+      <p:grpSpPr>
+        <a:xfrm>
+          <a:off x="0" y="0"/>
+          <a:ext cx="0" cy="0"/>
+          <a:chOff x="0" y="0"/>
+          <a:chExt cx="0" cy="0"/>
+        </a:xfrm>
+      </p:grpSpPr>
+      <p:sp>
+        <p:nvSpPr>
+          <p:cNvPr id="2" name="Title 1"/>
+          <p:cNvSpPr>
+            <a:spLocks noGrp="1"/>
+          </p:cNvSpPr>
+          <p:nvPr>
+            <p:ph type="title"/>
+          </p:nvPr>
+        </p:nvSpPr>
+        <p:spPr/>
+        <p:txBody>
+          <a:bodyPr/>
+          <a:lstStyle/>
+          <a:p>
+            <a:r>
+              <a:rPr lang="en-US" dirty="0" smtClean="0"/>
+              <a:t>The ideas to work on this field</a:t>
+            </a:r>
+            <a:endParaRPr lang="en-US" dirty="0"/>
+          </a:p>
+        </p:txBody>
+      </p:sp>
+      <p:sp>
+        <p:nvSpPr>
+          <p:cNvPr id="3" name="Content Placeholder 2"/>
+          <p:cNvSpPr>
+            <a:spLocks noGrp="1"/>
+          </p:cNvSpPr>
+          <p:nvPr>
+            <p:ph idx="1"/>
+          </p:nvPr>
+        </p:nvSpPr>
+        <p:spPr/>
+        <p:txBody>
+          <a:bodyPr/>
+          <a:lstStyle/>
+          <a:p>
+            <a:r>
+              <a:rPr lang="en-US" dirty="0" smtClean="0"/>
+              <a:t>Reducing the cost of keeping caches coherent</a:t>
+            </a:r>
+          </a:p>
+          <a:p>
+            <a:pPr lvl="1"/>
+            <a:r>
+              <a:rPr lang="en-US" sz="1800" dirty="0" smtClean="0"/>
+              <a:t>Reducing Number of stall in the state-of-the-art approach</a:t>
+            </a:r>
+          </a:p>
+          <a:p>
+            <a:pPr lvl="1"/>
+            <a:r>
+              <a:rPr lang="en-US" sz="1800" dirty="0" smtClean="0"/>
+              <a:t>Reducing number of request, transactions</a:t>
+            </a:r>
+          </a:p>
+          <a:p>
+            <a:pPr lvl="1"/>
+            <a:endParaRPr lang="en-US" dirty="0"/>
+          </a:p>
+          <a:p>
+            <a:pPr lvl="1"/>
+            <a:endParaRPr lang="en-US" dirty="0" smtClean="0"/>
+          </a:p>
+          <a:p>
+            <a:r>
+              <a:rPr lang="en-US" dirty="0" smtClean="0"/>
+              <a:t>Automation of these protocols design</a:t>
+            </a:r>
+          </a:p>
+          <a:p>
+            <a:pPr lvl="1"/>
+            <a:r>
+              <a:rPr lang="en-US" sz="1800" dirty="0" smtClean="0"/>
+              <a:t>Making the computer architect’s life easier</a:t>
+            </a:r>
+            <a:endParaRPr lang="en-US" sz="1800" dirty="0"/>
+          </a:p>
+        </p:txBody>
+      </p:sp>
+      <p:sp>
+        <p:nvSpPr>
+          <p:cNvPr id="4" name="Slide Number Placeholder 3"/>
+          <p:cNvSpPr>
+            <a:spLocks noGrp="1"/>
+          </p:cNvSpPr>
+          <p:nvPr>
+            <p:ph type="sldNum" sz="quarter" idx="12"/>
+          </p:nvPr>
+        </p:nvSpPr>
+        <p:spPr/>
+        <p:txBody>
+          <a:bodyPr/>
+          <a:lstStyle/>
+          <a:p>
+            <a:fld id="{0FF54DE5-C571-48E8-A5BC-B369434E2F44}" type="slidenum">
+              <a:rPr lang="en-US" smtClean="0"/>
+              <a:t>24</a:t>
+            </a:fld>
+            <a:endParaRPr lang="en-US"/>
+          </a:p>
+        </p:txBody>
+      </p:sp>
+      <p:pic>
+        <p:nvPicPr>
+          <p:cNvPr id="5" name="Picture 4"/>
+          <p:cNvPicPr>
+            <a:picLocks noChangeAspect="1"/>
+          </p:cNvPicPr>
+          <p:nvPr/>
+        </p:nvPicPr>
+        <p:blipFill>
+          <a:blip r:embed="rId2"/>
+          <a:stretch>
+            <a:fillRect/>
+          </a:stretch>
+        </p:blipFill>
+        <p:spPr>
+          <a:xfrm>
+            <a:off x="2169543" y="3088314"/>
+            <a:ext cx="9028571" cy="2771429"/>
+          </a:xfrm>
+          <a:prstGeom prst="rect">
+            <a:avLst/>
+          </a:prstGeom>
+        </p:spPr>
+      </p:pic>
+    </p:spTree>
+    <p:extLst>
+      <p:ext uri="{BB962C8B-B14F-4D97-AF65-F5344CB8AC3E}">
+        <p14:creationId xmlns:p14="http://schemas.microsoft.com/office/powerpoint/2010/main" val="4244191105"/>
+      </p:ext>
+    </p:extLst>
+  </p:cSld>
+  <p:clrMapOvr>
+    <a:masterClrMapping/>
+  </p:clrMapOvr>
+  <mc:AlternateContent xmlns:mc="http://schemas.openxmlformats.org/markup-compatibility/2006" xmlns:p14="http://schemas.microsoft.com/office/powerpoint/2010/main">
+    <mc:Choice Requires="p14">
+      <p:transition spd="med" p14:dur="700">
+        <p:fade/>
+      </p:transition>
+    </mc:Choice>
+    <mc:Fallback xmlns="">
+      <p:transition spd="med">
+        <p:fade/>
+      </p:transition>
+    </mc:Fallback>
+  </mc:AlternateContent>
+  <p:timing>
+    <p:tnLst>
+      <p:par>
+        <p:cTn id="1" dur="indefinite" restart="never" nodeType="tmRoot">
+          <p:childTnLst>
+            <p:seq concurrent="1" nextAc="seek">
+              <p:cTn id="2" dur="indefinite" nodeType="mainSeq">
+                <p:childTnLst>
+                  <p:par>
+                    <p:cTn id="3" fill="hold">
+                      <p:stCondLst>
+                        <p:cond delay="indefinite"/>
+                      </p:stCondLst>
+                      <p:childTnLst>
+                        <p:par>
+                          <p:cTn id="4" fill="hold">
+                            <p:stCondLst>
+                              <p:cond delay="0"/>
+                            </p:stCondLst>
+                            <p:childTnLst>
+                              <p:par>
+                                <p:cTn id="5" presetID="1" presetClass="entr" presetSubtype="0" fill="hold" nodeType="clickEffect">
+                                  <p:stCondLst>
+                                    <p:cond delay="0"/>
+                                  </p:stCondLst>
+                                  <p:childTnLst>
+                                    <p:set>
+                                      <p:cBhvr>
+                                        <p:cTn id="6" dur="1" fill="hold">
+                                          <p:stCondLst>
+                                            <p:cond delay="0"/>
+                                          </p:stCondLst>
+                                        </p:cTn>
+                                        <p:tgtEl>
+                                          <p:spTgt spid="5"/>
+                                        </p:tgtEl>
+                                        <p:attrNameLst>
+                                          <p:attrName>style.visibility</p:attrName>
+                                        </p:attrNameLst>
+                                      </p:cBhvr>
+                                      <p:to>
+                                        <p:strVal val="visible"/>
+                                      </p:to>
+                                    </p:set>
+                                  </p:childTnLst>
+                                </p:cTn>
+                              </p:par>
+                            </p:childTnLst>
+                          </p:cTn>
+                        </p:par>
+                      </p:childTnLst>
+                    </p:cTn>
+                  </p:par>
+                </p:childTnLst>
+              </p:cTn>
+              <p:prevCondLst>
+                <p:cond evt="onPrev" delay="0">
+                  <p:tgtEl>
+                    <p:sldTgt/>
+                  </p:tgtEl>
+                </p:cond>
+              </p:prevCondLst>
+              <p:nextCondLst>
+                <p:cond evt="onNext" delay="0">
+                  <p:tgtEl>
+                    <p:sldTgt/>
+                  </p:tgtEl>
+                </p:cond>
+              </p:nextCondLst>
+            </p:seq>
+          </p:childTnLst>
+        </p:cTn>
+      </p:par>
+    </p:tnLst>
+  </p:timing>
+</p:sld>
+</file>
+
+<file path=ppt/slides/slide25.xml><?xml version="1.0" encoding="utf-8"?>
+<p:sld xmlns:a="http://schemas.openxmlformats.org/drawingml/2006/main" xmlns:r="http://schemas.openxmlformats.org/officeDocument/2006/relationships" xmlns:p="http://schemas.openxmlformats.org/presentationml/2006/main">
+  <p:cSld>
+    <p:spTree>
+      <p:nvGrpSpPr>
+        <p:cNvPr id="1" name=""/>
+        <p:cNvGrpSpPr/>
+        <p:nvPr/>
+      </p:nvGrpSpPr>
+      <p:grpSpPr>
+        <a:xfrm>
+          <a:off x="0" y="0"/>
+          <a:ext cx="0" cy="0"/>
+          <a:chOff x="0" y="0"/>
+          <a:chExt cx="0" cy="0"/>
+        </a:xfrm>
+      </p:grpSpPr>
+      <p:sp>
+        <p:nvSpPr>
+          <p:cNvPr id="5" name="Title 4"/>
+          <p:cNvSpPr>
+            <a:spLocks noGrp="1"/>
+          </p:cNvSpPr>
+          <p:nvPr>
+            <p:ph type="title"/>
+          </p:nvPr>
+        </p:nvSpPr>
+        <p:spPr>
+          <a:xfrm>
+            <a:off x="796834" y="2971806"/>
+            <a:ext cx="10528663" cy="1684150"/>
+          </a:xfrm>
+        </p:spPr>
+        <p:txBody>
+          <a:bodyPr/>
+          <a:lstStyle/>
+          <a:p>
+            <a:r>
+              <a:rPr lang="en-US" dirty="0" smtClean="0"/>
+              <a:t>Thanks a lot for Your Attention</a:t>
+            </a:r>
+            <a:endParaRPr lang="en-US" dirty="0"/>
+          </a:p>
+        </p:txBody>
+      </p:sp>
+      <p:sp>
+        <p:nvSpPr>
+          <p:cNvPr id="6" name="Text Placeholder 5"/>
+          <p:cNvSpPr>
+            <a:spLocks noGrp="1"/>
+          </p:cNvSpPr>
+          <p:nvPr>
+            <p:ph type="body" idx="1"/>
+          </p:nvPr>
+        </p:nvSpPr>
+        <p:spPr/>
+        <p:txBody>
+          <a:bodyPr/>
+          <a:lstStyle/>
+          <a:p>
+            <a:r>
+              <a:rPr lang="en-US" dirty="0"/>
+              <a:t>Any Question? Idea? Comment?</a:t>
+            </a:r>
+          </a:p>
+        </p:txBody>
+      </p:sp>
+      <p:sp>
+        <p:nvSpPr>
+          <p:cNvPr id="4" name="Slide Number Placeholder 3"/>
+          <p:cNvSpPr>
+            <a:spLocks noGrp="1"/>
+          </p:cNvSpPr>
+          <p:nvPr>
+            <p:ph type="sldNum" sz="quarter" idx="12"/>
+          </p:nvPr>
+        </p:nvSpPr>
+        <p:spPr/>
+        <p:txBody>
+          <a:bodyPr/>
+          <a:lstStyle/>
+          <a:p>
+            <a:fld id="{0FF54DE5-C571-48E8-A5BC-B369434E2F44}" type="slidenum">
+              <a:rPr lang="en-US" smtClean="0"/>
+              <a:t>25</a:t>
             </a:fld>
             <a:endParaRPr lang="en-US"/>
           </a:p>
@@ -8178,7 +12978,7 @@
     </p:spTree>
     <p:extLst>
       <p:ext uri="{BB962C8B-B14F-4D97-AF65-F5344CB8AC3E}">
-        <p14:creationId xmlns:p14="http://schemas.microsoft.com/office/powerpoint/2010/main" val="2208311836"/>
+        <p14:creationId xmlns:p14="http://schemas.microsoft.com/office/powerpoint/2010/main" val="4254764387"/>
       </p:ext>
     </p:extLst>
   </p:cSld>
@@ -8371,15 +13171,7 @@
             </a:pPr>
             <a:r>
               <a:rPr lang="en-US" sz="1800" dirty="0"/>
-              <a:t>Architecturally </a:t>
-            </a:r>
-            <a:r>
-              <a:rPr lang="en-US" sz="1800" dirty="0"/>
-              <a:t>Visible Definition of Shared Memory </a:t>
-            </a:r>
-            <a:r>
-              <a:rPr lang="en-US" sz="1800" dirty="0"/>
-              <a:t>Correctness</a:t>
+              <a:t>Architecturally Visible Definition of Shared Memory Correctness</a:t>
             </a:r>
           </a:p>
           <a:p>
@@ -8389,11 +13181,7 @@
             </a:pPr>
             <a:r>
               <a:rPr lang="en-US" sz="1800" dirty="0"/>
-              <a:t>Order </a:t>
-            </a:r>
-            <a:r>
-              <a:rPr lang="en-US" sz="1800" dirty="0"/>
-              <a:t>of accesses to </a:t>
+              <a:t>Order of accesses to </a:t>
             </a:r>
             <a:r>
               <a:rPr lang="en-US" sz="1800" dirty="0" smtClean="0"/>
@@ -8432,13 +13220,8 @@
             </a:pPr>
             <a:r>
               <a:rPr lang="en-US" sz="1800" dirty="0"/>
-              <a:t> </a:t>
-            </a:r>
-            <a:r>
-              <a:rPr lang="en-US" sz="1800" dirty="0"/>
-              <a:t>Architecturally Invisible </a:t>
-            </a:r>
-            <a:endParaRPr lang="en-US" sz="1800" dirty="0"/>
+              <a:t> Architecturally Invisible </a:t>
+            </a:r>
           </a:p>
           <a:p>
             <a:pPr marL="742950" lvl="1" indent="-285750">
@@ -8447,11 +13230,7 @@
             </a:pPr>
             <a:r>
               <a:rPr lang="en-US" sz="1800" dirty="0"/>
-              <a:t>A </a:t>
-            </a:r>
-            <a:r>
-              <a:rPr lang="en-US" sz="1800" dirty="0"/>
-              <a:t>part of Memory Model</a:t>
+              <a:t>A part of Memory Model</a:t>
             </a:r>
           </a:p>
         </p:txBody>
@@ -8850,11 +13629,11 @@
   <p:clrMapOvr>
     <a:masterClrMapping/>
   </p:clrMapOvr>
-  <mc:AlternateContent xmlns:mc="http://schemas.openxmlformats.org/markup-compatibility/2006">
-    <mc:Choice xmlns:p14="http://schemas.microsoft.com/office/powerpoint/2010/main" Requires="p14">
+  <mc:AlternateContent xmlns:mc="http://schemas.openxmlformats.org/markup-compatibility/2006" xmlns:p14="http://schemas.microsoft.com/office/powerpoint/2010/main">
+    <mc:Choice Requires="p14">
       <p:transition p14:dur="0"/>
     </mc:Choice>
-    <mc:Fallback>
+    <mc:Fallback xmlns="">
       <p:transition/>
     </mc:Fallback>
   </mc:AlternateContent>
@@ -9329,11 +14108,11 @@
   <p:clrMapOvr>
     <a:masterClrMapping/>
   </p:clrMapOvr>
-  <mc:AlternateContent xmlns:mc="http://schemas.openxmlformats.org/markup-compatibility/2006">
-    <mc:Choice xmlns:p14="http://schemas.microsoft.com/office/powerpoint/2010/main" Requires="p14">
+  <mc:AlternateContent xmlns:mc="http://schemas.openxmlformats.org/markup-compatibility/2006" xmlns:p14="http://schemas.microsoft.com/office/powerpoint/2010/main">
+    <mc:Choice Requires="p14">
       <p:transition p14:dur="0"/>
     </mc:Choice>
-    <mc:Fallback>
+    <mc:Fallback xmlns="">
       <p:transition/>
     </mc:Fallback>
   </mc:AlternateContent>
@@ -9522,11 +14301,11 @@
   <p:clrMapOvr>
     <a:masterClrMapping/>
   </p:clrMapOvr>
-  <mc:AlternateContent xmlns:mc="http://schemas.openxmlformats.org/markup-compatibility/2006">
-    <mc:Choice xmlns:p14="http://schemas.microsoft.com/office/powerpoint/2010/main" Requires="p14">
+  <mc:AlternateContent xmlns:mc="http://schemas.openxmlformats.org/markup-compatibility/2006" xmlns:p14="http://schemas.microsoft.com/office/powerpoint/2010/main">
+    <mc:Choice Requires="p14">
       <p:transition p14:dur="0"/>
     </mc:Choice>
-    <mc:Fallback>
+    <mc:Fallback xmlns="">
       <p:transition/>
     </mc:Fallback>
   </mc:AlternateContent>
@@ -10023,11 +14802,11 @@
   <p:clrMapOvr>
     <a:masterClrMapping/>
   </p:clrMapOvr>
-  <mc:AlternateContent xmlns:mc="http://schemas.openxmlformats.org/markup-compatibility/2006">
-    <mc:Choice xmlns:p14="http://schemas.microsoft.com/office/powerpoint/2010/main" Requires="p14">
+  <mc:AlternateContent xmlns:mc="http://schemas.openxmlformats.org/markup-compatibility/2006" xmlns:p14="http://schemas.microsoft.com/office/powerpoint/2010/main">
+    <mc:Choice Requires="p14">
       <p:transition p14:dur="0"/>
     </mc:Choice>
-    <mc:Fallback>
+    <mc:Fallback xmlns="">
       <p:transition/>
     </mc:Fallback>
   </mc:AlternateContent>
@@ -10997,6 +15776,132 @@
 </file>
 
 <file path=customXml/item1.xml><?xml version="1.0" encoding="utf-8"?>
+<p:properties xmlns:p="http://schemas.microsoft.com/office/2006/metadata/properties" xmlns:xsi="http://www.w3.org/2001/XMLSchema-instance" xmlns:pc="http://schemas.microsoft.com/office/infopath/2007/PartnerControls">
+  <documentManagement>
+    <APDescription xmlns="4873beb7-5857-4685-be1f-d57550cc96cc" xsi:nil="true"/>
+    <AssetExpire xmlns="4873beb7-5857-4685-be1f-d57550cc96cc">2029-01-01T08:00:00+00:00</AssetExpire>
+    <CampaignTagsTaxHTField0 xmlns="4873beb7-5857-4685-be1f-d57550cc96cc">
+      <Terms xmlns="http://schemas.microsoft.com/office/infopath/2007/PartnerControls"/>
+    </CampaignTagsTaxHTField0>
+    <IntlLangReviewDate xmlns="4873beb7-5857-4685-be1f-d57550cc96cc" xsi:nil="true"/>
+    <TPFriendlyName xmlns="4873beb7-5857-4685-be1f-d57550cc96cc" xsi:nil="true"/>
+    <IntlLangReview xmlns="4873beb7-5857-4685-be1f-d57550cc96cc">false</IntlLangReview>
+    <LocLastLocAttemptVersionLookup xmlns="4873beb7-5857-4685-be1f-d57550cc96cc">855024</LocLastLocAttemptVersionLookup>
+    <PolicheckWords xmlns="4873beb7-5857-4685-be1f-d57550cc96cc" xsi:nil="true"/>
+    <SubmitterId xmlns="4873beb7-5857-4685-be1f-d57550cc96cc" xsi:nil="true"/>
+    <AcquiredFrom xmlns="4873beb7-5857-4685-be1f-d57550cc96cc">Internal MS</AcquiredFrom>
+    <EditorialStatus xmlns="4873beb7-5857-4685-be1f-d57550cc96cc">Complete</EditorialStatus>
+    <Markets xmlns="4873beb7-5857-4685-be1f-d57550cc96cc"/>
+    <OriginAsset xmlns="4873beb7-5857-4685-be1f-d57550cc96cc" xsi:nil="true"/>
+    <AssetStart xmlns="4873beb7-5857-4685-be1f-d57550cc96cc">2012-08-31T08:50:00+00:00</AssetStart>
+    <FriendlyTitle xmlns="4873beb7-5857-4685-be1f-d57550cc96cc" xsi:nil="true"/>
+    <MarketSpecific xmlns="4873beb7-5857-4685-be1f-d57550cc96cc">false</MarketSpecific>
+    <TPNamespace xmlns="4873beb7-5857-4685-be1f-d57550cc96cc" xsi:nil="true"/>
+    <PublishStatusLookup xmlns="4873beb7-5857-4685-be1f-d57550cc96cc">
+      <Value>1616423</Value>
+    </PublishStatusLookup>
+    <APAuthor xmlns="4873beb7-5857-4685-be1f-d57550cc96cc">
+      <UserInfo>
+        <DisplayName>REDMOND\kristaa</DisplayName>
+        <AccountId>136</AccountId>
+        <AccountType/>
+      </UserInfo>
+    </APAuthor>
+    <TPCommandLine xmlns="4873beb7-5857-4685-be1f-d57550cc96cc" xsi:nil="true"/>
+    <IntlLangReviewer xmlns="4873beb7-5857-4685-be1f-d57550cc96cc" xsi:nil="true"/>
+    <OpenTemplate xmlns="4873beb7-5857-4685-be1f-d57550cc96cc">true</OpenTemplate>
+    <CSXSubmissionDate xmlns="4873beb7-5857-4685-be1f-d57550cc96cc" xsi:nil="true"/>
+    <TaxCatchAll xmlns="4873beb7-5857-4685-be1f-d57550cc96cc"/>
+    <Manager xmlns="4873beb7-5857-4685-be1f-d57550cc96cc" xsi:nil="true"/>
+    <NumericId xmlns="4873beb7-5857-4685-be1f-d57550cc96cc" xsi:nil="true"/>
+    <ParentAssetId xmlns="4873beb7-5857-4685-be1f-d57550cc96cc" xsi:nil="true"/>
+    <OriginalSourceMarket xmlns="4873beb7-5857-4685-be1f-d57550cc96cc" xsi:nil="true"/>
+    <ApprovalStatus xmlns="4873beb7-5857-4685-be1f-d57550cc96cc">InProgress</ApprovalStatus>
+    <TPComponent xmlns="4873beb7-5857-4685-be1f-d57550cc96cc" xsi:nil="true"/>
+    <EditorialTags xmlns="4873beb7-5857-4685-be1f-d57550cc96cc" xsi:nil="true"/>
+    <TPExecutable xmlns="4873beb7-5857-4685-be1f-d57550cc96cc" xsi:nil="true"/>
+    <TPLaunchHelpLink xmlns="4873beb7-5857-4685-be1f-d57550cc96cc" xsi:nil="true"/>
+    <LocComments xmlns="4873beb7-5857-4685-be1f-d57550cc96cc" xsi:nil="true"/>
+    <LocRecommendedHandoff xmlns="4873beb7-5857-4685-be1f-d57550cc96cc" xsi:nil="true"/>
+    <SourceTitle xmlns="4873beb7-5857-4685-be1f-d57550cc96cc" xsi:nil="true"/>
+    <CSXUpdate xmlns="4873beb7-5857-4685-be1f-d57550cc96cc">false</CSXUpdate>
+    <IntlLocPriority xmlns="4873beb7-5857-4685-be1f-d57550cc96cc" xsi:nil="true"/>
+    <UAProjectedTotalWords xmlns="4873beb7-5857-4685-be1f-d57550cc96cc" xsi:nil="true"/>
+    <AssetType xmlns="4873beb7-5857-4685-be1f-d57550cc96cc">TP</AssetType>
+    <MachineTranslated xmlns="4873beb7-5857-4685-be1f-d57550cc96cc">false</MachineTranslated>
+    <OutputCachingOn xmlns="4873beb7-5857-4685-be1f-d57550cc96cc">false</OutputCachingOn>
+    <TemplateStatus xmlns="4873beb7-5857-4685-be1f-d57550cc96cc">Complete</TemplateStatus>
+    <IsSearchable xmlns="4873beb7-5857-4685-be1f-d57550cc96cc">true</IsSearchable>
+    <ContentItem xmlns="4873beb7-5857-4685-be1f-d57550cc96cc" xsi:nil="true"/>
+    <HandoffToMSDN xmlns="4873beb7-5857-4685-be1f-d57550cc96cc" xsi:nil="true"/>
+    <ShowIn xmlns="4873beb7-5857-4685-be1f-d57550cc96cc">Show everywhere</ShowIn>
+    <ThumbnailAssetId xmlns="4873beb7-5857-4685-be1f-d57550cc96cc" xsi:nil="true"/>
+    <UALocComments xmlns="4873beb7-5857-4685-be1f-d57550cc96cc" xsi:nil="true"/>
+    <UALocRecommendation xmlns="4873beb7-5857-4685-be1f-d57550cc96cc">Localize</UALocRecommendation>
+    <LastModifiedDateTime xmlns="4873beb7-5857-4685-be1f-d57550cc96cc" xsi:nil="true"/>
+    <LegacyData xmlns="4873beb7-5857-4685-be1f-d57550cc96cc" xsi:nil="true"/>
+    <LocManualTestRequired xmlns="4873beb7-5857-4685-be1f-d57550cc96cc">false</LocManualTestRequired>
+    <LocMarketGroupTiers2 xmlns="4873beb7-5857-4685-be1f-d57550cc96cc" xsi:nil="true"/>
+    <ClipArtFilename xmlns="4873beb7-5857-4685-be1f-d57550cc96cc" xsi:nil="true"/>
+    <TPApplication xmlns="4873beb7-5857-4685-be1f-d57550cc96cc" xsi:nil="true"/>
+    <CSXHash xmlns="4873beb7-5857-4685-be1f-d57550cc96cc" xsi:nil="true"/>
+    <DirectSourceMarket xmlns="4873beb7-5857-4685-be1f-d57550cc96cc" xsi:nil="true"/>
+    <PrimaryImageGen xmlns="4873beb7-5857-4685-be1f-d57550cc96cc">true</PrimaryImageGen>
+    <PlannedPubDate xmlns="4873beb7-5857-4685-be1f-d57550cc96cc" xsi:nil="true"/>
+    <CSXSubmissionMarket xmlns="4873beb7-5857-4685-be1f-d57550cc96cc" xsi:nil="true"/>
+    <Downloads xmlns="4873beb7-5857-4685-be1f-d57550cc96cc">0</Downloads>
+    <ArtSampleDocs xmlns="4873beb7-5857-4685-be1f-d57550cc96cc" xsi:nil="true"/>
+    <TrustLevel xmlns="4873beb7-5857-4685-be1f-d57550cc96cc">1 Microsoft Managed Content</TrustLevel>
+    <BlockPublish xmlns="4873beb7-5857-4685-be1f-d57550cc96cc">false</BlockPublish>
+    <TPLaunchHelpLinkType xmlns="4873beb7-5857-4685-be1f-d57550cc96cc">Template</TPLaunchHelpLinkType>
+    <LocalizationTagsTaxHTField0 xmlns="4873beb7-5857-4685-be1f-d57550cc96cc">
+      <Terms xmlns="http://schemas.microsoft.com/office/infopath/2007/PartnerControls"/>
+    </LocalizationTagsTaxHTField0>
+    <BusinessGroup xmlns="4873beb7-5857-4685-be1f-d57550cc96cc" xsi:nil="true"/>
+    <Providers xmlns="4873beb7-5857-4685-be1f-d57550cc96cc" xsi:nil="true"/>
+    <TemplateTemplateType xmlns="4873beb7-5857-4685-be1f-d57550cc96cc">PowerPoint Presentation Template</TemplateTemplateType>
+    <TimesCloned xmlns="4873beb7-5857-4685-be1f-d57550cc96cc" xsi:nil="true"/>
+    <TPAppVersion xmlns="4873beb7-5857-4685-be1f-d57550cc96cc" xsi:nil="true"/>
+    <VoteCount xmlns="4873beb7-5857-4685-be1f-d57550cc96cc" xsi:nil="true"/>
+    <AverageRating xmlns="4873beb7-5857-4685-be1f-d57550cc96cc" xsi:nil="true"/>
+    <FeatureTagsTaxHTField0 xmlns="4873beb7-5857-4685-be1f-d57550cc96cc">
+      <Terms xmlns="http://schemas.microsoft.com/office/infopath/2007/PartnerControls"/>
+    </FeatureTagsTaxHTField0>
+    <Provider xmlns="4873beb7-5857-4685-be1f-d57550cc96cc" xsi:nil="true"/>
+    <UACurrentWords xmlns="4873beb7-5857-4685-be1f-d57550cc96cc" xsi:nil="true"/>
+    <AssetId xmlns="4873beb7-5857-4685-be1f-d57550cc96cc">TP103431361</AssetId>
+    <TPClientViewer xmlns="4873beb7-5857-4685-be1f-d57550cc96cc" xsi:nil="true"/>
+    <DSATActionTaken xmlns="4873beb7-5857-4685-be1f-d57550cc96cc" xsi:nil="true"/>
+    <APEditor xmlns="4873beb7-5857-4685-be1f-d57550cc96cc">
+      <UserInfo>
+        <DisplayName/>
+        <AccountId xsi:nil="true"/>
+        <AccountType/>
+      </UserInfo>
+    </APEditor>
+    <TPInstallLocation xmlns="4873beb7-5857-4685-be1f-d57550cc96cc" xsi:nil="true"/>
+    <OOCacheId xmlns="4873beb7-5857-4685-be1f-d57550cc96cc" xsi:nil="true"/>
+    <IsDeleted xmlns="4873beb7-5857-4685-be1f-d57550cc96cc">false</IsDeleted>
+    <PublishTargets xmlns="4873beb7-5857-4685-be1f-d57550cc96cc">OfficeOnlineVNext</PublishTargets>
+    <ApprovalLog xmlns="4873beb7-5857-4685-be1f-d57550cc96cc" xsi:nil="true"/>
+    <BugNumber xmlns="4873beb7-5857-4685-be1f-d57550cc96cc" xsi:nil="true"/>
+    <CrawlForDependencies xmlns="4873beb7-5857-4685-be1f-d57550cc96cc">false</CrawlForDependencies>
+    <InternalTagsTaxHTField0 xmlns="4873beb7-5857-4685-be1f-d57550cc96cc">
+      <Terms xmlns="http://schemas.microsoft.com/office/infopath/2007/PartnerControls"/>
+    </InternalTagsTaxHTField0>
+    <LastHandOff xmlns="4873beb7-5857-4685-be1f-d57550cc96cc" xsi:nil="true"/>
+    <Milestone xmlns="4873beb7-5857-4685-be1f-d57550cc96cc" xsi:nil="true"/>
+    <OriginalRelease xmlns="4873beb7-5857-4685-be1f-d57550cc96cc">15</OriginalRelease>
+    <RecommendationsModifier xmlns="4873beb7-5857-4685-be1f-d57550cc96cc" xsi:nil="true"/>
+    <ScenarioTagsTaxHTField0 xmlns="4873beb7-5857-4685-be1f-d57550cc96cc">
+      <Terms xmlns="http://schemas.microsoft.com/office/infopath/2007/PartnerControls"/>
+    </ScenarioTagsTaxHTField0>
+    <UANotes xmlns="4873beb7-5857-4685-be1f-d57550cc96cc" xsi:nil="true"/>
+  </documentManagement>
+</p:properties>
+</file>
+
+<file path=customXml/item2.xml><?xml version="1.0" encoding="utf-8"?>
 <ct:contentTypeSchema xmlns:ct="http://schemas.microsoft.com/office/2006/metadata/contentType" xmlns:ma="http://schemas.microsoft.com/office/2006/metadata/properties/metaAttributes" ct:_="" ma:_="" ma:contentTypeName="TemplateFile" ma:contentTypeID="0x0101006EDDDB5EE6D98C44930B742096920B300400F5B6D36B3EF94B4E9A635CDF2A18F5B8" ma:contentTypeVersion="72" ma:contentTypeDescription="Create a new document." ma:contentTypeScope="" ma:versionID="a23e56308344d904b51738559c3d67c9">
   <xsd:schema xmlns:xsd="http://www.w3.org/2001/XMLSchema" xmlns:xs="http://www.w3.org/2001/XMLSchema" xmlns:p="http://schemas.microsoft.com/office/2006/metadata/properties" xmlns:ns2="4873beb7-5857-4685-be1f-d57550cc96cc" targetNamespace="http://schemas.microsoft.com/office/2006/metadata/properties" ma:root="true" ma:fieldsID="cd0908cc4600e77bf5da051303e00c8d" ns2:_="">
     <xsd:import namespace="4873beb7-5857-4685-be1f-d57550cc96cc"/>
@@ -12036,132 +16941,6 @@
 </ct:contentTypeSchema>
 </file>
 
-<file path=customXml/item2.xml><?xml version="1.0" encoding="utf-8"?>
-<p:properties xmlns:p="http://schemas.microsoft.com/office/2006/metadata/properties" xmlns:xsi="http://www.w3.org/2001/XMLSchema-instance" xmlns:pc="http://schemas.microsoft.com/office/infopath/2007/PartnerControls">
-  <documentManagement>
-    <APDescription xmlns="4873beb7-5857-4685-be1f-d57550cc96cc" xsi:nil="true"/>
-    <AssetExpire xmlns="4873beb7-5857-4685-be1f-d57550cc96cc">2029-01-01T08:00:00+00:00</AssetExpire>
-    <CampaignTagsTaxHTField0 xmlns="4873beb7-5857-4685-be1f-d57550cc96cc">
-      <Terms xmlns="http://schemas.microsoft.com/office/infopath/2007/PartnerControls"/>
-    </CampaignTagsTaxHTField0>
-    <IntlLangReviewDate xmlns="4873beb7-5857-4685-be1f-d57550cc96cc" xsi:nil="true"/>
-    <TPFriendlyName xmlns="4873beb7-5857-4685-be1f-d57550cc96cc" xsi:nil="true"/>
-    <IntlLangReview xmlns="4873beb7-5857-4685-be1f-d57550cc96cc">false</IntlLangReview>
-    <LocLastLocAttemptVersionLookup xmlns="4873beb7-5857-4685-be1f-d57550cc96cc">855024</LocLastLocAttemptVersionLookup>
-    <PolicheckWords xmlns="4873beb7-5857-4685-be1f-d57550cc96cc" xsi:nil="true"/>
-    <SubmitterId xmlns="4873beb7-5857-4685-be1f-d57550cc96cc" xsi:nil="true"/>
-    <AcquiredFrom xmlns="4873beb7-5857-4685-be1f-d57550cc96cc">Internal MS</AcquiredFrom>
-    <EditorialStatus xmlns="4873beb7-5857-4685-be1f-d57550cc96cc">Complete</EditorialStatus>
-    <Markets xmlns="4873beb7-5857-4685-be1f-d57550cc96cc"/>
-    <OriginAsset xmlns="4873beb7-5857-4685-be1f-d57550cc96cc" xsi:nil="true"/>
-    <AssetStart xmlns="4873beb7-5857-4685-be1f-d57550cc96cc">2012-08-31T08:50:00+00:00</AssetStart>
-    <FriendlyTitle xmlns="4873beb7-5857-4685-be1f-d57550cc96cc" xsi:nil="true"/>
-    <MarketSpecific xmlns="4873beb7-5857-4685-be1f-d57550cc96cc">false</MarketSpecific>
-    <TPNamespace xmlns="4873beb7-5857-4685-be1f-d57550cc96cc" xsi:nil="true"/>
-    <PublishStatusLookup xmlns="4873beb7-5857-4685-be1f-d57550cc96cc">
-      <Value>1616423</Value>
-    </PublishStatusLookup>
-    <APAuthor xmlns="4873beb7-5857-4685-be1f-d57550cc96cc">
-      <UserInfo>
-        <DisplayName>REDMOND\kristaa</DisplayName>
-        <AccountId>136</AccountId>
-        <AccountType/>
-      </UserInfo>
-    </APAuthor>
-    <TPCommandLine xmlns="4873beb7-5857-4685-be1f-d57550cc96cc" xsi:nil="true"/>
-    <IntlLangReviewer xmlns="4873beb7-5857-4685-be1f-d57550cc96cc" xsi:nil="true"/>
-    <OpenTemplate xmlns="4873beb7-5857-4685-be1f-d57550cc96cc">true</OpenTemplate>
-    <CSXSubmissionDate xmlns="4873beb7-5857-4685-be1f-d57550cc96cc" xsi:nil="true"/>
-    <TaxCatchAll xmlns="4873beb7-5857-4685-be1f-d57550cc96cc"/>
-    <Manager xmlns="4873beb7-5857-4685-be1f-d57550cc96cc" xsi:nil="true"/>
-    <NumericId xmlns="4873beb7-5857-4685-be1f-d57550cc96cc" xsi:nil="true"/>
-    <ParentAssetId xmlns="4873beb7-5857-4685-be1f-d57550cc96cc" xsi:nil="true"/>
-    <OriginalSourceMarket xmlns="4873beb7-5857-4685-be1f-d57550cc96cc" xsi:nil="true"/>
-    <ApprovalStatus xmlns="4873beb7-5857-4685-be1f-d57550cc96cc">InProgress</ApprovalStatus>
-    <TPComponent xmlns="4873beb7-5857-4685-be1f-d57550cc96cc" xsi:nil="true"/>
-    <EditorialTags xmlns="4873beb7-5857-4685-be1f-d57550cc96cc" xsi:nil="true"/>
-    <TPExecutable xmlns="4873beb7-5857-4685-be1f-d57550cc96cc" xsi:nil="true"/>
-    <TPLaunchHelpLink xmlns="4873beb7-5857-4685-be1f-d57550cc96cc" xsi:nil="true"/>
-    <LocComments xmlns="4873beb7-5857-4685-be1f-d57550cc96cc" xsi:nil="true"/>
-    <LocRecommendedHandoff xmlns="4873beb7-5857-4685-be1f-d57550cc96cc" xsi:nil="true"/>
-    <SourceTitle xmlns="4873beb7-5857-4685-be1f-d57550cc96cc" xsi:nil="true"/>
-    <CSXUpdate xmlns="4873beb7-5857-4685-be1f-d57550cc96cc">false</CSXUpdate>
-    <IntlLocPriority xmlns="4873beb7-5857-4685-be1f-d57550cc96cc" xsi:nil="true"/>
-    <UAProjectedTotalWords xmlns="4873beb7-5857-4685-be1f-d57550cc96cc" xsi:nil="true"/>
-    <AssetType xmlns="4873beb7-5857-4685-be1f-d57550cc96cc">TP</AssetType>
-    <MachineTranslated xmlns="4873beb7-5857-4685-be1f-d57550cc96cc">false</MachineTranslated>
-    <OutputCachingOn xmlns="4873beb7-5857-4685-be1f-d57550cc96cc">false</OutputCachingOn>
-    <TemplateStatus xmlns="4873beb7-5857-4685-be1f-d57550cc96cc">Complete</TemplateStatus>
-    <IsSearchable xmlns="4873beb7-5857-4685-be1f-d57550cc96cc">true</IsSearchable>
-    <ContentItem xmlns="4873beb7-5857-4685-be1f-d57550cc96cc" xsi:nil="true"/>
-    <HandoffToMSDN xmlns="4873beb7-5857-4685-be1f-d57550cc96cc" xsi:nil="true"/>
-    <ShowIn xmlns="4873beb7-5857-4685-be1f-d57550cc96cc">Show everywhere</ShowIn>
-    <ThumbnailAssetId xmlns="4873beb7-5857-4685-be1f-d57550cc96cc" xsi:nil="true"/>
-    <UALocComments xmlns="4873beb7-5857-4685-be1f-d57550cc96cc" xsi:nil="true"/>
-    <UALocRecommendation xmlns="4873beb7-5857-4685-be1f-d57550cc96cc">Localize</UALocRecommendation>
-    <LastModifiedDateTime xmlns="4873beb7-5857-4685-be1f-d57550cc96cc" xsi:nil="true"/>
-    <LegacyData xmlns="4873beb7-5857-4685-be1f-d57550cc96cc" xsi:nil="true"/>
-    <LocManualTestRequired xmlns="4873beb7-5857-4685-be1f-d57550cc96cc">false</LocManualTestRequired>
-    <LocMarketGroupTiers2 xmlns="4873beb7-5857-4685-be1f-d57550cc96cc" xsi:nil="true"/>
-    <ClipArtFilename xmlns="4873beb7-5857-4685-be1f-d57550cc96cc" xsi:nil="true"/>
-    <TPApplication xmlns="4873beb7-5857-4685-be1f-d57550cc96cc" xsi:nil="true"/>
-    <CSXHash xmlns="4873beb7-5857-4685-be1f-d57550cc96cc" xsi:nil="true"/>
-    <DirectSourceMarket xmlns="4873beb7-5857-4685-be1f-d57550cc96cc" xsi:nil="true"/>
-    <PrimaryImageGen xmlns="4873beb7-5857-4685-be1f-d57550cc96cc">true</PrimaryImageGen>
-    <PlannedPubDate xmlns="4873beb7-5857-4685-be1f-d57550cc96cc" xsi:nil="true"/>
-    <CSXSubmissionMarket xmlns="4873beb7-5857-4685-be1f-d57550cc96cc" xsi:nil="true"/>
-    <Downloads xmlns="4873beb7-5857-4685-be1f-d57550cc96cc">0</Downloads>
-    <ArtSampleDocs xmlns="4873beb7-5857-4685-be1f-d57550cc96cc" xsi:nil="true"/>
-    <TrustLevel xmlns="4873beb7-5857-4685-be1f-d57550cc96cc">1 Microsoft Managed Content</TrustLevel>
-    <BlockPublish xmlns="4873beb7-5857-4685-be1f-d57550cc96cc">false</BlockPublish>
-    <TPLaunchHelpLinkType xmlns="4873beb7-5857-4685-be1f-d57550cc96cc">Template</TPLaunchHelpLinkType>
-    <LocalizationTagsTaxHTField0 xmlns="4873beb7-5857-4685-be1f-d57550cc96cc">
-      <Terms xmlns="http://schemas.microsoft.com/office/infopath/2007/PartnerControls"/>
-    </LocalizationTagsTaxHTField0>
-    <BusinessGroup xmlns="4873beb7-5857-4685-be1f-d57550cc96cc" xsi:nil="true"/>
-    <Providers xmlns="4873beb7-5857-4685-be1f-d57550cc96cc" xsi:nil="true"/>
-    <TemplateTemplateType xmlns="4873beb7-5857-4685-be1f-d57550cc96cc">PowerPoint Presentation Template</TemplateTemplateType>
-    <TimesCloned xmlns="4873beb7-5857-4685-be1f-d57550cc96cc" xsi:nil="true"/>
-    <TPAppVersion xmlns="4873beb7-5857-4685-be1f-d57550cc96cc" xsi:nil="true"/>
-    <VoteCount xmlns="4873beb7-5857-4685-be1f-d57550cc96cc" xsi:nil="true"/>
-    <AverageRating xmlns="4873beb7-5857-4685-be1f-d57550cc96cc" xsi:nil="true"/>
-    <FeatureTagsTaxHTField0 xmlns="4873beb7-5857-4685-be1f-d57550cc96cc">
-      <Terms xmlns="http://schemas.microsoft.com/office/infopath/2007/PartnerControls"/>
-    </FeatureTagsTaxHTField0>
-    <Provider xmlns="4873beb7-5857-4685-be1f-d57550cc96cc" xsi:nil="true"/>
-    <UACurrentWords xmlns="4873beb7-5857-4685-be1f-d57550cc96cc" xsi:nil="true"/>
-    <AssetId xmlns="4873beb7-5857-4685-be1f-d57550cc96cc">TP103431361</AssetId>
-    <TPClientViewer xmlns="4873beb7-5857-4685-be1f-d57550cc96cc" xsi:nil="true"/>
-    <DSATActionTaken xmlns="4873beb7-5857-4685-be1f-d57550cc96cc" xsi:nil="true"/>
-    <APEditor xmlns="4873beb7-5857-4685-be1f-d57550cc96cc">
-      <UserInfo>
-        <DisplayName/>
-        <AccountId xsi:nil="true"/>
-        <AccountType/>
-      </UserInfo>
-    </APEditor>
-    <TPInstallLocation xmlns="4873beb7-5857-4685-be1f-d57550cc96cc" xsi:nil="true"/>
-    <OOCacheId xmlns="4873beb7-5857-4685-be1f-d57550cc96cc" xsi:nil="true"/>
-    <IsDeleted xmlns="4873beb7-5857-4685-be1f-d57550cc96cc">false</IsDeleted>
-    <PublishTargets xmlns="4873beb7-5857-4685-be1f-d57550cc96cc">OfficeOnlineVNext</PublishTargets>
-    <ApprovalLog xmlns="4873beb7-5857-4685-be1f-d57550cc96cc" xsi:nil="true"/>
-    <BugNumber xmlns="4873beb7-5857-4685-be1f-d57550cc96cc" xsi:nil="true"/>
-    <CrawlForDependencies xmlns="4873beb7-5857-4685-be1f-d57550cc96cc">false</CrawlForDependencies>
-    <InternalTagsTaxHTField0 xmlns="4873beb7-5857-4685-be1f-d57550cc96cc">
-      <Terms xmlns="http://schemas.microsoft.com/office/infopath/2007/PartnerControls"/>
-    </InternalTagsTaxHTField0>
-    <LastHandOff xmlns="4873beb7-5857-4685-be1f-d57550cc96cc" xsi:nil="true"/>
-    <Milestone xmlns="4873beb7-5857-4685-be1f-d57550cc96cc" xsi:nil="true"/>
-    <OriginalRelease xmlns="4873beb7-5857-4685-be1f-d57550cc96cc">15</OriginalRelease>
-    <RecommendationsModifier xmlns="4873beb7-5857-4685-be1f-d57550cc96cc" xsi:nil="true"/>
-    <ScenarioTagsTaxHTField0 xmlns="4873beb7-5857-4685-be1f-d57550cc96cc">
-      <Terms xmlns="http://schemas.microsoft.com/office/infopath/2007/PartnerControls"/>
-    </ScenarioTagsTaxHTField0>
-    <UANotes xmlns="4873beb7-5857-4685-be1f-d57550cc96cc" xsi:nil="true"/>
-  </documentManagement>
-</p:properties>
-</file>
-
 <file path=customXml/item3.xml><?xml version="1.0" encoding="utf-8"?>
 <?mso-contentType ?>
 <FormTemplates xmlns="http://schemas.microsoft.com/sharepoint/v3/contenttype/forms">
@@ -12172,6 +16951,22 @@
 </file>
 
 <file path=customXml/itemProps1.xml><?xml version="1.0" encoding="utf-8"?>
+<ds:datastoreItem xmlns:ds="http://schemas.openxmlformats.org/officeDocument/2006/customXml" ds:itemID="{8CDDBB83-77C1-4099-A0AA-289882E745E2}">
+  <ds:schemaRefs>
+    <ds:schemaRef ds:uri="4873beb7-5857-4685-be1f-d57550cc96cc"/>
+    <ds:schemaRef ds:uri="http://www.w3.org/XML/1998/namespace"/>
+    <ds:schemaRef ds:uri="http://purl.org/dc/elements/1.1/"/>
+    <ds:schemaRef ds:uri="http://schemas.microsoft.com/office/2006/documentManagement/types"/>
+    <ds:schemaRef ds:uri="http://purl.org/dc/dcmitype/"/>
+    <ds:schemaRef ds:uri="http://schemas.microsoft.com/office/infopath/2007/PartnerControls"/>
+    <ds:schemaRef ds:uri="http://schemas.openxmlformats.org/package/2006/metadata/core-properties"/>
+    <ds:schemaRef ds:uri="http://schemas.microsoft.com/office/2006/metadata/properties"/>
+    <ds:schemaRef ds:uri="http://purl.org/dc/terms/"/>
+  </ds:schemaRefs>
+</ds:datastoreItem>
+</file>
+
+<file path=customXml/itemProps2.xml><?xml version="1.0" encoding="utf-8"?>
 <ds:datastoreItem xmlns:ds="http://schemas.openxmlformats.org/officeDocument/2006/customXml" ds:itemID="{28C8B9CA-0273-4370-889A-FC05DA5C2FA5}">
   <ds:schemaRefs>
     <ds:schemaRef ds:uri="http://schemas.microsoft.com/office/2006/metadata/contentType"/>
@@ -12189,22 +16984,6 @@
 </ds:datastoreItem>
 </file>
 
-<file path=customXml/itemProps2.xml><?xml version="1.0" encoding="utf-8"?>
-<ds:datastoreItem xmlns:ds="http://schemas.openxmlformats.org/officeDocument/2006/customXml" ds:itemID="{8CDDBB83-77C1-4099-A0AA-289882E745E2}">
-  <ds:schemaRefs>
-    <ds:schemaRef ds:uri="http://purl.org/dc/elements/1.1/"/>
-    <ds:schemaRef ds:uri="http://schemas.microsoft.com/office/2006/metadata/properties"/>
-    <ds:schemaRef ds:uri="4873beb7-5857-4685-be1f-d57550cc96cc"/>
-    <ds:schemaRef ds:uri="http://schemas.openxmlformats.org/package/2006/metadata/core-properties"/>
-    <ds:schemaRef ds:uri="http://purl.org/dc/terms/"/>
-    <ds:schemaRef ds:uri="http://schemas.microsoft.com/office/2006/documentManagement/types"/>
-    <ds:schemaRef ds:uri="http://schemas.microsoft.com/office/infopath/2007/PartnerControls"/>
-    <ds:schemaRef ds:uri="http://www.w3.org/XML/1998/namespace"/>
-    <ds:schemaRef ds:uri="http://purl.org/dc/dcmitype/"/>
-  </ds:schemaRefs>
-</ds:datastoreItem>
-</file>
-
 <file path=customXml/itemProps3.xml><?xml version="1.0" encoding="utf-8"?>
 <ds:datastoreItem xmlns:ds="http://schemas.openxmlformats.org/officeDocument/2006/customXml" ds:itemID="{561E720F-F05D-4536-9C34-0CFCED65D3B7}">
   <ds:schemaRefs>
